--- a/成果発表会/成果発表会.pptx
+++ b/成果発表会/成果発表会.pptx
@@ -5,32 +5,31 @@
     <p:sldMasterId id="2147483648" r:id="rId1"/>
   </p:sldMasterIdLst>
   <p:notesMasterIdLst>
-    <p:notesMasterId r:id="rId25"/>
+    <p:notesMasterId r:id="rId24"/>
   </p:notesMasterIdLst>
   <p:sldIdLst>
-    <p:sldId id="272" r:id="rId2"/>
-    <p:sldId id="291" r:id="rId3"/>
-    <p:sldId id="292" r:id="rId4"/>
-    <p:sldId id="274" r:id="rId5"/>
-    <p:sldId id="276" r:id="rId6"/>
-    <p:sldId id="258" r:id="rId7"/>
-    <p:sldId id="277" r:id="rId8"/>
-    <p:sldId id="279" r:id="rId9"/>
-    <p:sldId id="280" r:id="rId10"/>
-    <p:sldId id="271" r:id="rId11"/>
-    <p:sldId id="273" r:id="rId12"/>
-    <p:sldId id="259" r:id="rId13"/>
-    <p:sldId id="288" r:id="rId14"/>
-    <p:sldId id="281" r:id="rId15"/>
-    <p:sldId id="282" r:id="rId16"/>
-    <p:sldId id="294" r:id="rId17"/>
+    <p:sldId id="291" r:id="rId2"/>
+    <p:sldId id="292" r:id="rId3"/>
+    <p:sldId id="274" r:id="rId4"/>
+    <p:sldId id="276" r:id="rId5"/>
+    <p:sldId id="258" r:id="rId6"/>
+    <p:sldId id="277" r:id="rId7"/>
+    <p:sldId id="279" r:id="rId8"/>
+    <p:sldId id="280" r:id="rId9"/>
+    <p:sldId id="271" r:id="rId10"/>
+    <p:sldId id="273" r:id="rId11"/>
+    <p:sldId id="259" r:id="rId12"/>
+    <p:sldId id="288" r:id="rId13"/>
+    <p:sldId id="281" r:id="rId14"/>
+    <p:sldId id="282" r:id="rId15"/>
+    <p:sldId id="294" r:id="rId16"/>
+    <p:sldId id="293" r:id="rId17"/>
     <p:sldId id="260" r:id="rId18"/>
     <p:sldId id="285" r:id="rId19"/>
     <p:sldId id="286" r:id="rId20"/>
     <p:sldId id="287" r:id="rId21"/>
-    <p:sldId id="293" r:id="rId22"/>
-    <p:sldId id="289" r:id="rId23"/>
-    <p:sldId id="290" r:id="rId24"/>
+    <p:sldId id="266" r:id="rId22"/>
+    <p:sldId id="267" r:id="rId23"/>
   </p:sldIdLst>
   <p:sldSz cx="12192000" cy="6858000"/>
   <p:notesSz cx="6858000" cy="9144000"/>
@@ -156,11 +155,12 @@
     <p1510:client id="{29CEB3EF-D68B-FF82-1B8D-2E0FF7DF126C}" v="1" dt="2025-07-30T06:16:27.897"/>
     <p1510:client id="{50735675-2F79-D84A-CFFB-0EFC8ABBD112}" v="19" dt="2025-07-30T05:14:54.017"/>
     <p1510:client id="{63581BB4-F205-6B63-D6BB-3F6CEEDFF377}" v="28" dt="2025-07-31T00:08:20.021"/>
+    <p1510:client id="{67778B64-E52F-05C5-D21F-12B527838172}" v="12" dt="2025-07-31T02:26:51.932"/>
     <p1510:client id="{68F2A95F-26BD-619B-52FA-0948E200F81B}" v="7" dt="2025-07-30T06:07:03.105"/>
     <p1510:client id="{8A91DAE3-ACB6-283D-894C-B89749722659}" v="709" dt="2025-07-30T05:17:46.301"/>
     <p1510:client id="{A87143E5-F2C9-5B8C-CE65-C3BE18B89DEE}" v="1" dt="2025-07-30T06:50:03.849"/>
     <p1510:client id="{AE2D8DE0-9406-4F53-0C4A-01081517125A}" v="130" dt="2025-07-30T09:06:17.207"/>
-    <p1510:client id="{D06190FE-2A95-02BE-C9A6-5842DC7298A0}" v="106" dt="2025-07-31T01:51:39.116"/>
+    <p1510:client id="{C4F47320-A257-6BFC-A1A9-B77AA69218D7}" v="2" dt="2025-07-31T02:45:25.284"/>
     <p1510:client id="{F5537D62-B8C8-5E0E-5139-5110E24D6305}" v="96" dt="2025-07-30T05:40:01.098"/>
   </p1510:revLst>
 </p1510:revInfo>
@@ -208,6 +208,15 @@
             </a:r>
           </a:p>
         </p188:txBody>
+        <p188:extLst>
+          <p:ext xmlns:p="http://schemas.openxmlformats.org/presentationml/2006/main" uri="{57CB4572-C831-44C2-8A1C-0ADB6CCDFE69}">
+            <p223:reactions xmlns:p223="http://schemas.microsoft.com/office/powerpoint/2022/03/main">
+              <p223:rxn type="👍">
+                <p223:instance time="2025-07-31T02:45:04.471" authorId="{6E887B05-3D30-D784-0DB0-92F325903D34}"/>
+              </p223:rxn>
+            </p223:reactions>
+          </p:ext>
+        </p188:extLst>
       </p188:reply>
     </p188:replyLst>
     <p188:txBody>
@@ -222,36 +231,6 @@
         </a:r>
       </a:p>
     </p188:txBody>
-  </p188:cm>
-</p188:cmLst>
-</file>
-
-<file path=ppt/comments/modernComment_115_6541BC9B.xml><?xml version="1.0" encoding="utf-8"?>
-<p188:cmLst xmlns:a="http://schemas.openxmlformats.org/drawingml/2006/main" xmlns:r="http://schemas.openxmlformats.org/officeDocument/2006/relationships" xmlns:p188="http://schemas.microsoft.com/office/powerpoint/2018/8/main">
-  <p188:cm id="{08D34F17-0AB6-4947-A68C-5F0C7B6C2708}" authorId="{6E887B05-3D30-D784-0DB0-92F325903D34}" created="2025-07-30T03:11:44.706">
-    <pc:sldMkLst xmlns:pc="http://schemas.microsoft.com/office/powerpoint/2013/main/command">
-      <pc:docMk/>
-      <pc:sldMk cId="1698806939" sldId="277"/>
-    </pc:sldMkLst>
-    <p188:txBody>
-      <a:bodyPr/>
-      <a:lstStyle/>
-      <a:p>
-        <a:r>
-          <a:rPr lang="ja-JP" altLang="en-US"/>
-          <a:t>門脇さんから返信来ていないので、空白です</a:t>
-        </a:r>
-      </a:p>
-    </p188:txBody>
-    <p188:extLst>
-      <p:ext xmlns:p="http://schemas.openxmlformats.org/presentationml/2006/main" uri="{57CB4572-C831-44C2-8A1C-0ADB6CCDFE69}">
-        <p223:reactions xmlns:p223="http://schemas.microsoft.com/office/powerpoint/2022/03/main">
-          <p223:rxn type="👍">
-            <p223:instance time="2025-07-30T05:17:24.863" authorId="{7BA28A79-BF91-0C75-D772-819B4F3684C3}"/>
-          </p223:rxn>
-        </p223:reactions>
-      </p:ext>
-    </p188:extLst>
   </p188:cm>
 </p188:cmLst>
 </file>
@@ -1812,7 +1791,7 @@
                 <a:schemeClr val="tx1"/>
               </a:solidFill>
             </a:rPr>
-            <a:t>商品一覧画面</a:t>
+            <a:t>商品一覧</a:t>
           </a:r>
         </a:p>
       </dgm:t>
@@ -1865,6 +1844,11 @@
             </a:rPr>
             <a:t>カート</a:t>
           </a:r>
+          <a:endParaRPr kumimoji="1" lang="en-US" altLang="ja-JP">
+            <a:solidFill>
+              <a:schemeClr val="tx1"/>
+            </a:solidFill>
+          </a:endParaRPr>
         </a:p>
       </dgm:t>
     </dgm:pt>
@@ -2223,8 +2207,8 @@
       </dsp:nvSpPr>
       <dsp:spPr>
         <a:xfrm>
-          <a:off x="496" y="1492623"/>
-          <a:ext cx="2082214" cy="1990164"/>
+          <a:off x="2947" y="1492623"/>
+          <a:ext cx="2077072" cy="1990164"/>
         </a:xfrm>
         <a:prstGeom prst="roundRect">
           <a:avLst/>
@@ -2281,13 +2265,13 @@
                 <a:schemeClr val="tx1"/>
               </a:solidFill>
             </a:rPr>
-            <a:t>商品一覧画面</a:t>
+            <a:t>商品一覧</a:t>
           </a:r>
         </a:p>
       </dsp:txBody>
       <dsp:txXfrm>
-        <a:off x="97648" y="1589775"/>
-        <a:ext cx="1887910" cy="1795860"/>
+        <a:off x="100099" y="1589775"/>
+        <a:ext cx="1882768" cy="1795860"/>
       </dsp:txXfrm>
     </dsp:sp>
     <dsp:sp modelId="{4A2AB38F-D994-49EF-87C5-18A51F677778}">
@@ -2297,8 +2281,8 @@
       </dsp:nvSpPr>
       <dsp:spPr>
         <a:xfrm>
-          <a:off x="2283406" y="1492623"/>
-          <a:ext cx="2082214" cy="1990164"/>
+          <a:off x="2285917" y="1492623"/>
+          <a:ext cx="2077072" cy="1990164"/>
         </a:xfrm>
         <a:prstGeom prst="roundRect">
           <a:avLst/>
@@ -2365,8 +2349,8 @@
         </a:p>
       </dsp:txBody>
       <dsp:txXfrm>
-        <a:off x="2380558" y="1589775"/>
-        <a:ext cx="1887910" cy="1795860"/>
+        <a:off x="2383069" y="1589775"/>
+        <a:ext cx="1882768" cy="1795860"/>
       </dsp:txXfrm>
     </dsp:sp>
     <dsp:sp modelId="{D8D86654-6506-48A9-9FE3-A89CA8618159}">
@@ -2376,8 +2360,8 @@
       </dsp:nvSpPr>
       <dsp:spPr>
         <a:xfrm>
-          <a:off x="4566315" y="1492623"/>
-          <a:ext cx="2082214" cy="1990164"/>
+          <a:off x="4568886" y="1492623"/>
+          <a:ext cx="2077072" cy="1990164"/>
         </a:xfrm>
         <a:prstGeom prst="roundRect">
           <a:avLst/>
@@ -2436,11 +2420,16 @@
             </a:rPr>
             <a:t>カート</a:t>
           </a:r>
+          <a:endParaRPr kumimoji="1" lang="en-US" altLang="ja-JP" sz="3200" kern="1200">
+            <a:solidFill>
+              <a:schemeClr val="tx1"/>
+            </a:solidFill>
+          </a:endParaRPr>
         </a:p>
       </dsp:txBody>
       <dsp:txXfrm>
-        <a:off x="4663467" y="1589775"/>
-        <a:ext cx="1887910" cy="1795860"/>
+        <a:off x="4666038" y="1589775"/>
+        <a:ext cx="1882768" cy="1795860"/>
       </dsp:txXfrm>
     </dsp:sp>
     <dsp:sp modelId="{268364D2-3607-4C71-ACDF-C7096E9DEC48}">
@@ -2450,8 +2439,8 @@
       </dsp:nvSpPr>
       <dsp:spPr>
         <a:xfrm>
-          <a:off x="6849225" y="1492623"/>
-          <a:ext cx="2082214" cy="1990164"/>
+          <a:off x="6851856" y="1492623"/>
+          <a:ext cx="2077072" cy="1990164"/>
         </a:xfrm>
         <a:prstGeom prst="roundRect">
           <a:avLst/>
@@ -2513,8 +2502,8 @@
         </a:p>
       </dsp:txBody>
       <dsp:txXfrm>
-        <a:off x="6946377" y="1589775"/>
-        <a:ext cx="1887910" cy="1795860"/>
+        <a:off x="6949008" y="1589775"/>
+        <a:ext cx="1882768" cy="1795860"/>
       </dsp:txXfrm>
     </dsp:sp>
     <dsp:sp modelId="{B7C95736-2638-4E9A-8B98-13312AE27EC0}">
@@ -2524,8 +2513,8 @@
       </dsp:nvSpPr>
       <dsp:spPr>
         <a:xfrm>
-          <a:off x="9132135" y="1492623"/>
-          <a:ext cx="2082214" cy="1990164"/>
+          <a:off x="9134826" y="1492623"/>
+          <a:ext cx="2077072" cy="1990164"/>
         </a:xfrm>
         <a:prstGeom prst="roundRect">
           <a:avLst/>
@@ -2587,8 +2576,8 @@
         </a:p>
       </dsp:txBody>
       <dsp:txXfrm>
-        <a:off x="9229287" y="1589775"/>
-        <a:ext cx="1887910" cy="1795860"/>
+        <a:off x="9231978" y="1589775"/>
+        <a:ext cx="1882768" cy="1795860"/>
       </dsp:txXfrm>
     </dsp:sp>
   </dsp:spTree>
@@ -5466,7 +5455,7 @@
       </p:grpSpPr>
       <p:sp>
         <p:nvSpPr>
-          <p:cNvPr id="2" name="Slide Image Placeholder 1"/>
+          <p:cNvPr id="2" name="スライド イメージ プレースホルダー 1"/>
           <p:cNvSpPr>
             <a:spLocks noGrp="1" noRot="1" noChangeAspect="1"/>
           </p:cNvSpPr>
@@ -5478,7 +5467,7 @@
       </p:sp>
       <p:sp>
         <p:nvSpPr>
-          <p:cNvPr id="3" name="Notes Placeholder 2"/>
+          <p:cNvPr id="3" name="ノート プレースホルダー 2"/>
           <p:cNvSpPr>
             <a:spLocks noGrp="1"/>
           </p:cNvSpPr>
@@ -5492,58 +5481,15 @@
           <a:lstStyle/>
           <a:p>
             <a:r>
-              <a:rPr lang="ja-JP" altLang="en-US">
-                <a:ea typeface="游ゴシック"/>
-                <a:cs typeface="Calibri"/>
-              </a:rPr>
-              <a:t>基本的には例をそのまま使用し、変更した点について書いていく。</a:t>
-            </a:r>
-          </a:p>
-          <a:p>
-            <a:r>
-              <a:rPr lang="en-US" altLang="ja-JP">
-                <a:ea typeface="游ゴシック"/>
-              </a:rPr>
-              <a:t>ProductRepositoryTest：DBから返ってくる段階で条件検索を行っているので、そこのテストも実行するようにした。</a:t>
-            </a:r>
-            <a:endParaRPr lang="en-US" altLang="ja-JP">
-              <a:ea typeface="游ゴシック"/>
-              <a:cs typeface="Calibri"/>
-            </a:endParaRPr>
-          </a:p>
-          <a:p>
-            <a:r>
-              <a:rPr lang="en-US" altLang="ja-JP" err="1">
-                <a:ea typeface="游ゴシック"/>
-                <a:cs typeface="Calibri"/>
-              </a:rPr>
-              <a:t>ProductServiceTest:検索機能を複数準備したので、複合テストをするのに苦労した</a:t>
-            </a:r>
-            <a:r>
-              <a:rPr lang="en-US" altLang="ja-JP">
-                <a:ea typeface="游ゴシック"/>
-                <a:cs typeface="Calibri"/>
-              </a:rPr>
-              <a:t>。</a:t>
-            </a:r>
-          </a:p>
-          <a:p>
-            <a:endParaRPr lang="en-US" altLang="ja-JP">
-              <a:ea typeface="游ゴシック"/>
-              <a:cs typeface="Calibri"/>
-            </a:endParaRPr>
-          </a:p>
-          <a:p>
-            <a:endParaRPr lang="en-US" altLang="ja-JP">
-              <a:ea typeface="游ゴシック"/>
-              <a:cs typeface="Calibri"/>
-            </a:endParaRPr>
+              <a:rPr kumimoji="1" lang="ja-JP" altLang="en-US"/>
+              <a:t>・</a:t>
+            </a:r>
           </a:p>
         </p:txBody>
       </p:sp>
       <p:sp>
         <p:nvSpPr>
-          <p:cNvPr id="4" name="Slide Number Placeholder 3"/>
+          <p:cNvPr id="4" name="スライド番号プレースホルダー 3"/>
           <p:cNvSpPr>
             <a:spLocks noGrp="1"/>
           </p:cNvSpPr>
@@ -5557,16 +5503,101 @@
           <a:lstStyle/>
           <a:p>
             <a:fld id="{9FB2AA03-8856-4187-A994-8F633B6CB75F}" type="slidenum">
-              <a:t>12</a:t>
+              <a:rPr lang="en-US" altLang="ja-JP" smtClean="0"/>
+              <a:t>7</a:t>
             </a:fld>
-            <a:endParaRPr kumimoji="1" lang="en-US"/>
+            <a:endParaRPr kumimoji="1" lang="ja-JP" altLang="en-US"/>
           </a:p>
         </p:txBody>
       </p:sp>
     </p:spTree>
     <p:extLst>
       <p:ext uri="{BB962C8B-B14F-4D97-AF65-F5344CB8AC3E}">
-        <p14:creationId xmlns:p14="http://schemas.microsoft.com/office/powerpoint/2010/main" val="3941293650"/>
+        <p14:creationId xmlns:p14="http://schemas.microsoft.com/office/powerpoint/2010/main" val="2707534595"/>
+      </p:ext>
+    </p:extLst>
+  </p:cSld>
+  <p:clrMapOvr>
+    <a:masterClrMapping/>
+  </p:clrMapOvr>
+</p:notes>
+</file>
+
+<file path=ppt/notesSlides/notesSlide10.xml><?xml version="1.0" encoding="utf-8"?>
+<p:notes xmlns:a="http://schemas.openxmlformats.org/drawingml/2006/main" xmlns:r="http://schemas.openxmlformats.org/officeDocument/2006/relationships" xmlns:p="http://schemas.openxmlformats.org/presentationml/2006/main">
+  <p:cSld>
+    <p:spTree>
+      <p:nvGrpSpPr>
+        <p:cNvPr id="1" name=""/>
+        <p:cNvGrpSpPr/>
+        <p:nvPr/>
+      </p:nvGrpSpPr>
+      <p:grpSpPr>
+        <a:xfrm>
+          <a:off x="0" y="0"/>
+          <a:ext cx="0" cy="0"/>
+          <a:chOff x="0" y="0"/>
+          <a:chExt cx="0" cy="0"/>
+        </a:xfrm>
+      </p:grpSpPr>
+      <p:sp>
+        <p:nvSpPr>
+          <p:cNvPr id="2" name="スライド イメージ プレースホルダー 1"/>
+          <p:cNvSpPr>
+            <a:spLocks noGrp="1" noRot="1" noChangeAspect="1"/>
+          </p:cNvSpPr>
+          <p:nvPr>
+            <p:ph type="sldImg"/>
+          </p:nvPr>
+        </p:nvSpPr>
+        <p:spPr/>
+      </p:sp>
+      <p:sp>
+        <p:nvSpPr>
+          <p:cNvPr id="3" name="ノート プレースホルダー 2"/>
+          <p:cNvSpPr>
+            <a:spLocks noGrp="1"/>
+          </p:cNvSpPr>
+          <p:nvPr>
+            <p:ph type="body" idx="1"/>
+          </p:nvPr>
+        </p:nvSpPr>
+        <p:spPr/>
+        <p:txBody>
+          <a:bodyPr/>
+          <a:lstStyle/>
+          <a:p>
+            <a:endParaRPr kumimoji="1" lang="ja-JP" altLang="en-US"/>
+          </a:p>
+        </p:txBody>
+      </p:sp>
+      <p:sp>
+        <p:nvSpPr>
+          <p:cNvPr id="4" name="スライド番号プレースホルダー 3"/>
+          <p:cNvSpPr>
+            <a:spLocks noGrp="1"/>
+          </p:cNvSpPr>
+          <p:nvPr>
+            <p:ph type="sldNum" sz="quarter" idx="5"/>
+          </p:nvPr>
+        </p:nvSpPr>
+        <p:spPr/>
+        <p:txBody>
+          <a:bodyPr/>
+          <a:lstStyle/>
+          <a:p>
+            <a:fld id="{9FB2AA03-8856-4187-A994-8F633B6CB75F}" type="slidenum">
+              <a:rPr lang="en-US" altLang="ja-JP" smtClean="0"/>
+              <a:t>22</a:t>
+            </a:fld>
+            <a:endParaRPr kumimoji="1" lang="ja-JP" altLang="en-US"/>
+          </a:p>
+        </p:txBody>
+      </p:sp>
+    </p:spTree>
+    <p:extLst>
+      <p:ext uri="{BB962C8B-B14F-4D97-AF65-F5344CB8AC3E}">
+        <p14:creationId xmlns:p14="http://schemas.microsoft.com/office/powerpoint/2010/main" val="1708115910"/>
       </p:ext>
     </p:extLst>
   </p:cSld>
@@ -5595,7 +5626,7 @@
       </p:grpSpPr>
       <p:sp>
         <p:nvSpPr>
-          <p:cNvPr id="2" name="Slide Image Placeholder 1"/>
+          <p:cNvPr id="2" name="スライド イメージ プレースホルダー 1"/>
           <p:cNvSpPr>
             <a:spLocks noGrp="1" noRot="1" noChangeAspect="1"/>
           </p:cNvSpPr>
@@ -5607,7 +5638,7 @@
       </p:sp>
       <p:sp>
         <p:nvSpPr>
-          <p:cNvPr id="3" name="Notes Placeholder 2"/>
+          <p:cNvPr id="3" name="ノート プレースホルダー 2"/>
           <p:cNvSpPr>
             <a:spLocks noGrp="1"/>
           </p:cNvSpPr>
@@ -5620,31 +5651,13 @@
           <a:bodyPr/>
           <a:lstStyle/>
           <a:p>
-            <a:r>
-              <a:rPr lang="en-US" err="1"/>
-              <a:t>CategoryService</a:t>
-            </a:r>
-            <a:r>
-              <a:rPr lang="ja-JP" altLang="en-US">
-                <a:ea typeface="游ゴシック"/>
-              </a:rPr>
-              <a:t>は画面でプルダウンを表示するときにCategory名どこから持ってきているかを定義している。</a:t>
-            </a:r>
-          </a:p>
-          <a:p>
-            <a:r>
-              <a:rPr lang="ja-JP" altLang="en-US">
-                <a:ea typeface="游ゴシック"/>
-                <a:cs typeface="Calibri"/>
-              </a:rPr>
-              <a:t>データベースからすべての商品を持ってきているから、商品を大量に追加したときのカテゴリーの設定がいらない。手数が少なくていい（ほかのチームと違ったとき）</a:t>
-            </a:r>
+            <a:endParaRPr kumimoji="1" lang="ja-JP" altLang="en-US"/>
           </a:p>
         </p:txBody>
       </p:sp>
       <p:sp>
         <p:nvSpPr>
-          <p:cNvPr id="4" name="Slide Number Placeholder 3"/>
+          <p:cNvPr id="4" name="スライド番号プレースホルダー 3"/>
           <p:cNvSpPr>
             <a:spLocks noGrp="1"/>
           </p:cNvSpPr>
@@ -5658,16 +5671,17 @@
           <a:lstStyle/>
           <a:p>
             <a:fld id="{9FB2AA03-8856-4187-A994-8F633B6CB75F}" type="slidenum">
-              <a:t>13</a:t>
+              <a:rPr lang="en-US" altLang="ja-JP" smtClean="0"/>
+              <a:t>10</a:t>
             </a:fld>
-            <a:endParaRPr kumimoji="1" lang="en-US"/>
+            <a:endParaRPr kumimoji="1" lang="ja-JP" altLang="en-US"/>
           </a:p>
         </p:txBody>
       </p:sp>
     </p:spTree>
     <p:extLst>
       <p:ext uri="{BB962C8B-B14F-4D97-AF65-F5344CB8AC3E}">
-        <p14:creationId xmlns:p14="http://schemas.microsoft.com/office/powerpoint/2010/main" val="2159970562"/>
+        <p14:creationId xmlns:p14="http://schemas.microsoft.com/office/powerpoint/2010/main" val="1585855163"/>
       </p:ext>
     </p:extLst>
   </p:cSld>
@@ -5726,11 +5740,45 @@
                 <a:ea typeface="游ゴシック"/>
                 <a:cs typeface="Calibri"/>
               </a:rPr>
-              <a:t>単体テストと同様に変更点のみ書いていく。</a:t>
-            </a:r>
-          </a:p>
-          <a:p>
-            <a:endParaRPr lang="ja-JP" altLang="en-US">
+              <a:t>基本的には例をそのまま使用し、変更した点について書いていく。</a:t>
+            </a:r>
+          </a:p>
+          <a:p>
+            <a:r>
+              <a:rPr lang="en-US" altLang="ja-JP">
+                <a:ea typeface="游ゴシック"/>
+              </a:rPr>
+              <a:t>ProductRepositoryTest：DBから返ってくる段階で条件検索を行っているので、そこのテストも実行するようにした。</a:t>
+            </a:r>
+            <a:endParaRPr lang="en-US" altLang="ja-JP">
+              <a:ea typeface="游ゴシック"/>
+              <a:cs typeface="Calibri"/>
+            </a:endParaRPr>
+          </a:p>
+          <a:p>
+            <a:r>
+              <a:rPr lang="en-US" altLang="ja-JP" err="1">
+                <a:ea typeface="游ゴシック"/>
+                <a:cs typeface="Calibri"/>
+              </a:rPr>
+              <a:t>ProductServiceTest:検索機能を複数準備したので、複合テストをするのに苦労した</a:t>
+            </a:r>
+            <a:r>
+              <a:rPr lang="en-US" altLang="ja-JP">
+                <a:ea typeface="游ゴシック"/>
+                <a:cs typeface="Calibri"/>
+              </a:rPr>
+              <a:t>。</a:t>
+            </a:r>
+          </a:p>
+          <a:p>
+            <a:endParaRPr lang="en-US" altLang="ja-JP">
+              <a:ea typeface="游ゴシック"/>
+              <a:cs typeface="Calibri"/>
+            </a:endParaRPr>
+          </a:p>
+          <a:p>
+            <a:endParaRPr lang="en-US" altLang="ja-JP">
               <a:ea typeface="游ゴシック"/>
               <a:cs typeface="Calibri"/>
             </a:endParaRPr>
@@ -5753,8 +5801,7 @@
           <a:lstStyle/>
           <a:p>
             <a:fld id="{9FB2AA03-8856-4187-A994-8F633B6CB75F}" type="slidenum">
-              <a:rPr lang="en-US"/>
-              <a:t>14</a:t>
+              <a:t>11</a:t>
             </a:fld>
             <a:endParaRPr kumimoji="1" lang="en-US"/>
           </a:p>
@@ -5763,7 +5810,7 @@
     </p:spTree>
     <p:extLst>
       <p:ext uri="{BB962C8B-B14F-4D97-AF65-F5344CB8AC3E}">
-        <p14:creationId xmlns:p14="http://schemas.microsoft.com/office/powerpoint/2010/main" val="3537271140"/>
+        <p14:creationId xmlns:p14="http://schemas.microsoft.com/office/powerpoint/2010/main" val="3941293650"/>
       </p:ext>
     </p:extLst>
   </p:cSld>
@@ -5817,6 +5864,203 @@
           <a:bodyPr/>
           <a:lstStyle/>
           <a:p>
+            <a:r>
+              <a:rPr lang="en-US" err="1"/>
+              <a:t>CategoryService</a:t>
+            </a:r>
+            <a:r>
+              <a:rPr lang="ja-JP" altLang="en-US">
+                <a:ea typeface="游ゴシック"/>
+              </a:rPr>
+              <a:t>は画面でプルダウンを表示するときにCategory名どこから持ってきているかを定義している。</a:t>
+            </a:r>
+          </a:p>
+          <a:p>
+            <a:r>
+              <a:rPr lang="ja-JP" altLang="en-US">
+                <a:ea typeface="游ゴシック"/>
+                <a:cs typeface="Calibri"/>
+              </a:rPr>
+              <a:t>データベースからすべての商品を持ってきているから、商品を大量に追加したときのカテゴリーの設定がいらない。手数が少なくていい（ほかのチームと違ったとき）</a:t>
+            </a:r>
+          </a:p>
+        </p:txBody>
+      </p:sp>
+      <p:sp>
+        <p:nvSpPr>
+          <p:cNvPr id="4" name="Slide Number Placeholder 3"/>
+          <p:cNvSpPr>
+            <a:spLocks noGrp="1"/>
+          </p:cNvSpPr>
+          <p:nvPr>
+            <p:ph type="sldNum" sz="quarter" idx="5"/>
+          </p:nvPr>
+        </p:nvSpPr>
+        <p:spPr/>
+        <p:txBody>
+          <a:bodyPr/>
+          <a:lstStyle/>
+          <a:p>
+            <a:fld id="{9FB2AA03-8856-4187-A994-8F633B6CB75F}" type="slidenum">
+              <a:t>12</a:t>
+            </a:fld>
+            <a:endParaRPr kumimoji="1" lang="en-US"/>
+          </a:p>
+        </p:txBody>
+      </p:sp>
+    </p:spTree>
+    <p:extLst>
+      <p:ext uri="{BB962C8B-B14F-4D97-AF65-F5344CB8AC3E}">
+        <p14:creationId xmlns:p14="http://schemas.microsoft.com/office/powerpoint/2010/main" val="2159970562"/>
+      </p:ext>
+    </p:extLst>
+  </p:cSld>
+  <p:clrMapOvr>
+    <a:masterClrMapping/>
+  </p:clrMapOvr>
+</p:notes>
+</file>
+
+<file path=ppt/notesSlides/notesSlide5.xml><?xml version="1.0" encoding="utf-8"?>
+<p:notes xmlns:a="http://schemas.openxmlformats.org/drawingml/2006/main" xmlns:r="http://schemas.openxmlformats.org/officeDocument/2006/relationships" xmlns:p="http://schemas.openxmlformats.org/presentationml/2006/main">
+  <p:cSld>
+    <p:spTree>
+      <p:nvGrpSpPr>
+        <p:cNvPr id="1" name=""/>
+        <p:cNvGrpSpPr/>
+        <p:nvPr/>
+      </p:nvGrpSpPr>
+      <p:grpSpPr>
+        <a:xfrm>
+          <a:off x="0" y="0"/>
+          <a:ext cx="0" cy="0"/>
+          <a:chOff x="0" y="0"/>
+          <a:chExt cx="0" cy="0"/>
+        </a:xfrm>
+      </p:grpSpPr>
+      <p:sp>
+        <p:nvSpPr>
+          <p:cNvPr id="2" name="Slide Image Placeholder 1"/>
+          <p:cNvSpPr>
+            <a:spLocks noGrp="1" noRot="1" noChangeAspect="1"/>
+          </p:cNvSpPr>
+          <p:nvPr>
+            <p:ph type="sldImg"/>
+          </p:nvPr>
+        </p:nvSpPr>
+        <p:spPr/>
+      </p:sp>
+      <p:sp>
+        <p:nvSpPr>
+          <p:cNvPr id="3" name="Notes Placeholder 2"/>
+          <p:cNvSpPr>
+            <a:spLocks noGrp="1"/>
+          </p:cNvSpPr>
+          <p:nvPr>
+            <p:ph type="body" idx="1"/>
+          </p:nvPr>
+        </p:nvSpPr>
+        <p:spPr/>
+        <p:txBody>
+          <a:bodyPr/>
+          <a:lstStyle/>
+          <a:p>
+            <a:r>
+              <a:rPr lang="ja-JP" altLang="en-US">
+                <a:ea typeface="游ゴシック"/>
+                <a:cs typeface="Calibri"/>
+              </a:rPr>
+              <a:t>単体テストと同様に変更点のみ書いていく。</a:t>
+            </a:r>
+          </a:p>
+          <a:p>
+            <a:endParaRPr lang="ja-JP" altLang="en-US">
+              <a:ea typeface="游ゴシック"/>
+              <a:cs typeface="Calibri"/>
+            </a:endParaRPr>
+          </a:p>
+        </p:txBody>
+      </p:sp>
+      <p:sp>
+        <p:nvSpPr>
+          <p:cNvPr id="4" name="Slide Number Placeholder 3"/>
+          <p:cNvSpPr>
+            <a:spLocks noGrp="1"/>
+          </p:cNvSpPr>
+          <p:nvPr>
+            <p:ph type="sldNum" sz="quarter" idx="5"/>
+          </p:nvPr>
+        </p:nvSpPr>
+        <p:spPr/>
+        <p:txBody>
+          <a:bodyPr/>
+          <a:lstStyle/>
+          <a:p>
+            <a:fld id="{9FB2AA03-8856-4187-A994-8F633B6CB75F}" type="slidenum">
+              <a:rPr lang="en-US"/>
+              <a:t>13</a:t>
+            </a:fld>
+            <a:endParaRPr kumimoji="1" lang="en-US"/>
+          </a:p>
+        </p:txBody>
+      </p:sp>
+    </p:spTree>
+    <p:extLst>
+      <p:ext uri="{BB962C8B-B14F-4D97-AF65-F5344CB8AC3E}">
+        <p14:creationId xmlns:p14="http://schemas.microsoft.com/office/powerpoint/2010/main" val="3537271140"/>
+      </p:ext>
+    </p:extLst>
+  </p:cSld>
+  <p:clrMapOvr>
+    <a:masterClrMapping/>
+  </p:clrMapOvr>
+</p:notes>
+</file>
+
+<file path=ppt/notesSlides/notesSlide6.xml><?xml version="1.0" encoding="utf-8"?>
+<p:notes xmlns:a="http://schemas.openxmlformats.org/drawingml/2006/main" xmlns:r="http://schemas.openxmlformats.org/officeDocument/2006/relationships" xmlns:p="http://schemas.openxmlformats.org/presentationml/2006/main">
+  <p:cSld>
+    <p:spTree>
+      <p:nvGrpSpPr>
+        <p:cNvPr id="1" name=""/>
+        <p:cNvGrpSpPr/>
+        <p:nvPr/>
+      </p:nvGrpSpPr>
+      <p:grpSpPr>
+        <a:xfrm>
+          <a:off x="0" y="0"/>
+          <a:ext cx="0" cy="0"/>
+          <a:chOff x="0" y="0"/>
+          <a:chExt cx="0" cy="0"/>
+        </a:xfrm>
+      </p:grpSpPr>
+      <p:sp>
+        <p:nvSpPr>
+          <p:cNvPr id="2" name="Slide Image Placeholder 1"/>
+          <p:cNvSpPr>
+            <a:spLocks noGrp="1" noRot="1" noChangeAspect="1"/>
+          </p:cNvSpPr>
+          <p:nvPr>
+            <p:ph type="sldImg"/>
+          </p:nvPr>
+        </p:nvSpPr>
+        <p:spPr/>
+      </p:sp>
+      <p:sp>
+        <p:nvSpPr>
+          <p:cNvPr id="3" name="Notes Placeholder 2"/>
+          <p:cNvSpPr>
+            <a:spLocks noGrp="1"/>
+          </p:cNvSpPr>
+          <p:nvPr>
+            <p:ph type="body" idx="1"/>
+          </p:nvPr>
+        </p:nvSpPr>
+        <p:spPr/>
+        <p:txBody>
+          <a:bodyPr/>
+          <a:lstStyle/>
+          <a:p>
             <a:pPr marL="0" marR="0" lvl="0" indent="0" algn="l" defTabSz="914400" rtl="0" eaLnBrk="1" fontAlgn="auto" latinLnBrk="0" hangingPunct="1">
               <a:lnSpc>
                 <a:spcPct val="100000"/>
@@ -5973,7 +6217,7 @@
           <a:p>
             <a:fld id="{9FB2AA03-8856-4187-A994-8F633B6CB75F}" type="slidenum">
               <a:rPr lang="en-US"/>
-              <a:t>16</a:t>
+              <a:t>15</a:t>
             </a:fld>
             <a:endParaRPr kumimoji="1" lang="en-US"/>
           </a:p>
@@ -5983,6 +6227,261 @@
     <p:extLst>
       <p:ext uri="{BB962C8B-B14F-4D97-AF65-F5344CB8AC3E}">
         <p14:creationId xmlns:p14="http://schemas.microsoft.com/office/powerpoint/2010/main" val="3627498894"/>
+      </p:ext>
+    </p:extLst>
+  </p:cSld>
+  <p:clrMapOvr>
+    <a:masterClrMapping/>
+  </p:clrMapOvr>
+</p:notes>
+</file>
+
+<file path=ppt/notesSlides/notesSlide7.xml><?xml version="1.0" encoding="utf-8"?>
+<p:notes xmlns:a="http://schemas.openxmlformats.org/drawingml/2006/main" xmlns:r="http://schemas.openxmlformats.org/officeDocument/2006/relationships" xmlns:p="http://schemas.openxmlformats.org/presentationml/2006/main">
+  <p:cSld>
+    <p:spTree>
+      <p:nvGrpSpPr>
+        <p:cNvPr id="1" name=""/>
+        <p:cNvGrpSpPr/>
+        <p:nvPr/>
+      </p:nvGrpSpPr>
+      <p:grpSpPr>
+        <a:xfrm>
+          <a:off x="0" y="0"/>
+          <a:ext cx="0" cy="0"/>
+          <a:chOff x="0" y="0"/>
+          <a:chExt cx="0" cy="0"/>
+        </a:xfrm>
+      </p:grpSpPr>
+      <p:sp>
+        <p:nvSpPr>
+          <p:cNvPr id="2" name="スライド イメージ プレースホルダー 1"/>
+          <p:cNvSpPr>
+            <a:spLocks noGrp="1" noRot="1" noChangeAspect="1"/>
+          </p:cNvSpPr>
+          <p:nvPr>
+            <p:ph type="sldImg"/>
+          </p:nvPr>
+        </p:nvSpPr>
+        <p:spPr/>
+      </p:sp>
+      <p:sp>
+        <p:nvSpPr>
+          <p:cNvPr id="3" name="ノート プレースホルダー 2"/>
+          <p:cNvSpPr>
+            <a:spLocks noGrp="1"/>
+          </p:cNvSpPr>
+          <p:nvPr>
+            <p:ph type="body" idx="1"/>
+          </p:nvPr>
+        </p:nvSpPr>
+        <p:spPr/>
+        <p:txBody>
+          <a:bodyPr/>
+          <a:lstStyle/>
+          <a:p>
+            <a:endParaRPr kumimoji="1" lang="ja-JP" altLang="en-US"/>
+          </a:p>
+        </p:txBody>
+      </p:sp>
+      <p:sp>
+        <p:nvSpPr>
+          <p:cNvPr id="4" name="スライド番号プレースホルダー 3"/>
+          <p:cNvSpPr>
+            <a:spLocks noGrp="1"/>
+          </p:cNvSpPr>
+          <p:nvPr>
+            <p:ph type="sldNum" sz="quarter" idx="5"/>
+          </p:nvPr>
+        </p:nvSpPr>
+        <p:spPr/>
+        <p:txBody>
+          <a:bodyPr/>
+          <a:lstStyle/>
+          <a:p>
+            <a:fld id="{9FB2AA03-8856-4187-A994-8F633B6CB75F}" type="slidenum">
+              <a:rPr lang="en-US" altLang="ja-JP" smtClean="0"/>
+              <a:t>17</a:t>
+            </a:fld>
+            <a:endParaRPr kumimoji="1" lang="ja-JP" altLang="en-US"/>
+          </a:p>
+        </p:txBody>
+      </p:sp>
+    </p:spTree>
+    <p:extLst>
+      <p:ext uri="{BB962C8B-B14F-4D97-AF65-F5344CB8AC3E}">
+        <p14:creationId xmlns:p14="http://schemas.microsoft.com/office/powerpoint/2010/main" val="439130271"/>
+      </p:ext>
+    </p:extLst>
+  </p:cSld>
+  <p:clrMapOvr>
+    <a:masterClrMapping/>
+  </p:clrMapOvr>
+</p:notes>
+</file>
+
+<file path=ppt/notesSlides/notesSlide8.xml><?xml version="1.0" encoding="utf-8"?>
+<p:notes xmlns:a="http://schemas.openxmlformats.org/drawingml/2006/main" xmlns:r="http://schemas.openxmlformats.org/officeDocument/2006/relationships" xmlns:p="http://schemas.openxmlformats.org/presentationml/2006/main">
+  <p:cSld>
+    <p:spTree>
+      <p:nvGrpSpPr>
+        <p:cNvPr id="1" name=""/>
+        <p:cNvGrpSpPr/>
+        <p:nvPr/>
+      </p:nvGrpSpPr>
+      <p:grpSpPr>
+        <a:xfrm>
+          <a:off x="0" y="0"/>
+          <a:ext cx="0" cy="0"/>
+          <a:chOff x="0" y="0"/>
+          <a:chExt cx="0" cy="0"/>
+        </a:xfrm>
+      </p:grpSpPr>
+      <p:sp>
+        <p:nvSpPr>
+          <p:cNvPr id="2" name="スライド イメージ プレースホルダー 1"/>
+          <p:cNvSpPr>
+            <a:spLocks noGrp="1" noRot="1" noChangeAspect="1"/>
+          </p:cNvSpPr>
+          <p:nvPr>
+            <p:ph type="sldImg"/>
+          </p:nvPr>
+        </p:nvSpPr>
+        <p:spPr/>
+      </p:sp>
+      <p:sp>
+        <p:nvSpPr>
+          <p:cNvPr id="3" name="ノート プレースホルダー 2"/>
+          <p:cNvSpPr>
+            <a:spLocks noGrp="1"/>
+          </p:cNvSpPr>
+          <p:nvPr>
+            <p:ph type="body" idx="1"/>
+          </p:nvPr>
+        </p:nvSpPr>
+        <p:spPr/>
+        <p:txBody>
+          <a:bodyPr/>
+          <a:lstStyle/>
+          <a:p>
+            <a:r>
+              <a:rPr kumimoji="1" lang="ja-JP" altLang="en-US"/>
+              <a:t>どのような方法で実装するかをあまり考えないまま設計書を作成。いざ実装段階になると、設計書と違う方法で進めた方がいいのではという部分が結構出てきた。</a:t>
+            </a:r>
+          </a:p>
+        </p:txBody>
+      </p:sp>
+      <p:sp>
+        <p:nvSpPr>
+          <p:cNvPr id="4" name="スライド番号プレースホルダー 3"/>
+          <p:cNvSpPr>
+            <a:spLocks noGrp="1"/>
+          </p:cNvSpPr>
+          <p:nvPr>
+            <p:ph type="sldNum" sz="quarter" idx="5"/>
+          </p:nvPr>
+        </p:nvSpPr>
+        <p:spPr/>
+        <p:txBody>
+          <a:bodyPr/>
+          <a:lstStyle/>
+          <a:p>
+            <a:fld id="{9FB2AA03-8856-4187-A994-8F633B6CB75F}" type="slidenum">
+              <a:rPr lang="en-US" altLang="ja-JP" smtClean="0"/>
+              <a:t>18</a:t>
+            </a:fld>
+            <a:endParaRPr kumimoji="1" lang="ja-JP" altLang="en-US"/>
+          </a:p>
+        </p:txBody>
+      </p:sp>
+    </p:spTree>
+    <p:extLst>
+      <p:ext uri="{BB962C8B-B14F-4D97-AF65-F5344CB8AC3E}">
+        <p14:creationId xmlns:p14="http://schemas.microsoft.com/office/powerpoint/2010/main" val="1923803218"/>
+      </p:ext>
+    </p:extLst>
+  </p:cSld>
+  <p:clrMapOvr>
+    <a:masterClrMapping/>
+  </p:clrMapOvr>
+</p:notes>
+</file>
+
+<file path=ppt/notesSlides/notesSlide9.xml><?xml version="1.0" encoding="utf-8"?>
+<p:notes xmlns:a="http://schemas.openxmlformats.org/drawingml/2006/main" xmlns:r="http://schemas.openxmlformats.org/officeDocument/2006/relationships" xmlns:p="http://schemas.openxmlformats.org/presentationml/2006/main">
+  <p:cSld>
+    <p:spTree>
+      <p:nvGrpSpPr>
+        <p:cNvPr id="1" name=""/>
+        <p:cNvGrpSpPr/>
+        <p:nvPr/>
+      </p:nvGrpSpPr>
+      <p:grpSpPr>
+        <a:xfrm>
+          <a:off x="0" y="0"/>
+          <a:ext cx="0" cy="0"/>
+          <a:chOff x="0" y="0"/>
+          <a:chExt cx="0" cy="0"/>
+        </a:xfrm>
+      </p:grpSpPr>
+      <p:sp>
+        <p:nvSpPr>
+          <p:cNvPr id="2" name="スライド イメージ プレースホルダー 1"/>
+          <p:cNvSpPr>
+            <a:spLocks noGrp="1" noRot="1" noChangeAspect="1"/>
+          </p:cNvSpPr>
+          <p:nvPr>
+            <p:ph type="sldImg"/>
+          </p:nvPr>
+        </p:nvSpPr>
+        <p:spPr/>
+      </p:sp>
+      <p:sp>
+        <p:nvSpPr>
+          <p:cNvPr id="3" name="ノート プレースホルダー 2"/>
+          <p:cNvSpPr>
+            <a:spLocks noGrp="1"/>
+          </p:cNvSpPr>
+          <p:nvPr>
+            <p:ph type="body" idx="1"/>
+          </p:nvPr>
+        </p:nvSpPr>
+        <p:spPr/>
+        <p:txBody>
+          <a:bodyPr/>
+          <a:lstStyle/>
+          <a:p>
+            <a:endParaRPr kumimoji="1" lang="ja-JP" altLang="en-US"/>
+          </a:p>
+        </p:txBody>
+      </p:sp>
+      <p:sp>
+        <p:nvSpPr>
+          <p:cNvPr id="4" name="スライド番号プレースホルダー 3"/>
+          <p:cNvSpPr>
+            <a:spLocks noGrp="1"/>
+          </p:cNvSpPr>
+          <p:nvPr>
+            <p:ph type="sldNum" sz="quarter" idx="5"/>
+          </p:nvPr>
+        </p:nvSpPr>
+        <p:spPr/>
+        <p:txBody>
+          <a:bodyPr/>
+          <a:lstStyle/>
+          <a:p>
+            <a:fld id="{9FB2AA03-8856-4187-A994-8F633B6CB75F}" type="slidenum">
+              <a:rPr lang="en-US" altLang="ja-JP" smtClean="0"/>
+              <a:t>19</a:t>
+            </a:fld>
+            <a:endParaRPr kumimoji="1" lang="ja-JP" altLang="en-US"/>
+          </a:p>
+        </p:txBody>
+      </p:sp>
+    </p:spTree>
+    <p:extLst>
+      <p:ext uri="{BB962C8B-B14F-4D97-AF65-F5344CB8AC3E}">
+        <p14:creationId xmlns:p14="http://schemas.microsoft.com/office/powerpoint/2010/main" val="436311037"/>
       </p:ext>
     </p:extLst>
   </p:cSld>
@@ -9496,10 +9995,10 @@
       </p:grpSpPr>
       <p:sp>
         <p:nvSpPr>
-          <p:cNvPr id="2" name="タイトル 1">
+          <p:cNvPr id="2" name="Title 1">
             <a:extLst>
               <a:ext uri="{FF2B5EF4-FFF2-40B4-BE49-F238E27FC236}">
-                <a16:creationId xmlns:a16="http://schemas.microsoft.com/office/drawing/2014/main" id="{C76FC6A2-A32D-A310-D2F9-82C86109A98F}"/>
+                <a16:creationId xmlns:a16="http://schemas.microsoft.com/office/drawing/2014/main" id="{08EA3D7D-8AFF-BB3B-1A0A-5D728B568211}"/>
               </a:ext>
             </a:extLst>
           </p:cNvPr>
@@ -9507,34 +10006,50 @@
             <a:spLocks noGrp="1"/>
           </p:cNvSpPr>
           <p:nvPr>
-            <p:ph type="title"/>
+            <p:ph type="ctrTitle"/>
           </p:nvPr>
         </p:nvSpPr>
         <p:spPr>
           <a:xfrm>
-            <a:off x="838200" y="170174"/>
-            <a:ext cx="10515600" cy="1325563"/>
+            <a:off x="1524000" y="768541"/>
+            <a:ext cx="9144000" cy="2387600"/>
           </a:xfrm>
         </p:spPr>
         <p:txBody>
           <a:bodyPr>
-            <a:normAutofit/>
+            <a:normAutofit fontScale="90000"/>
           </a:bodyPr>
           <a:lstStyle/>
           <a:p>
             <a:r>
-              <a:rPr kumimoji="1" lang="ja-JP" altLang="en-US" sz="4000"/>
-              <a:t>大テーマ</a:t>
-            </a:r>
+              <a:rPr lang="ja-JP" altLang="en-US">
+                <a:ea typeface="游ゴシック Light"/>
+              </a:rPr>
+              <a:t>シンプル雑貨ECサイト開発</a:t>
+            </a:r>
+            <a:br>
+              <a:rPr lang="ja-JP" altLang="en-US">
+                <a:ea typeface="游ゴシック Light"/>
+              </a:rPr>
+            </a:br>
+            <a:r>
+              <a:rPr lang="ja-JP" altLang="en-US">
+                <a:ea typeface="游ゴシック Light"/>
+              </a:rPr>
+              <a:t>振り返り</a:t>
+            </a:r>
+            <a:endParaRPr lang="en-US">
+              <a:ea typeface="游ゴシック Light"/>
+            </a:endParaRPr>
           </a:p>
         </p:txBody>
       </p:sp>
       <p:sp>
         <p:nvSpPr>
-          <p:cNvPr id="3" name="コンテンツ プレースホルダー 2">
+          <p:cNvPr id="3" name="Subtitle 2">
             <a:extLst>
               <a:ext uri="{FF2B5EF4-FFF2-40B4-BE49-F238E27FC236}">
-                <a16:creationId xmlns:a16="http://schemas.microsoft.com/office/drawing/2014/main" id="{27D72426-1B88-D796-FD26-DE8CB3061AD0}"/>
+                <a16:creationId xmlns:a16="http://schemas.microsoft.com/office/drawing/2014/main" id="{62FBDE7A-D8D7-572F-4B80-5D55E723C01B}"/>
               </a:ext>
             </a:extLst>
           </p:cNvPr>
@@ -9542,80 +10057,90 @@
             <a:spLocks noGrp="1"/>
           </p:cNvSpPr>
           <p:nvPr>
-            <p:ph idx="1"/>
+            <p:ph type="subTitle" idx="1"/>
           </p:nvPr>
         </p:nvSpPr>
         <p:spPr>
           <a:xfrm>
-            <a:off x="838200" y="2282375"/>
-            <a:ext cx="10515600" cy="4351338"/>
+            <a:off x="1258824" y="4459669"/>
+            <a:ext cx="9144000" cy="1655762"/>
           </a:xfrm>
         </p:spPr>
         <p:txBody>
-          <a:bodyPr/>
+          <a:bodyPr vert="horz" lIns="91440" tIns="45720" rIns="91440" bIns="45720" rtlCol="0" anchor="t">
+            <a:normAutofit/>
+          </a:bodyPr>
           <a:lstStyle/>
           <a:p>
             <a:r>
-              <a:rPr lang="ja-JP" altLang="en-US" sz="2400"/>
-              <a:t>詳細１</a:t>
-            </a:r>
-            <a:endParaRPr lang="en-US" altLang="ja-JP" sz="2400"/>
-          </a:p>
-          <a:p>
-            <a:r>
-              <a:rPr lang="ja-JP" altLang="en-US" sz="2400"/>
-              <a:t>詳細２</a:t>
-            </a:r>
-            <a:br>
-              <a:rPr lang="ja-JP" altLang="en-US"/>
-            </a:br>
-            <a:endParaRPr lang="ja-JP" altLang="en-US"/>
-          </a:p>
-          <a:p>
-            <a:endParaRPr kumimoji="1" lang="ja-JP" altLang="en-US"/>
+              <a:rPr lang="en-US">
+                <a:ea typeface="游ゴシック"/>
+              </a:rPr>
+              <a:t>G</a:t>
+            </a:r>
+            <a:r>
+              <a:rPr lang="ja-JP" altLang="en-US">
+                <a:ea typeface="游ゴシック"/>
+              </a:rPr>
+              <a:t>チーム</a:t>
+            </a:r>
+            <a:r>
+              <a:rPr lang="en-US">
+                <a:ea typeface="游ゴシック"/>
+              </a:rPr>
+              <a:t>：jobs</a:t>
+            </a:r>
+            <a:endParaRPr kumimoji="1" lang="en-US"/>
           </a:p>
         </p:txBody>
       </p:sp>
-      <p:sp>
-        <p:nvSpPr>
-          <p:cNvPr id="4" name="テキスト ボックス 3">
+      <p:cxnSp>
+        <p:nvCxnSpPr>
+          <p:cNvPr id="11" name="直線コネクタ 10">
             <a:extLst>
               <a:ext uri="{FF2B5EF4-FFF2-40B4-BE49-F238E27FC236}">
-                <a16:creationId xmlns:a16="http://schemas.microsoft.com/office/drawing/2014/main" id="{5744FF88-0C16-FC80-3551-6A4836A06AE9}"/>
+                <a16:creationId xmlns:a16="http://schemas.microsoft.com/office/drawing/2014/main" id="{0545CF35-355F-8D8A-69D9-E397F832A483}"/>
               </a:ext>
             </a:extLst>
           </p:cNvPr>
-          <p:cNvSpPr txBox="1"/>
+          <p:cNvCxnSpPr>
+            <a:cxnSpLocks/>
+          </p:cNvCxnSpPr>
           <p:nvPr/>
-        </p:nvSpPr>
+        </p:nvCxnSpPr>
         <p:spPr>
           <a:xfrm>
-            <a:off x="838200" y="1400846"/>
-            <a:ext cx="1826141" cy="584775"/>
+            <a:off x="696000" y="3776472"/>
+            <a:ext cx="10800000" cy="0"/>
           </a:xfrm>
-          <a:prstGeom prst="rect">
+          <a:prstGeom prst="line">
             <a:avLst/>
           </a:prstGeom>
-          <a:noFill/>
+          <a:ln w="22225">
+            <a:solidFill>
+              <a:srgbClr val="FFC000"/>
+            </a:solidFill>
+          </a:ln>
         </p:spPr>
-        <p:txBody>
-          <a:bodyPr wrap="none" rtlCol="0">
-            <a:spAutoFit/>
-          </a:bodyPr>
-          <a:lstStyle/>
-          <a:p>
-            <a:r>
-              <a:rPr lang="ja-JP" altLang="en-US" sz="3200"/>
-              <a:t>中テーマ</a:t>
-            </a:r>
-            <a:endParaRPr kumimoji="1" lang="ja-JP" altLang="en-US" sz="3200"/>
-          </a:p>
-        </p:txBody>
-      </p:sp>
+        <p:style>
+          <a:lnRef idx="2">
+            <a:schemeClr val="accent1"/>
+          </a:lnRef>
+          <a:fillRef idx="0">
+            <a:schemeClr val="accent1"/>
+          </a:fillRef>
+          <a:effectRef idx="1">
+            <a:schemeClr val="accent1"/>
+          </a:effectRef>
+          <a:fontRef idx="minor">
+            <a:schemeClr val="tx1"/>
+          </a:fontRef>
+        </p:style>
+      </p:cxnSp>
     </p:spTree>
     <p:extLst>
       <p:ext uri="{BB962C8B-B14F-4D97-AF65-F5344CB8AC3E}">
-        <p14:creationId xmlns:p14="http://schemas.microsoft.com/office/powerpoint/2010/main" val="1716736769"/>
+        <p14:creationId xmlns:p14="http://schemas.microsoft.com/office/powerpoint/2010/main" val="2847818779"/>
       </p:ext>
     </p:extLst>
   </p:cSld>
@@ -9626,147 +10151,6 @@
 </file>
 
 <file path=ppt/slides/slide10.xml><?xml version="1.0" encoding="utf-8"?>
-<p:sld xmlns:a="http://schemas.openxmlformats.org/drawingml/2006/main" xmlns:r="http://schemas.openxmlformats.org/officeDocument/2006/relationships" xmlns:p="http://schemas.openxmlformats.org/presentationml/2006/main">
-  <p:cSld>
-    <p:spTree>
-      <p:nvGrpSpPr>
-        <p:cNvPr id="1" name=""/>
-        <p:cNvGrpSpPr/>
-        <p:nvPr/>
-      </p:nvGrpSpPr>
-      <p:grpSpPr>
-        <a:xfrm>
-          <a:off x="0" y="0"/>
-          <a:ext cx="0" cy="0"/>
-          <a:chOff x="0" y="0"/>
-          <a:chExt cx="0" cy="0"/>
-        </a:xfrm>
-      </p:grpSpPr>
-      <p:sp>
-        <p:nvSpPr>
-          <p:cNvPr id="2" name="タイトル 1">
-            <a:extLst>
-              <a:ext uri="{FF2B5EF4-FFF2-40B4-BE49-F238E27FC236}">
-                <a16:creationId xmlns:a16="http://schemas.microsoft.com/office/drawing/2014/main" id="{2CBEF607-F63B-DDB5-BE00-8069DFF1D562}"/>
-              </a:ext>
-            </a:extLst>
-          </p:cNvPr>
-          <p:cNvSpPr>
-            <a:spLocks noGrp="1"/>
-          </p:cNvSpPr>
-          <p:nvPr>
-            <p:ph type="title"/>
-          </p:nvPr>
-        </p:nvSpPr>
-        <p:spPr>
-          <a:xfrm>
-            <a:off x="838200" y="287118"/>
-            <a:ext cx="10515600" cy="1325563"/>
-          </a:xfrm>
-        </p:spPr>
-        <p:txBody>
-          <a:bodyPr>
-            <a:normAutofit/>
-          </a:bodyPr>
-          <a:lstStyle/>
-          <a:p>
-            <a:r>
-              <a:rPr lang="ja-JP" altLang="en-US" sz="4000"/>
-              <a:t>開発したシステムの特徴</a:t>
-            </a:r>
-            <a:endParaRPr kumimoji="1" lang="ja-JP" altLang="en-US" sz="4000"/>
-          </a:p>
-        </p:txBody>
-      </p:sp>
-      <p:pic>
-        <p:nvPicPr>
-          <p:cNvPr id="4" name="図 3">
-            <a:extLst>
-              <a:ext uri="{FF2B5EF4-FFF2-40B4-BE49-F238E27FC236}">
-                <a16:creationId xmlns:a16="http://schemas.microsoft.com/office/drawing/2014/main" id="{60F70878-A17E-3509-2298-202CF40FB565}"/>
-              </a:ext>
-            </a:extLst>
-          </p:cNvPr>
-          <p:cNvPicPr>
-            <a:picLocks noChangeAspect="1"/>
-          </p:cNvPicPr>
-          <p:nvPr/>
-        </p:nvPicPr>
-        <p:blipFill>
-          <a:blip r:embed="rId3"/>
-          <a:stretch>
-            <a:fillRect/>
-          </a:stretch>
-        </p:blipFill>
-        <p:spPr>
-          <a:xfrm>
-            <a:off x="3212017" y="1299882"/>
-            <a:ext cx="5767966" cy="5464830"/>
-          </a:xfrm>
-          <a:prstGeom prst="rect">
-            <a:avLst/>
-          </a:prstGeom>
-        </p:spPr>
-      </p:pic>
-      <p:sp>
-        <p:nvSpPr>
-          <p:cNvPr id="5" name="テキスト ボックス 4">
-            <a:extLst>
-              <a:ext uri="{FF2B5EF4-FFF2-40B4-BE49-F238E27FC236}">
-                <a16:creationId xmlns:a16="http://schemas.microsoft.com/office/drawing/2014/main" id="{B77A8326-2C74-461B-37AA-7489A4679474}"/>
-              </a:ext>
-            </a:extLst>
-          </p:cNvPr>
-          <p:cNvSpPr txBox="1"/>
-          <p:nvPr/>
-        </p:nvSpPr>
-        <p:spPr>
-          <a:xfrm>
-            <a:off x="838200" y="1423215"/>
-            <a:ext cx="2407024" cy="584775"/>
-          </a:xfrm>
-          <a:prstGeom prst="rect">
-            <a:avLst/>
-          </a:prstGeom>
-          <a:noFill/>
-        </p:spPr>
-        <p:txBody>
-          <a:bodyPr wrap="square" rtlCol="0">
-            <a:spAutoFit/>
-          </a:bodyPr>
-          <a:lstStyle/>
-          <a:p>
-            <a:r>
-              <a:rPr lang="en-US" altLang="ja-JP" sz="3200"/>
-              <a:t>ER</a:t>
-            </a:r>
-            <a:r>
-              <a:rPr lang="ja-JP" altLang="en-US" sz="3200"/>
-              <a:t>図</a:t>
-            </a:r>
-            <a:endParaRPr kumimoji="1" lang="ja-JP" altLang="en-US" sz="3200"/>
-          </a:p>
-        </p:txBody>
-      </p:sp>
-    </p:spTree>
-    <p:extLst>
-      <p:ext uri="{BB962C8B-B14F-4D97-AF65-F5344CB8AC3E}">
-        <p14:creationId xmlns:p14="http://schemas.microsoft.com/office/powerpoint/2010/main" val="1282783784"/>
-      </p:ext>
-    </p:extLst>
-  </p:cSld>
-  <p:clrMapOvr>
-    <a:masterClrMapping/>
-  </p:clrMapOvr>
-  <p:extLst>
-    <p:ext uri="{6950BFC3-D8DA-4A85-94F7-54DA5524770B}">
-      <p188:commentRel xmlns:p188="http://schemas.microsoft.com/office/powerpoint/2018/8/main" r:id="rId2"/>
-    </p:ext>
-  </p:extLst>
-</p:sld>
-</file>
-
-<file path=ppt/slides/slide11.xml><?xml version="1.0" encoding="utf-8"?>
 <p:sld xmlns:a="http://schemas.openxmlformats.org/drawingml/2006/main" xmlns:r="http://schemas.openxmlformats.org/officeDocument/2006/relationships" xmlns:p="http://schemas.openxmlformats.org/presentationml/2006/main">
   <p:cSld>
     <p:spTree>
@@ -9861,12 +10245,12 @@
           <a:lstStyle/>
           <a:p>
             <a:r>
-              <a:rPr lang="ja-JP" altLang="en-US" sz="2800">
+              <a:rPr lang="ja-JP" altLang="en-US" sz="2800" b="1">
                 <a:ea typeface="游ゴシック"/>
               </a:rPr>
               <a:t>&lt;商品表示機能&gt;</a:t>
             </a:r>
-            <a:endParaRPr lang="en-US" altLang="ja-JP">
+            <a:endParaRPr lang="en-US" altLang="ja-JP" b="1">
               <a:ea typeface="游ゴシック" panose="020B0400000000000000" pitchFamily="34" charset="-128"/>
             </a:endParaRPr>
           </a:p>
@@ -9979,7 +10363,7 @@
           <a:lstStyle/>
           <a:p>
             <a:r>
-              <a:rPr lang="ja-JP" altLang="en-US" sz="2800">
+              <a:rPr lang="ja-JP" altLang="en-US" sz="2800" b="1">
                 <a:ea typeface="游ゴシック"/>
               </a:rPr>
               <a:t>&lt;カテゴリ表示機能&gt;</a:t>
@@ -10040,7 +10424,7 @@
           <a:lstStyle/>
           <a:p>
             <a:r>
-              <a:rPr lang="ja-JP" altLang="en-US" sz="2800">
+              <a:rPr lang="ja-JP" altLang="en-US" sz="2800" b="1">
                 <a:ea typeface="游ゴシック"/>
               </a:rPr>
               <a:t>&lt;カート機能、注文機能&gt;</a:t>
@@ -10080,6 +10464,49 @@
           </a:p>
         </p:txBody>
       </p:sp>
+      <p:cxnSp>
+        <p:nvCxnSpPr>
+          <p:cNvPr id="3" name="直線コネクタ 2">
+            <a:extLst>
+              <a:ext uri="{FF2B5EF4-FFF2-40B4-BE49-F238E27FC236}">
+                <a16:creationId xmlns:a16="http://schemas.microsoft.com/office/drawing/2014/main" id="{1300B04B-63B0-5004-84FF-117D97A13FF9}"/>
+              </a:ext>
+            </a:extLst>
+          </p:cNvPr>
+          <p:cNvCxnSpPr>
+            <a:cxnSpLocks/>
+          </p:cNvCxnSpPr>
+          <p:nvPr/>
+        </p:nvCxnSpPr>
+        <p:spPr>
+          <a:xfrm>
+            <a:off x="696000" y="1199022"/>
+            <a:ext cx="10800000" cy="0"/>
+          </a:xfrm>
+          <a:prstGeom prst="line">
+            <a:avLst/>
+          </a:prstGeom>
+          <a:ln w="22225">
+            <a:solidFill>
+              <a:srgbClr val="FFC000"/>
+            </a:solidFill>
+          </a:ln>
+        </p:spPr>
+        <p:style>
+          <a:lnRef idx="2">
+            <a:schemeClr val="accent1"/>
+          </a:lnRef>
+          <a:fillRef idx="0">
+            <a:schemeClr val="accent1"/>
+          </a:fillRef>
+          <a:effectRef idx="1">
+            <a:schemeClr val="accent1"/>
+          </a:effectRef>
+          <a:fontRef idx="minor">
+            <a:schemeClr val="tx1"/>
+          </a:fontRef>
+        </p:style>
+      </p:cxnSp>
     </p:spTree>
     <p:extLst>
       <p:ext uri="{BB962C8B-B14F-4D97-AF65-F5344CB8AC3E}">
@@ -10093,7 +10520,7 @@
 </p:sld>
 </file>
 
-<file path=ppt/slides/slide12.xml><?xml version="1.0" encoding="utf-8"?>
+<file path=ppt/slides/slide11.xml><?xml version="1.0" encoding="utf-8"?>
 <p:sld xmlns:a="http://schemas.openxmlformats.org/drawingml/2006/main" xmlns:r="http://schemas.openxmlformats.org/officeDocument/2006/relationships" xmlns:p="http://schemas.openxmlformats.org/presentationml/2006/main">
   <p:cSld>
     <p:spTree>
@@ -10126,7 +10553,12 @@
             <p:ph type="title"/>
           </p:nvPr>
         </p:nvSpPr>
-        <p:spPr/>
+        <p:spPr>
+          <a:xfrm>
+            <a:off x="838200" y="288036"/>
+            <a:ext cx="10515600" cy="1325563"/>
+          </a:xfrm>
+        </p:spPr>
         <p:txBody>
           <a:bodyPr>
             <a:normAutofit/>
@@ -10203,7 +10635,7 @@
         </p:nvSpPr>
         <p:spPr>
           <a:xfrm>
-            <a:off x="834701" y="2084198"/>
+            <a:off x="838200" y="2256440"/>
             <a:ext cx="10797661" cy="4524315"/>
           </a:xfrm>
           <a:prstGeom prst="rect">
@@ -10323,7 +10755,7 @@
         </p:nvSpPr>
         <p:spPr>
           <a:xfrm>
-            <a:off x="940815" y="1495761"/>
+            <a:off x="940815" y="1565637"/>
             <a:ext cx="4501438" cy="584775"/>
           </a:xfrm>
           <a:prstGeom prst="rect">
@@ -10353,6 +10785,49 @@
           </a:p>
         </p:txBody>
       </p:sp>
+      <p:cxnSp>
+        <p:nvCxnSpPr>
+          <p:cNvPr id="3" name="直線コネクタ 2">
+            <a:extLst>
+              <a:ext uri="{FF2B5EF4-FFF2-40B4-BE49-F238E27FC236}">
+                <a16:creationId xmlns:a16="http://schemas.microsoft.com/office/drawing/2014/main" id="{D7205464-0C50-DA7A-5477-3C2077BC7AEC}"/>
+              </a:ext>
+            </a:extLst>
+          </p:cNvPr>
+          <p:cNvCxnSpPr>
+            <a:cxnSpLocks/>
+          </p:cNvCxnSpPr>
+          <p:nvPr/>
+        </p:nvCxnSpPr>
+        <p:spPr>
+          <a:xfrm>
+            <a:off x="696000" y="1310782"/>
+            <a:ext cx="10800000" cy="0"/>
+          </a:xfrm>
+          <a:prstGeom prst="line">
+            <a:avLst/>
+          </a:prstGeom>
+          <a:ln w="22225">
+            <a:solidFill>
+              <a:srgbClr val="FFC000"/>
+            </a:solidFill>
+          </a:ln>
+        </p:spPr>
+        <p:style>
+          <a:lnRef idx="2">
+            <a:schemeClr val="accent1"/>
+          </a:lnRef>
+          <a:fillRef idx="0">
+            <a:schemeClr val="accent1"/>
+          </a:fillRef>
+          <a:effectRef idx="1">
+            <a:schemeClr val="accent1"/>
+          </a:effectRef>
+          <a:fontRef idx="minor">
+            <a:schemeClr val="tx1"/>
+          </a:fontRef>
+        </p:style>
+      </p:cxnSp>
     </p:spTree>
     <p:extLst>
       <p:ext uri="{BB962C8B-B14F-4D97-AF65-F5344CB8AC3E}">
@@ -10366,7 +10841,7 @@
 </p:sld>
 </file>
 
-<file path=ppt/slides/slide13.xml><?xml version="1.0" encoding="utf-8"?>
+<file path=ppt/slides/slide12.xml><?xml version="1.0" encoding="utf-8"?>
 <p:sld xmlns:a="http://schemas.openxmlformats.org/drawingml/2006/main" xmlns:r="http://schemas.openxmlformats.org/officeDocument/2006/relationships" xmlns:p="http://schemas.openxmlformats.org/presentationml/2006/main">
   <p:cSld>
     <p:spTree>
@@ -10389,44 +10864,6 @@
           <a:chExt cx="0" cy="0"/>
         </a:xfrm>
       </p:grpSpPr>
-      <p:sp>
-        <p:nvSpPr>
-          <p:cNvPr id="2" name="タイトル 1">
-            <a:extLst>
-              <a:ext uri="{FF2B5EF4-FFF2-40B4-BE49-F238E27FC236}">
-                <a16:creationId xmlns:a16="http://schemas.microsoft.com/office/drawing/2014/main" id="{D2F021D5-CF34-7F6B-7EB7-5E6BC33471FD}"/>
-              </a:ext>
-            </a:extLst>
-          </p:cNvPr>
-          <p:cNvSpPr>
-            <a:spLocks noGrp="1"/>
-          </p:cNvSpPr>
-          <p:nvPr>
-            <p:ph type="title"/>
-          </p:nvPr>
-        </p:nvSpPr>
-        <p:spPr>
-          <a:xfrm>
-            <a:off x="838200" y="170174"/>
-            <a:ext cx="10515600" cy="1325563"/>
-          </a:xfrm>
-        </p:spPr>
-        <p:txBody>
-          <a:bodyPr>
-            <a:normAutofit/>
-          </a:bodyPr>
-          <a:lstStyle/>
-          <a:p>
-            <a:r>
-              <a:rPr lang="ja-JP" altLang="en-US" sz="4000">
-                <a:ea typeface="游ゴシック Light"/>
-              </a:rPr>
-              <a:t>テスト・品質確保の取り組み</a:t>
-            </a:r>
-            <a:endParaRPr kumimoji="1" lang="ja-JP" altLang="en-US" sz="4000"/>
-          </a:p>
-        </p:txBody>
-      </p:sp>
       <p:sp>
         <p:nvSpPr>
           <p:cNvPr id="3" name="コンテンツ プレースホルダー 2">
@@ -10467,46 +10904,6 @@
           </a:p>
           <a:p>
             <a:endParaRPr kumimoji="1" lang="ja-JP" altLang="en-US"/>
-          </a:p>
-        </p:txBody>
-      </p:sp>
-      <p:sp>
-        <p:nvSpPr>
-          <p:cNvPr id="4" name="テキスト ボックス 3">
-            <a:extLst>
-              <a:ext uri="{FF2B5EF4-FFF2-40B4-BE49-F238E27FC236}">
-                <a16:creationId xmlns:a16="http://schemas.microsoft.com/office/drawing/2014/main" id="{0F0F6FAF-06C8-0316-6C9B-36014C4E61D6}"/>
-              </a:ext>
-            </a:extLst>
-          </p:cNvPr>
-          <p:cNvSpPr txBox="1"/>
-          <p:nvPr/>
-        </p:nvSpPr>
-        <p:spPr>
-          <a:xfrm>
-            <a:off x="838200" y="1400846"/>
-            <a:ext cx="2236510" cy="584775"/>
-          </a:xfrm>
-          <a:prstGeom prst="rect">
-            <a:avLst/>
-          </a:prstGeom>
-          <a:noFill/>
-        </p:spPr>
-        <p:txBody>
-          <a:bodyPr wrap="none" rtlCol="0">
-            <a:spAutoFit/>
-          </a:bodyPr>
-          <a:lstStyle/>
-          <a:p>
-            <a:r>
-              <a:rPr lang="ja-JP" altLang="en-US" sz="3200">
-                <a:latin typeface="+mn-ea"/>
-              </a:rPr>
-              <a:t>単体テスト</a:t>
-            </a:r>
-            <a:endParaRPr lang="en-US" altLang="ja-JP" sz="3200">
-              <a:latin typeface="+mn-ea"/>
-            </a:endParaRPr>
           </a:p>
         </p:txBody>
       </p:sp>
@@ -10630,6 +11027,139 @@
           </a:p>
         </p:txBody>
       </p:sp>
+      <p:sp>
+        <p:nvSpPr>
+          <p:cNvPr id="8" name="タイトル 1">
+            <a:extLst>
+              <a:ext uri="{FF2B5EF4-FFF2-40B4-BE49-F238E27FC236}">
+                <a16:creationId xmlns:a16="http://schemas.microsoft.com/office/drawing/2014/main" id="{7E002D1E-AD87-6915-F61F-2DDDAC7EFD0F}"/>
+              </a:ext>
+            </a:extLst>
+          </p:cNvPr>
+          <p:cNvSpPr>
+            <a:spLocks noGrp="1"/>
+          </p:cNvSpPr>
+          <p:nvPr>
+            <p:ph type="title"/>
+          </p:nvPr>
+        </p:nvSpPr>
+        <p:spPr>
+          <a:xfrm>
+            <a:off x="838200" y="288036"/>
+            <a:ext cx="10515600" cy="1325563"/>
+          </a:xfrm>
+        </p:spPr>
+        <p:txBody>
+          <a:bodyPr>
+            <a:normAutofit/>
+          </a:bodyPr>
+          <a:lstStyle/>
+          <a:p>
+            <a:r>
+              <a:rPr lang="ja-JP" altLang="en-US" sz="4000">
+                <a:ea typeface="游ゴシック Light"/>
+              </a:rPr>
+              <a:t>テスト・</a:t>
+            </a:r>
+            <a:r>
+              <a:rPr kumimoji="1" lang="ja-JP" altLang="en-US" sz="4000">
+                <a:ea typeface="游ゴシック Light"/>
+              </a:rPr>
+              <a:t>品質確保の取り組み</a:t>
+            </a:r>
+            <a:endParaRPr lang="ja-JP" altLang="en-US" sz="4000">
+              <a:ea typeface="游ゴシック Light"/>
+            </a:endParaRPr>
+          </a:p>
+        </p:txBody>
+      </p:sp>
+      <p:sp>
+        <p:nvSpPr>
+          <p:cNvPr id="9" name="TextBox 5">
+            <a:extLst>
+              <a:ext uri="{FF2B5EF4-FFF2-40B4-BE49-F238E27FC236}">
+                <a16:creationId xmlns:a16="http://schemas.microsoft.com/office/drawing/2014/main" id="{3D6B6CD6-91C1-4A92-B27E-CE910DAC9A28}"/>
+              </a:ext>
+            </a:extLst>
+          </p:cNvPr>
+          <p:cNvSpPr txBox="1"/>
+          <p:nvPr/>
+        </p:nvSpPr>
+        <p:spPr>
+          <a:xfrm>
+            <a:off x="940815" y="1565637"/>
+            <a:ext cx="4501438" cy="584775"/>
+          </a:xfrm>
+          <a:prstGeom prst="rect">
+            <a:avLst/>
+          </a:prstGeom>
+          <a:noFill/>
+        </p:spPr>
+        <p:txBody>
+          <a:bodyPr rot="0" spcFirstLastPara="0" vertOverflow="overflow" horzOverflow="overflow" vert="horz" wrap="square" lIns="91440" tIns="45720" rIns="91440" bIns="45720" numCol="1" spcCol="0" rtlCol="0" fromWordArt="0" anchor="t" anchorCtr="0" forceAA="0" compatLnSpc="1">
+            <a:prstTxWarp prst="textNoShape">
+              <a:avLst/>
+            </a:prstTxWarp>
+            <a:spAutoFit/>
+          </a:bodyPr>
+          <a:lstStyle/>
+          <a:p>
+            <a:pPr algn="l"/>
+            <a:r>
+              <a:rPr lang="ja-JP" altLang="en-US" sz="3200">
+                <a:latin typeface="+mn-ea"/>
+              </a:rPr>
+              <a:t>単体テスト</a:t>
+            </a:r>
+            <a:endParaRPr lang="en-US" sz="3200">
+              <a:latin typeface="+mn-ea"/>
+            </a:endParaRPr>
+          </a:p>
+        </p:txBody>
+      </p:sp>
+      <p:cxnSp>
+        <p:nvCxnSpPr>
+          <p:cNvPr id="10" name="直線コネクタ 9">
+            <a:extLst>
+              <a:ext uri="{FF2B5EF4-FFF2-40B4-BE49-F238E27FC236}">
+                <a16:creationId xmlns:a16="http://schemas.microsoft.com/office/drawing/2014/main" id="{5462F899-1DAB-649C-A47D-1A3EB8929403}"/>
+              </a:ext>
+            </a:extLst>
+          </p:cNvPr>
+          <p:cNvCxnSpPr>
+            <a:cxnSpLocks/>
+          </p:cNvCxnSpPr>
+          <p:nvPr/>
+        </p:nvCxnSpPr>
+        <p:spPr>
+          <a:xfrm>
+            <a:off x="696000" y="1310782"/>
+            <a:ext cx="10800000" cy="0"/>
+          </a:xfrm>
+          <a:prstGeom prst="line">
+            <a:avLst/>
+          </a:prstGeom>
+          <a:ln w="22225">
+            <a:solidFill>
+              <a:srgbClr val="FFC000"/>
+            </a:solidFill>
+          </a:ln>
+        </p:spPr>
+        <p:style>
+          <a:lnRef idx="2">
+            <a:schemeClr val="accent1"/>
+          </a:lnRef>
+          <a:fillRef idx="0">
+            <a:schemeClr val="accent1"/>
+          </a:fillRef>
+          <a:effectRef idx="1">
+            <a:schemeClr val="accent1"/>
+          </a:effectRef>
+          <a:fontRef idx="minor">
+            <a:schemeClr val="tx1"/>
+          </a:fontRef>
+        </p:style>
+      </p:cxnSp>
     </p:spTree>
     <p:extLst>
       <p:ext uri="{BB962C8B-B14F-4D97-AF65-F5344CB8AC3E}">
@@ -10643,7 +11173,7 @@
 </p:sld>
 </file>
 
-<file path=ppt/slides/slide14.xml><?xml version="1.0" encoding="utf-8"?>
+<file path=ppt/slides/slide13.xml><?xml version="1.0" encoding="utf-8"?>
 <p:sld xmlns:a="http://schemas.openxmlformats.org/drawingml/2006/main" xmlns:r="http://schemas.openxmlformats.org/officeDocument/2006/relationships" xmlns:p="http://schemas.openxmlformats.org/presentationml/2006/main">
   <p:cSld>
     <p:spTree>
@@ -10666,44 +11196,6 @@
           <a:chExt cx="0" cy="0"/>
         </a:xfrm>
       </p:grpSpPr>
-      <p:sp>
-        <p:nvSpPr>
-          <p:cNvPr id="2" name="タイトル 1">
-            <a:extLst>
-              <a:ext uri="{FF2B5EF4-FFF2-40B4-BE49-F238E27FC236}">
-                <a16:creationId xmlns:a16="http://schemas.microsoft.com/office/drawing/2014/main" id="{CBE7ECA0-F35F-72DF-5602-AC04A7B15E5D}"/>
-              </a:ext>
-            </a:extLst>
-          </p:cNvPr>
-          <p:cNvSpPr>
-            <a:spLocks noGrp="1"/>
-          </p:cNvSpPr>
-          <p:nvPr>
-            <p:ph type="title"/>
-          </p:nvPr>
-        </p:nvSpPr>
-        <p:spPr>
-          <a:xfrm>
-            <a:off x="838200" y="170174"/>
-            <a:ext cx="10515600" cy="1325563"/>
-          </a:xfrm>
-        </p:spPr>
-        <p:txBody>
-          <a:bodyPr>
-            <a:normAutofit/>
-          </a:bodyPr>
-          <a:lstStyle/>
-          <a:p>
-            <a:r>
-              <a:rPr lang="ja-JP" altLang="en-US" sz="4000">
-                <a:ea typeface="游ゴシック Light"/>
-              </a:rPr>
-              <a:t>テスト・品質確保の取り組み</a:t>
-            </a:r>
-            <a:endParaRPr kumimoji="1" lang="ja-JP" altLang="en-US" sz="4000"/>
-          </a:p>
-        </p:txBody>
-      </p:sp>
       <p:sp>
         <p:nvSpPr>
           <p:cNvPr id="3" name="コンテンツ プレースホルダー 2">
@@ -10749,41 +11241,6 @@
       </p:sp>
       <p:sp>
         <p:nvSpPr>
-          <p:cNvPr id="4" name="テキスト ボックス 3">
-            <a:extLst>
-              <a:ext uri="{FF2B5EF4-FFF2-40B4-BE49-F238E27FC236}">
-                <a16:creationId xmlns:a16="http://schemas.microsoft.com/office/drawing/2014/main" id="{2C4A5D5F-4B02-86AD-756C-6FE48D5FE30A}"/>
-              </a:ext>
-            </a:extLst>
-          </p:cNvPr>
-          <p:cNvSpPr txBox="1"/>
-          <p:nvPr/>
-        </p:nvSpPr>
-        <p:spPr>
-          <a:xfrm>
-            <a:off x="838200" y="1400846"/>
-            <a:ext cx="2236510" cy="584775"/>
-          </a:xfrm>
-          <a:prstGeom prst="rect">
-            <a:avLst/>
-          </a:prstGeom>
-          <a:noFill/>
-        </p:spPr>
-        <p:txBody>
-          <a:bodyPr wrap="none" rtlCol="0">
-            <a:spAutoFit/>
-          </a:bodyPr>
-          <a:lstStyle/>
-          <a:p>
-            <a:r>
-              <a:rPr kumimoji="1" lang="ja-JP" altLang="en-US" sz="3200"/>
-              <a:t>結合テスト</a:t>
-            </a:r>
-          </a:p>
-        </p:txBody>
-      </p:sp>
-      <p:sp>
-        <p:nvSpPr>
           <p:cNvPr id="5" name="TextBox 4">
             <a:extLst>
               <a:ext uri="{FF2B5EF4-FFF2-40B4-BE49-F238E27FC236}">
@@ -10796,7 +11253,7 @@
         </p:nvSpPr>
         <p:spPr>
           <a:xfrm>
-            <a:off x="852714" y="2213428"/>
+            <a:off x="838200" y="2459504"/>
             <a:ext cx="10541000" cy="1938992"/>
           </a:xfrm>
           <a:prstGeom prst="rect">
@@ -10842,6 +11299,139 @@
           </a:p>
         </p:txBody>
       </p:sp>
+      <p:sp>
+        <p:nvSpPr>
+          <p:cNvPr id="8" name="タイトル 1">
+            <a:extLst>
+              <a:ext uri="{FF2B5EF4-FFF2-40B4-BE49-F238E27FC236}">
+                <a16:creationId xmlns:a16="http://schemas.microsoft.com/office/drawing/2014/main" id="{17F84BFF-AC6E-9836-DE38-7ABD2C66DBA1}"/>
+              </a:ext>
+            </a:extLst>
+          </p:cNvPr>
+          <p:cNvSpPr>
+            <a:spLocks noGrp="1"/>
+          </p:cNvSpPr>
+          <p:nvPr>
+            <p:ph type="title"/>
+          </p:nvPr>
+        </p:nvSpPr>
+        <p:spPr>
+          <a:xfrm>
+            <a:off x="838200" y="288036"/>
+            <a:ext cx="10515600" cy="1325563"/>
+          </a:xfrm>
+        </p:spPr>
+        <p:txBody>
+          <a:bodyPr>
+            <a:normAutofit/>
+          </a:bodyPr>
+          <a:lstStyle/>
+          <a:p>
+            <a:r>
+              <a:rPr lang="ja-JP" altLang="en-US" sz="4000">
+                <a:ea typeface="游ゴシック Light"/>
+              </a:rPr>
+              <a:t>テスト・</a:t>
+            </a:r>
+            <a:r>
+              <a:rPr kumimoji="1" lang="ja-JP" altLang="en-US" sz="4000">
+                <a:ea typeface="游ゴシック Light"/>
+              </a:rPr>
+              <a:t>品質確保の取り組み</a:t>
+            </a:r>
+            <a:endParaRPr lang="ja-JP" altLang="en-US" sz="4000">
+              <a:ea typeface="游ゴシック Light"/>
+            </a:endParaRPr>
+          </a:p>
+        </p:txBody>
+      </p:sp>
+      <p:sp>
+        <p:nvSpPr>
+          <p:cNvPr id="9" name="TextBox 5">
+            <a:extLst>
+              <a:ext uri="{FF2B5EF4-FFF2-40B4-BE49-F238E27FC236}">
+                <a16:creationId xmlns:a16="http://schemas.microsoft.com/office/drawing/2014/main" id="{E918CE3F-03D4-B590-C04A-BFADB8F32945}"/>
+              </a:ext>
+            </a:extLst>
+          </p:cNvPr>
+          <p:cNvSpPr txBox="1"/>
+          <p:nvPr/>
+        </p:nvSpPr>
+        <p:spPr>
+          <a:xfrm>
+            <a:off x="838200" y="1687171"/>
+            <a:ext cx="4501438" cy="584775"/>
+          </a:xfrm>
+          <a:prstGeom prst="rect">
+            <a:avLst/>
+          </a:prstGeom>
+          <a:noFill/>
+        </p:spPr>
+        <p:txBody>
+          <a:bodyPr rot="0" spcFirstLastPara="0" vertOverflow="overflow" horzOverflow="overflow" vert="horz" wrap="square" lIns="91440" tIns="45720" rIns="91440" bIns="45720" numCol="1" spcCol="0" rtlCol="0" fromWordArt="0" anchor="t" anchorCtr="0" forceAA="0" compatLnSpc="1">
+            <a:prstTxWarp prst="textNoShape">
+              <a:avLst/>
+            </a:prstTxWarp>
+            <a:spAutoFit/>
+          </a:bodyPr>
+          <a:lstStyle/>
+          <a:p>
+            <a:pPr algn="l"/>
+            <a:r>
+              <a:rPr lang="ja-JP" altLang="en-US" sz="3200">
+                <a:latin typeface="+mn-ea"/>
+              </a:rPr>
+              <a:t>結合テスト</a:t>
+            </a:r>
+            <a:endParaRPr lang="en-US" sz="3200">
+              <a:latin typeface="+mn-ea"/>
+            </a:endParaRPr>
+          </a:p>
+        </p:txBody>
+      </p:sp>
+      <p:cxnSp>
+        <p:nvCxnSpPr>
+          <p:cNvPr id="10" name="直線コネクタ 9">
+            <a:extLst>
+              <a:ext uri="{FF2B5EF4-FFF2-40B4-BE49-F238E27FC236}">
+                <a16:creationId xmlns:a16="http://schemas.microsoft.com/office/drawing/2014/main" id="{160A6BFA-58DF-1EE5-6105-135A1A10AC73}"/>
+              </a:ext>
+            </a:extLst>
+          </p:cNvPr>
+          <p:cNvCxnSpPr>
+            <a:cxnSpLocks/>
+          </p:cNvCxnSpPr>
+          <p:nvPr/>
+        </p:nvCxnSpPr>
+        <p:spPr>
+          <a:xfrm>
+            <a:off x="696000" y="1310782"/>
+            <a:ext cx="10800000" cy="0"/>
+          </a:xfrm>
+          <a:prstGeom prst="line">
+            <a:avLst/>
+          </a:prstGeom>
+          <a:ln w="22225">
+            <a:solidFill>
+              <a:srgbClr val="FFC000"/>
+            </a:solidFill>
+          </a:ln>
+        </p:spPr>
+        <p:style>
+          <a:lnRef idx="2">
+            <a:schemeClr val="accent1"/>
+          </a:lnRef>
+          <a:fillRef idx="0">
+            <a:schemeClr val="accent1"/>
+          </a:fillRef>
+          <a:effectRef idx="1">
+            <a:schemeClr val="accent1"/>
+          </a:effectRef>
+          <a:fontRef idx="minor">
+            <a:schemeClr val="tx1"/>
+          </a:fontRef>
+        </p:style>
+      </p:cxnSp>
     </p:spTree>
     <p:extLst>
       <p:ext uri="{BB962C8B-B14F-4D97-AF65-F5344CB8AC3E}">
@@ -10855,7 +11445,7 @@
 </p:sld>
 </file>
 
-<file path=ppt/slides/slide15.xml><?xml version="1.0" encoding="utf-8"?>
+<file path=ppt/slides/slide14.xml><?xml version="1.0" encoding="utf-8"?>
 <p:sld xmlns:a="http://schemas.openxmlformats.org/drawingml/2006/main" xmlns:r="http://schemas.openxmlformats.org/officeDocument/2006/relationships" xmlns:p="http://schemas.openxmlformats.org/presentationml/2006/main">
   <p:cSld>
     <p:spTree>
@@ -10878,44 +11468,6 @@
           <a:chExt cx="0" cy="0"/>
         </a:xfrm>
       </p:grpSpPr>
-      <p:sp>
-        <p:nvSpPr>
-          <p:cNvPr id="2" name="タイトル 1">
-            <a:extLst>
-              <a:ext uri="{FF2B5EF4-FFF2-40B4-BE49-F238E27FC236}">
-                <a16:creationId xmlns:a16="http://schemas.microsoft.com/office/drawing/2014/main" id="{19D2D392-DD40-6ACC-A9AA-73CE32390BA3}"/>
-              </a:ext>
-            </a:extLst>
-          </p:cNvPr>
-          <p:cNvSpPr>
-            <a:spLocks noGrp="1"/>
-          </p:cNvSpPr>
-          <p:nvPr>
-            <p:ph type="title"/>
-          </p:nvPr>
-        </p:nvSpPr>
-        <p:spPr>
-          <a:xfrm>
-            <a:off x="838200" y="170174"/>
-            <a:ext cx="10515600" cy="1325563"/>
-          </a:xfrm>
-        </p:spPr>
-        <p:txBody>
-          <a:bodyPr>
-            <a:normAutofit/>
-          </a:bodyPr>
-          <a:lstStyle/>
-          <a:p>
-            <a:r>
-              <a:rPr lang="ja-JP" altLang="en-US" sz="4000">
-                <a:ea typeface="游ゴシック Light"/>
-              </a:rPr>
-              <a:t>テスト・品質確保の取り組み</a:t>
-            </a:r>
-            <a:endParaRPr kumimoji="1" lang="ja-JP" altLang="en-US" sz="4000"/>
-          </a:p>
-        </p:txBody>
-      </p:sp>
       <p:sp>
         <p:nvSpPr>
           <p:cNvPr id="3" name="コンテンツ プレースホルダー 2">
@@ -10993,7 +11545,7 @@
               <a:rPr lang="ja-JP" altLang="en-US" sz="2400">
                 <a:ea typeface="游ゴシック"/>
               </a:rPr>
-              <a:t>ブラウザで実際に操作をして、商品の表示や注文などに問題がないかを確認</a:t>
+              <a:t>ブラウザで実際に操作をして、商品の表示や注文などに問題がないか確認</a:t>
             </a:r>
             <a:endParaRPr lang="en-US" altLang="ja-JP" sz="2400">
               <a:ea typeface="游ゴシック"/>
@@ -11017,10 +11569,56 @@
       </p:sp>
       <p:sp>
         <p:nvSpPr>
-          <p:cNvPr id="4" name="テキスト ボックス 3">
+          <p:cNvPr id="7" name="タイトル 1">
             <a:extLst>
               <a:ext uri="{FF2B5EF4-FFF2-40B4-BE49-F238E27FC236}">
-                <a16:creationId xmlns:a16="http://schemas.microsoft.com/office/drawing/2014/main" id="{741B37A9-8CAB-A185-D764-87C33C3F44CC}"/>
+                <a16:creationId xmlns:a16="http://schemas.microsoft.com/office/drawing/2014/main" id="{A61A4945-A9BE-CD91-FA54-7E69FA90792A}"/>
+              </a:ext>
+            </a:extLst>
+          </p:cNvPr>
+          <p:cNvSpPr>
+            <a:spLocks noGrp="1"/>
+          </p:cNvSpPr>
+          <p:nvPr>
+            <p:ph type="title"/>
+          </p:nvPr>
+        </p:nvSpPr>
+        <p:spPr>
+          <a:xfrm>
+            <a:off x="838200" y="288036"/>
+            <a:ext cx="10515600" cy="1325563"/>
+          </a:xfrm>
+        </p:spPr>
+        <p:txBody>
+          <a:bodyPr>
+            <a:normAutofit/>
+          </a:bodyPr>
+          <a:lstStyle/>
+          <a:p>
+            <a:r>
+              <a:rPr lang="ja-JP" altLang="en-US" sz="4000">
+                <a:ea typeface="游ゴシック Light"/>
+              </a:rPr>
+              <a:t>テスト・</a:t>
+            </a:r>
+            <a:r>
+              <a:rPr kumimoji="1" lang="ja-JP" altLang="en-US" sz="4000">
+                <a:ea typeface="游ゴシック Light"/>
+              </a:rPr>
+              <a:t>品質確保の取り組み</a:t>
+            </a:r>
+            <a:endParaRPr lang="ja-JP" altLang="en-US" sz="4000">
+              <a:ea typeface="游ゴシック Light"/>
+            </a:endParaRPr>
+          </a:p>
+        </p:txBody>
+      </p:sp>
+      <p:sp>
+        <p:nvSpPr>
+          <p:cNvPr id="8" name="TextBox 5">
+            <a:extLst>
+              <a:ext uri="{FF2B5EF4-FFF2-40B4-BE49-F238E27FC236}">
+                <a16:creationId xmlns:a16="http://schemas.microsoft.com/office/drawing/2014/main" id="{A488C9A1-1F2E-A853-409B-554E5686DE68}"/>
               </a:ext>
             </a:extLst>
           </p:cNvPr>
@@ -11029,8 +11627,8 @@
         </p:nvSpPr>
         <p:spPr>
           <a:xfrm>
-            <a:off x="838200" y="1400846"/>
-            <a:ext cx="2236510" cy="584775"/>
+            <a:off x="940815" y="1565637"/>
+            <a:ext cx="4501438" cy="584775"/>
           </a:xfrm>
           <a:prstGeom prst="rect">
             <a:avLst/>
@@ -11038,18 +11636,70 @@
           <a:noFill/>
         </p:spPr>
         <p:txBody>
-          <a:bodyPr wrap="none" rtlCol="0">
+          <a:bodyPr rot="0" spcFirstLastPara="0" vertOverflow="overflow" horzOverflow="overflow" vert="horz" wrap="square" lIns="91440" tIns="45720" rIns="91440" bIns="45720" numCol="1" spcCol="0" rtlCol="0" fromWordArt="0" anchor="t" anchorCtr="0" forceAA="0" compatLnSpc="1">
+            <a:prstTxWarp prst="textNoShape">
+              <a:avLst/>
+            </a:prstTxWarp>
             <a:spAutoFit/>
           </a:bodyPr>
           <a:lstStyle/>
           <a:p>
-            <a:r>
-              <a:rPr kumimoji="1" lang="ja-JP" altLang="en-US" sz="3200"/>
+            <a:pPr algn="l"/>
+            <a:r>
+              <a:rPr lang="ja-JP" altLang="en-US" sz="3200">
+                <a:latin typeface="+mn-ea"/>
+              </a:rPr>
               <a:t>総合テスト</a:t>
             </a:r>
+            <a:endParaRPr lang="en-US" sz="3200">
+              <a:latin typeface="+mn-ea"/>
+            </a:endParaRPr>
           </a:p>
         </p:txBody>
       </p:sp>
+      <p:cxnSp>
+        <p:nvCxnSpPr>
+          <p:cNvPr id="9" name="直線コネクタ 8">
+            <a:extLst>
+              <a:ext uri="{FF2B5EF4-FFF2-40B4-BE49-F238E27FC236}">
+                <a16:creationId xmlns:a16="http://schemas.microsoft.com/office/drawing/2014/main" id="{DEDC621F-9C7A-2582-0500-817A946395D0}"/>
+              </a:ext>
+            </a:extLst>
+          </p:cNvPr>
+          <p:cNvCxnSpPr>
+            <a:cxnSpLocks/>
+          </p:cNvCxnSpPr>
+          <p:nvPr/>
+        </p:nvCxnSpPr>
+        <p:spPr>
+          <a:xfrm>
+            <a:off x="696000" y="1310782"/>
+            <a:ext cx="10800000" cy="0"/>
+          </a:xfrm>
+          <a:prstGeom prst="line">
+            <a:avLst/>
+          </a:prstGeom>
+          <a:ln w="22225">
+            <a:solidFill>
+              <a:srgbClr val="FFC000"/>
+            </a:solidFill>
+          </a:ln>
+        </p:spPr>
+        <p:style>
+          <a:lnRef idx="2">
+            <a:schemeClr val="accent1"/>
+          </a:lnRef>
+          <a:fillRef idx="0">
+            <a:schemeClr val="accent1"/>
+          </a:fillRef>
+          <a:effectRef idx="1">
+            <a:schemeClr val="accent1"/>
+          </a:effectRef>
+          <a:fontRef idx="minor">
+            <a:schemeClr val="tx1"/>
+          </a:fontRef>
+        </p:style>
+      </p:cxnSp>
     </p:spTree>
     <p:extLst>
       <p:ext uri="{BB962C8B-B14F-4D97-AF65-F5344CB8AC3E}">
@@ -11063,7 +11713,7 @@
 </p:sld>
 </file>
 
-<file path=ppt/slides/slide16.xml><?xml version="1.0" encoding="utf-8"?>
+<file path=ppt/slides/slide15.xml><?xml version="1.0" encoding="utf-8"?>
 <p:sld xmlns:a="http://schemas.openxmlformats.org/drawingml/2006/main" xmlns:r="http://schemas.openxmlformats.org/officeDocument/2006/relationships" xmlns:p="http://schemas.openxmlformats.org/presentationml/2006/main">
   <p:cSld>
     <p:spTree>
@@ -11165,7 +11815,7 @@
         </p:nvSpPr>
         <p:spPr>
           <a:xfrm>
-            <a:off x="842927" y="1488032"/>
+            <a:off x="838200" y="1965164"/>
             <a:ext cx="2234656" cy="1479167"/>
           </a:xfrm>
           <a:prstGeom prst="rect">
@@ -11212,7 +11862,7 @@
         </p:nvSpPr>
         <p:spPr>
           <a:xfrm>
-            <a:off x="900321" y="1119063"/>
+            <a:off x="895594" y="1596195"/>
             <a:ext cx="2743200" cy="400110"/>
           </a:xfrm>
           <a:prstGeom prst="rect">
@@ -11252,7 +11902,7 @@
         </p:nvSpPr>
         <p:spPr>
           <a:xfrm>
-            <a:off x="900321" y="1715411"/>
+            <a:off x="895594" y="2192543"/>
             <a:ext cx="2743200" cy="1015663"/>
           </a:xfrm>
           <a:prstGeom prst="rect">
@@ -11310,7 +11960,7 @@
         </p:nvCxnSpPr>
         <p:spPr>
           <a:xfrm flipV="1">
-            <a:off x="2850706" y="1864706"/>
+            <a:off x="2845979" y="2341838"/>
             <a:ext cx="1228111" cy="23436"/>
           </a:xfrm>
           <a:prstGeom prst="straightConnector1">
@@ -11352,7 +12002,7 @@
         </p:nvSpPr>
         <p:spPr>
           <a:xfrm>
-            <a:off x="3861343" y="1483658"/>
+            <a:off x="3856616" y="1960790"/>
             <a:ext cx="7136857" cy="1479167"/>
           </a:xfrm>
           <a:prstGeom prst="rect">
@@ -11401,7 +12051,7 @@
         </p:nvCxnSpPr>
         <p:spPr>
           <a:xfrm flipV="1">
-            <a:off x="2841449" y="1972317"/>
+            <a:off x="2836722" y="2449449"/>
             <a:ext cx="1275468" cy="282626"/>
           </a:xfrm>
           <a:prstGeom prst="straightConnector1">
@@ -11445,7 +12095,7 @@
         </p:nvCxnSpPr>
         <p:spPr>
           <a:xfrm flipV="1">
-            <a:off x="2841449" y="2000977"/>
+            <a:off x="2836722" y="2478109"/>
             <a:ext cx="1461734" cy="543038"/>
           </a:xfrm>
           <a:prstGeom prst="straightConnector1">
@@ -11487,7 +12137,7 @@
         </p:nvSpPr>
         <p:spPr>
           <a:xfrm>
-            <a:off x="3750511" y="1159569"/>
+            <a:off x="3745784" y="1636701"/>
             <a:ext cx="6096000" cy="400110"/>
           </a:xfrm>
           <a:prstGeom prst="rect">
@@ -11525,7 +12175,7 @@
         </p:nvSpPr>
         <p:spPr>
           <a:xfrm>
-            <a:off x="4296640" y="1582167"/>
+            <a:off x="4291913" y="2059299"/>
             <a:ext cx="6701560" cy="1292662"/>
           </a:xfrm>
           <a:prstGeom prst="rect">
@@ -11630,8 +12280,8 @@
         </p:nvCxnSpPr>
         <p:spPr>
           <a:xfrm>
-            <a:off x="7134049" y="2962825"/>
-            <a:ext cx="0" cy="555075"/>
+            <a:off x="7134049" y="3429000"/>
+            <a:ext cx="0" cy="368300"/>
           </a:xfrm>
           <a:prstGeom prst="straightConnector1">
             <a:avLst/>
@@ -11672,7 +12322,7 @@
         </p:nvSpPr>
         <p:spPr>
           <a:xfrm>
-            <a:off x="3861343" y="3895175"/>
+            <a:off x="3802862" y="4095231"/>
             <a:ext cx="7136857" cy="1570738"/>
           </a:xfrm>
           <a:prstGeom prst="rect">
@@ -11719,7 +12369,7 @@
         </p:nvSpPr>
         <p:spPr>
           <a:xfrm>
-            <a:off x="3808992" y="3495065"/>
+            <a:off x="3750511" y="3695121"/>
             <a:ext cx="6096000" cy="400110"/>
           </a:xfrm>
           <a:prstGeom prst="rect">
@@ -11739,7 +12389,7 @@
               </a:rPr>
               <a:t>ProductService</a:t>
             </a:r>
-            <a:endParaRPr lang="ja-JP" altLang="en-US" sz="2000" err="1"/>
+            <a:endParaRPr lang="ja-JP" altLang="en-US" sz="2000"/>
           </a:p>
         </p:txBody>
       </p:sp>
@@ -11757,7 +12407,7 @@
         </p:nvSpPr>
         <p:spPr>
           <a:xfrm>
-            <a:off x="4039929" y="3988585"/>
+            <a:off x="3981448" y="4188641"/>
             <a:ext cx="6779683" cy="1477328"/>
           </a:xfrm>
           <a:prstGeom prst="rect">
@@ -11833,8 +12483,8 @@
         </p:nvCxnSpPr>
         <p:spPr>
           <a:xfrm>
-            <a:off x="7134049" y="5465913"/>
-            <a:ext cx="0" cy="555075"/>
+            <a:off x="7134049" y="5665969"/>
+            <a:ext cx="0" cy="370536"/>
           </a:xfrm>
           <a:prstGeom prst="straightConnector1">
             <a:avLst/>
@@ -11914,9 +12564,9 @@
           <p:nvPr/>
         </p:nvCxnSpPr>
         <p:spPr>
-          <a:xfrm flipH="1" flipV="1">
-            <a:off x="7575787" y="5501944"/>
-            <a:ext cx="11044" cy="527185"/>
+          <a:xfrm flipV="1">
+            <a:off x="7531613" y="5658595"/>
+            <a:ext cx="0" cy="370536"/>
           </a:xfrm>
           <a:prstGeom prst="straightConnector1">
             <a:avLst/>
@@ -11958,9 +12608,9 @@
           <p:nvPr/>
         </p:nvCxnSpPr>
         <p:spPr>
-          <a:xfrm flipH="1" flipV="1">
-            <a:off x="7520569" y="2972987"/>
-            <a:ext cx="11044" cy="527185"/>
+          <a:xfrm flipV="1">
+            <a:off x="7531613" y="3429000"/>
+            <a:ext cx="0" cy="365804"/>
           </a:xfrm>
           <a:prstGeom prst="straightConnector1">
             <a:avLst/>
@@ -12003,7 +12653,7 @@
         </p:nvCxnSpPr>
         <p:spPr>
           <a:xfrm flipH="1">
-            <a:off x="2926483" y="2815476"/>
+            <a:off x="2921756" y="3292608"/>
             <a:ext cx="938695" cy="2901"/>
           </a:xfrm>
           <a:prstGeom prst="straightConnector1">
@@ -12031,10 +12681,165 @@
           </a:fontRef>
         </p:style>
       </p:cxnSp>
+      <p:cxnSp>
+        <p:nvCxnSpPr>
+          <p:cNvPr id="12" name="直線コネクタ 11">
+            <a:extLst>
+              <a:ext uri="{FF2B5EF4-FFF2-40B4-BE49-F238E27FC236}">
+                <a16:creationId xmlns:a16="http://schemas.microsoft.com/office/drawing/2014/main" id="{3B57BBB8-9FE2-2DEA-03D0-1EB5E92AB16C}"/>
+              </a:ext>
+            </a:extLst>
+          </p:cNvPr>
+          <p:cNvCxnSpPr>
+            <a:cxnSpLocks/>
+          </p:cNvCxnSpPr>
+          <p:nvPr/>
+        </p:nvCxnSpPr>
+        <p:spPr>
+          <a:xfrm>
+            <a:off x="696000" y="1310782"/>
+            <a:ext cx="10800000" cy="0"/>
+          </a:xfrm>
+          <a:prstGeom prst="line">
+            <a:avLst/>
+          </a:prstGeom>
+          <a:ln w="22225">
+            <a:solidFill>
+              <a:srgbClr val="FFC000"/>
+            </a:solidFill>
+          </a:ln>
+        </p:spPr>
+        <p:style>
+          <a:lnRef idx="2">
+            <a:schemeClr val="accent1"/>
+          </a:lnRef>
+          <a:fillRef idx="0">
+            <a:schemeClr val="accent1"/>
+          </a:fillRef>
+          <a:effectRef idx="1">
+            <a:schemeClr val="accent1"/>
+          </a:effectRef>
+          <a:fontRef idx="minor">
+            <a:schemeClr val="tx1"/>
+          </a:fontRef>
+        </p:style>
+      </p:cxnSp>
     </p:spTree>
     <p:extLst>
       <p:ext uri="{BB962C8B-B14F-4D97-AF65-F5344CB8AC3E}">
         <p14:creationId xmlns:p14="http://schemas.microsoft.com/office/powerpoint/2010/main" val="3949238329"/>
+      </p:ext>
+    </p:extLst>
+  </p:cSld>
+  <p:clrMapOvr>
+    <a:masterClrMapping/>
+  </p:clrMapOvr>
+</p:sld>
+</file>
+
+<file path=ppt/slides/slide16.xml><?xml version="1.0" encoding="utf-8"?>
+<p:sld xmlns:a="http://schemas.openxmlformats.org/drawingml/2006/main" xmlns:r="http://schemas.openxmlformats.org/officeDocument/2006/relationships" xmlns:p="http://schemas.openxmlformats.org/presentationml/2006/main">
+  <p:cSld>
+    <p:spTree>
+      <p:nvGrpSpPr>
+        <p:cNvPr id="1" name=""/>
+        <p:cNvGrpSpPr/>
+        <p:nvPr/>
+      </p:nvGrpSpPr>
+      <p:grpSpPr>
+        <a:xfrm>
+          <a:off x="0" y="0"/>
+          <a:ext cx="0" cy="0"/>
+          <a:chOff x="0" y="0"/>
+          <a:chExt cx="0" cy="0"/>
+        </a:xfrm>
+      </p:grpSpPr>
+      <p:sp>
+        <p:nvSpPr>
+          <p:cNvPr id="2" name="タイトル 1">
+            <a:extLst>
+              <a:ext uri="{FF2B5EF4-FFF2-40B4-BE49-F238E27FC236}">
+                <a16:creationId xmlns:a16="http://schemas.microsoft.com/office/drawing/2014/main" id="{D3E29937-9247-0931-AB8B-35A4D59E42C1}"/>
+              </a:ext>
+            </a:extLst>
+          </p:cNvPr>
+          <p:cNvSpPr>
+            <a:spLocks noGrp="1"/>
+          </p:cNvSpPr>
+          <p:nvPr>
+            <p:ph type="title"/>
+          </p:nvPr>
+        </p:nvSpPr>
+        <p:spPr>
+          <a:xfrm>
+            <a:off x="838200" y="2552513"/>
+            <a:ext cx="10515600" cy="1325563"/>
+          </a:xfrm>
+        </p:spPr>
+        <p:txBody>
+          <a:bodyPr/>
+          <a:lstStyle/>
+          <a:p>
+            <a:pPr algn="ctr"/>
+            <a:r>
+              <a:rPr lang="ja-JP" altLang="en-US">
+                <a:ea typeface="游ゴシック Light"/>
+              </a:rPr>
+              <a:t>成果物の画面紹介デモ</a:t>
+            </a:r>
+            <a:endParaRPr kumimoji="1" lang="ja-JP" altLang="en-US">
+              <a:ea typeface="游ゴシック Light"/>
+            </a:endParaRPr>
+          </a:p>
+        </p:txBody>
+      </p:sp>
+      <p:cxnSp>
+        <p:nvCxnSpPr>
+          <p:cNvPr id="3" name="直線コネクタ 2">
+            <a:extLst>
+              <a:ext uri="{FF2B5EF4-FFF2-40B4-BE49-F238E27FC236}">
+                <a16:creationId xmlns:a16="http://schemas.microsoft.com/office/drawing/2014/main" id="{0543E284-F373-4E62-24AA-189F49B23243}"/>
+              </a:ext>
+            </a:extLst>
+          </p:cNvPr>
+          <p:cNvCxnSpPr>
+            <a:cxnSpLocks/>
+          </p:cNvCxnSpPr>
+          <p:nvPr/>
+        </p:nvCxnSpPr>
+        <p:spPr>
+          <a:xfrm>
+            <a:off x="696000" y="3878076"/>
+            <a:ext cx="10800000" cy="0"/>
+          </a:xfrm>
+          <a:prstGeom prst="line">
+            <a:avLst/>
+          </a:prstGeom>
+          <a:ln w="22225">
+            <a:solidFill>
+              <a:srgbClr val="FFC000"/>
+            </a:solidFill>
+          </a:ln>
+        </p:spPr>
+        <p:style>
+          <a:lnRef idx="2">
+            <a:schemeClr val="accent1"/>
+          </a:lnRef>
+          <a:fillRef idx="0">
+            <a:schemeClr val="accent1"/>
+          </a:fillRef>
+          <a:effectRef idx="1">
+            <a:schemeClr val="accent1"/>
+          </a:effectRef>
+          <a:fontRef idx="minor">
+            <a:schemeClr val="tx1"/>
+          </a:fontRef>
+        </p:style>
+      </p:cxnSp>
+    </p:spTree>
+    <p:extLst>
+      <p:ext uri="{BB962C8B-B14F-4D97-AF65-F5344CB8AC3E}">
+        <p14:creationId xmlns:p14="http://schemas.microsoft.com/office/powerpoint/2010/main" val="3190131597"/>
       </p:ext>
     </p:extLst>
   </p:cSld>
@@ -12079,7 +12884,7 @@
         </p:nvSpPr>
         <p:spPr>
           <a:xfrm>
-            <a:off x="271585" y="208817"/>
+            <a:off x="838200" y="213314"/>
             <a:ext cx="4605216" cy="1335332"/>
           </a:xfrm>
         </p:spPr>
@@ -12108,8 +12913,8 @@
         </p:nvSpPr>
         <p:spPr>
           <a:xfrm>
-            <a:off x="493916" y="1548646"/>
-            <a:ext cx="10854257" cy="3785652"/>
+            <a:off x="499543" y="2408251"/>
+            <a:ext cx="10854257" cy="3508653"/>
           </a:xfrm>
           <a:prstGeom prst="rect">
             <a:avLst/>
@@ -12125,15 +12930,6 @@
           </a:bodyPr>
           <a:lstStyle/>
           <a:p>
-            <a:r>
-              <a:rPr lang="ja-JP" altLang="en-US" sz="2400">
-                <a:ea typeface="+mn-lt"/>
-                <a:cs typeface="+mn-lt"/>
-              </a:rPr>
-              <a:t>Keep(良かった点)</a:t>
-            </a:r>
-          </a:p>
-          <a:p>
             <a:pPr marL="285750" indent="-285750">
               <a:buFont typeface="Arial"/>
               <a:buChar char="•"/>
@@ -12152,37 +12948,13 @@
               </a:rPr>
               <a:t>。</a:t>
             </a:r>
-            <a:endParaRPr lang="en-US" sz="2400">
-              <a:ea typeface="游ゴシック" panose="02110004020202020204"/>
-            </a:endParaRPr>
           </a:p>
           <a:p>
             <a:pPr marL="285750" indent="-285750">
               <a:buFont typeface="Arial"/>
               <a:buChar char="•"/>
             </a:pPr>
-            <a:r>
-              <a:rPr lang="en-US" altLang="ja-JP" sz="2400">
-                <a:ea typeface="+mn-lt"/>
-                <a:cs typeface="+mn-lt"/>
-              </a:rPr>
-              <a:t> </a:t>
-            </a:r>
-            <a:r>
-              <a:rPr lang="ja-JP" altLang="en-US" sz="2400">
-                <a:ea typeface="+mn-lt"/>
-                <a:cs typeface="+mn-lt"/>
-              </a:rPr>
-              <a:t>タスクを細分化し、二人一組や三人一組のペアプログラミング形式で協力して作業を進めたことで、効率的に開発が進んだ。メンターに積極的に質問し、問題の早期発見・迅速な改善につなげた</a:t>
-            </a:r>
-            <a:r>
-              <a:rPr lang="en-US" sz="2400">
-                <a:ea typeface="+mn-lt"/>
-                <a:cs typeface="+mn-lt"/>
-              </a:rPr>
-              <a:t>。</a:t>
-            </a:r>
-            <a:endParaRPr lang="en-US" sz="2400">
+            <a:endParaRPr lang="en-US" sz="1000">
               <a:ea typeface="游ゴシック" panose="02110004020202020204"/>
             </a:endParaRPr>
           </a:p>
@@ -12192,11 +12964,18 @@
               <a:buChar char="•"/>
             </a:pPr>
             <a:r>
+              <a:rPr lang="en-US" altLang="ja-JP" sz="2400">
+                <a:ea typeface="+mn-lt"/>
+                <a:cs typeface="+mn-lt"/>
+              </a:rPr>
+              <a:t> </a:t>
+            </a:r>
+            <a:r>
               <a:rPr lang="ja-JP" altLang="en-US" sz="2400">
                 <a:ea typeface="+mn-lt"/>
                 <a:cs typeface="+mn-lt"/>
               </a:rPr>
-              <a:t>他チームがやっていなかったソート機能を実装したことで、自分たちで調べながら学ぶ良い機会となった</a:t>
+              <a:t>タスクを細分化し、二人一組や三人一組のペアプログラミング形式で協力して作業を進めたことで、効率的に開発が進んだ。メンターに積極的に質問し、問題の早期発見・迅速な改善につなげた</a:t>
             </a:r>
             <a:r>
               <a:rPr lang="en-US" sz="2400">
@@ -12205,21 +12984,27 @@
               </a:rPr>
               <a:t>。</a:t>
             </a:r>
-            <a:endParaRPr lang="en-US" sz="2400">
-              <a:ea typeface="游ゴシック" panose="02110004020202020204"/>
-            </a:endParaRPr>
           </a:p>
           <a:p>
             <a:pPr marL="285750" indent="-285750">
               <a:buFont typeface="Arial"/>
               <a:buChar char="•"/>
             </a:pPr>
+            <a:endParaRPr lang="en-US" sz="1000">
+              <a:ea typeface="游ゴシック" panose="02110004020202020204"/>
+            </a:endParaRPr>
+          </a:p>
+          <a:p>
+            <a:pPr marL="285750" indent="-285750">
+              <a:buFont typeface="Arial"/>
+              <a:buChar char="•"/>
+            </a:pPr>
             <a:r>
               <a:rPr lang="ja-JP" altLang="en-US" sz="2400">
                 <a:ea typeface="+mn-lt"/>
                 <a:cs typeface="+mn-lt"/>
               </a:rPr>
-              <a:t>機能を詰め込みすぎなかったことで、後半も余裕を持って丁寧に作業できた</a:t>
+              <a:t>他チームがやっていなかったソート機能を実装したことで、自分たちで調べながら学ぶ良い機会となった</a:t>
             </a:r>
             <a:r>
               <a:rPr lang="en-US" sz="2400">
@@ -12228,9 +13013,125 @@
               </a:rPr>
               <a:t>。</a:t>
             </a:r>
+          </a:p>
+          <a:p>
+            <a:pPr marL="285750" indent="-285750">
+              <a:buFont typeface="Arial"/>
+              <a:buChar char="•"/>
+            </a:pPr>
+            <a:endParaRPr lang="en-US" sz="1000">
+              <a:ea typeface="游ゴシック" panose="02110004020202020204"/>
+            </a:endParaRPr>
+          </a:p>
+          <a:p>
+            <a:pPr marL="285750" indent="-285750">
+              <a:buFont typeface="Arial"/>
+              <a:buChar char="•"/>
+            </a:pPr>
+            <a:r>
+              <a:rPr lang="ja-JP" altLang="en-US" sz="2400">
+                <a:ea typeface="+mn-lt"/>
+                <a:cs typeface="+mn-lt"/>
+              </a:rPr>
+              <a:t>機能を詰め込みすぎなかったことで、後半も余裕を持ち丁寧に作業できた</a:t>
+            </a:r>
+            <a:r>
+              <a:rPr lang="en-US" sz="2400">
+                <a:ea typeface="+mn-lt"/>
+                <a:cs typeface="+mn-lt"/>
+              </a:rPr>
+              <a:t>。</a:t>
+            </a:r>
             <a:endParaRPr lang="en-US" sz="2400">
               <a:ea typeface="游ゴシック" panose="02110004020202020204"/>
             </a:endParaRPr>
+          </a:p>
+        </p:txBody>
+      </p:sp>
+      <p:cxnSp>
+        <p:nvCxnSpPr>
+          <p:cNvPr id="4" name="直線コネクタ 3">
+            <a:extLst>
+              <a:ext uri="{FF2B5EF4-FFF2-40B4-BE49-F238E27FC236}">
+                <a16:creationId xmlns:a16="http://schemas.microsoft.com/office/drawing/2014/main" id="{FA15B667-1BAE-5649-6290-78D3768E649F}"/>
+              </a:ext>
+            </a:extLst>
+          </p:cNvPr>
+          <p:cNvCxnSpPr>
+            <a:cxnSpLocks/>
+          </p:cNvCxnSpPr>
+          <p:nvPr/>
+        </p:nvCxnSpPr>
+        <p:spPr>
+          <a:xfrm>
+            <a:off x="696000" y="1310782"/>
+            <a:ext cx="10800000" cy="0"/>
+          </a:xfrm>
+          <a:prstGeom prst="line">
+            <a:avLst/>
+          </a:prstGeom>
+          <a:ln w="22225">
+            <a:solidFill>
+              <a:srgbClr val="FFC000"/>
+            </a:solidFill>
+          </a:ln>
+        </p:spPr>
+        <p:style>
+          <a:lnRef idx="2">
+            <a:schemeClr val="accent1"/>
+          </a:lnRef>
+          <a:fillRef idx="0">
+            <a:schemeClr val="accent1"/>
+          </a:fillRef>
+          <a:effectRef idx="1">
+            <a:schemeClr val="accent1"/>
+          </a:effectRef>
+          <a:fontRef idx="minor">
+            <a:schemeClr val="tx1"/>
+          </a:fontRef>
+        </p:style>
+      </p:cxnSp>
+      <p:sp>
+        <p:nvSpPr>
+          <p:cNvPr id="7" name="テキスト ボックス 6">
+            <a:extLst>
+              <a:ext uri="{FF2B5EF4-FFF2-40B4-BE49-F238E27FC236}">
+                <a16:creationId xmlns:a16="http://schemas.microsoft.com/office/drawing/2014/main" id="{7717EA2D-2912-E714-8C81-FB096D74DA58}"/>
+              </a:ext>
+            </a:extLst>
+          </p:cNvPr>
+          <p:cNvSpPr txBox="1"/>
+          <p:nvPr/>
+        </p:nvSpPr>
+        <p:spPr>
+          <a:xfrm>
+            <a:off x="838200" y="1512604"/>
+            <a:ext cx="4038285" cy="584775"/>
+          </a:xfrm>
+          <a:prstGeom prst="rect">
+            <a:avLst/>
+          </a:prstGeom>
+          <a:noFill/>
+        </p:spPr>
+        <p:txBody>
+          <a:bodyPr wrap="none" rtlCol="0">
+            <a:spAutoFit/>
+          </a:bodyPr>
+          <a:lstStyle/>
+          <a:p>
+            <a:r>
+              <a:rPr kumimoji="1" lang="en-US" altLang="ja-JP" sz="3200"/>
+              <a:t>Kee</a:t>
+            </a:r>
+            <a:r>
+              <a:rPr lang="en-US" altLang="ja-JP" sz="3200"/>
+              <a:t>p</a:t>
+            </a:r>
+            <a:r>
+              <a:rPr lang="ja-JP" altLang="en-US" sz="3200"/>
+              <a:t>（良かった点）</a:t>
+            </a:r>
+            <a:endParaRPr kumimoji="1" lang="ja-JP" altLang="en-US" sz="3200"/>
           </a:p>
         </p:txBody>
       </p:sp>
@@ -12266,60 +13167,6 @@
       </p:grpSpPr>
       <p:sp>
         <p:nvSpPr>
-          <p:cNvPr id="4" name="タイトル 1">
-            <a:extLst>
-              <a:ext uri="{FF2B5EF4-FFF2-40B4-BE49-F238E27FC236}">
-                <a16:creationId xmlns:a16="http://schemas.microsoft.com/office/drawing/2014/main" id="{25648168-89AD-FA3F-90AE-6DBEEF9AAC28}"/>
-              </a:ext>
-            </a:extLst>
-          </p:cNvPr>
-          <p:cNvSpPr txBox="1">
-            <a:spLocks/>
-          </p:cNvSpPr>
-          <p:nvPr/>
-        </p:nvSpPr>
-        <p:spPr>
-          <a:xfrm>
-            <a:off x="271585" y="208817"/>
-            <a:ext cx="4605216" cy="1335332"/>
-          </a:xfrm>
-          <a:prstGeom prst="rect">
-            <a:avLst/>
-          </a:prstGeom>
-        </p:spPr>
-        <p:txBody>
-          <a:bodyPr vert="horz" lIns="91440" tIns="45720" rIns="91440" bIns="45720" rtlCol="0" anchor="ctr">
-            <a:normAutofit/>
-          </a:bodyPr>
-          <a:lstStyle>
-            <a:lvl1pPr algn="l" defTabSz="914400" rtl="0" eaLnBrk="1" latinLnBrk="0" hangingPunct="1">
-              <a:lnSpc>
-                <a:spcPct val="90000"/>
-              </a:lnSpc>
-              <a:spcBef>
-                <a:spcPct val="0"/>
-              </a:spcBef>
-              <a:buNone/>
-              <a:defRPr kumimoji="1" sz="4400" kern="1200">
-                <a:solidFill>
-                  <a:schemeClr val="tx1"/>
-                </a:solidFill>
-                <a:latin typeface="+mj-lt"/>
-                <a:ea typeface="+mj-ea"/>
-                <a:cs typeface="+mj-cs"/>
-              </a:defRPr>
-            </a:lvl1pPr>
-          </a:lstStyle>
-          <a:p>
-            <a:r>
-              <a:rPr lang="ja-JP" altLang="en-US"/>
-              <a:t>ふりかえり結果</a:t>
-            </a:r>
-          </a:p>
-        </p:txBody>
-      </p:sp>
-      <p:sp>
-        <p:nvSpPr>
           <p:cNvPr id="5" name="TextBox 3">
             <a:extLst>
               <a:ext uri="{FF2B5EF4-FFF2-40B4-BE49-F238E27FC236}">
@@ -12332,8 +13179,8 @@
         </p:nvSpPr>
         <p:spPr>
           <a:xfrm>
-            <a:off x="630635" y="1545273"/>
-            <a:ext cx="10925667" cy="4524315"/>
+            <a:off x="633166" y="1804991"/>
+            <a:ext cx="10925667" cy="4770537"/>
           </a:xfrm>
           <a:prstGeom prst="rect">
             <a:avLst/>
@@ -12443,27 +13290,6 @@
             </a:lvl9pPr>
           </a:lstStyle>
           <a:p>
-            <a:r>
-              <a:rPr lang="en-US" sz="2400">
-                <a:ea typeface="+mn-lt"/>
-                <a:cs typeface="+mn-lt"/>
-              </a:rPr>
-              <a:t>Problem</a:t>
-            </a:r>
-            <a:r>
-              <a:rPr lang="ja-JP" altLang="en-US" sz="2400">
-                <a:ea typeface="+mn-lt"/>
-                <a:cs typeface="+mn-lt"/>
-              </a:rPr>
-              <a:t>（課題</a:t>
-            </a:r>
-            <a:r>
-              <a:rPr lang="en-US" sz="2400">
-                <a:ea typeface="+mn-lt"/>
-                <a:cs typeface="+mn-lt"/>
-              </a:rPr>
-              <a:t>）</a:t>
-            </a:r>
             <a:endParaRPr lang="en-US" sz="2400">
               <a:ea typeface="游ゴシック"/>
             </a:endParaRPr>
@@ -12487,30 +13313,16 @@
               </a:rPr>
               <a:t>。</a:t>
             </a:r>
-            <a:endParaRPr lang="en-US" altLang="ja-JP" sz="2400">
-              <a:ea typeface="+mn-lt"/>
-              <a:cs typeface="+mn-lt"/>
-            </a:endParaRPr>
           </a:p>
           <a:p>
             <a:pPr marL="285750" indent="-285750">
               <a:buFont typeface="Arial"/>
               <a:buChar char="•"/>
             </a:pPr>
-            <a:r>
-              <a:rPr lang="ja-JP" altLang="en-US" sz="2400">
-                <a:ea typeface="+mn-lt"/>
-                <a:cs typeface="+mn-lt"/>
-              </a:rPr>
-              <a:t>テストに関する知識・理解が不足しているメンバーが多く、一部の理解者に負荷が集中。チーム全体のバランスや効率に影響した</a:t>
-            </a:r>
-            <a:r>
-              <a:rPr lang="en-US" sz="2400">
-                <a:ea typeface="+mn-lt"/>
-                <a:cs typeface="+mn-lt"/>
-              </a:rPr>
-              <a:t>。</a:t>
-            </a:r>
+            <a:endParaRPr lang="en-US" altLang="ja-JP" sz="1000">
+              <a:ea typeface="+mn-lt"/>
+              <a:cs typeface="+mn-lt"/>
+            </a:endParaRPr>
           </a:p>
           <a:p>
             <a:pPr marL="285750" indent="-285750">
@@ -12522,21 +13334,7 @@
                 <a:ea typeface="+mn-lt"/>
                 <a:cs typeface="+mn-lt"/>
               </a:rPr>
-              <a:t>ブランチや</a:t>
-            </a:r>
-            <a:r>
-              <a:rPr lang="en-US" sz="2400">
-                <a:ea typeface="+mn-lt"/>
-                <a:cs typeface="+mn-lt"/>
-              </a:rPr>
-              <a:t>GitHub</a:t>
-            </a:r>
-            <a:r>
-              <a:rPr lang="ja-JP" altLang="en-US" sz="2400">
-                <a:ea typeface="+mn-lt"/>
-                <a:cs typeface="+mn-lt"/>
-              </a:rPr>
-              <a:t>の使い方に慣れておらず、毎回コンフリクト対応が必要だった</a:t>
+              <a:t>工程によって知識・理解が不足しているメンバーが多く、一部の理解者に負荷が集中。チーム全体のバランスや効率に影響した</a:t>
             </a:r>
             <a:r>
               <a:rPr lang="en-US" sz="2400">
@@ -12551,20 +13349,10 @@
               <a:buFont typeface="Arial"/>
               <a:buChar char="•"/>
             </a:pPr>
-            <a:r>
-              <a:rPr lang="ja-JP" altLang="en-US" sz="2400">
-                <a:ea typeface="+mn-lt"/>
-                <a:cs typeface="+mn-lt"/>
-              </a:rPr>
-              <a:t>設計段階で実装に関する理解が不足していたため、実用的な設計書を作成できなかった</a:t>
-            </a:r>
-            <a:r>
-              <a:rPr lang="en-US" sz="2400">
-                <a:ea typeface="+mn-lt"/>
-                <a:cs typeface="+mn-lt"/>
-              </a:rPr>
-              <a:t>。</a:t>
-            </a:r>
+            <a:endParaRPr lang="en-US" sz="1000">
+              <a:ea typeface="+mn-lt"/>
+              <a:cs typeface="+mn-lt"/>
+            </a:endParaRPr>
           </a:p>
           <a:p>
             <a:pPr marL="285750" indent="-285750">
@@ -12572,18 +13360,92 @@
               <a:buChar char="•"/>
             </a:pPr>
             <a:r>
+              <a:rPr lang="ja-JP" altLang="en-US" sz="2400">
+                <a:ea typeface="+mn-lt"/>
+                <a:cs typeface="+mn-lt"/>
+              </a:rPr>
+              <a:t>ブランチや</a:t>
+            </a:r>
+            <a:r>
               <a:rPr lang="en-US" sz="2400">
                 <a:ea typeface="+mn-lt"/>
                 <a:cs typeface="+mn-lt"/>
               </a:rPr>
-              <a:t>AI</a:t>
+              <a:t>GitHub</a:t>
             </a:r>
             <a:r>
               <a:rPr lang="ja-JP" altLang="en-US" sz="2400">
                 <a:ea typeface="+mn-lt"/>
                 <a:cs typeface="+mn-lt"/>
               </a:rPr>
-              <a:t>に頼りすぎて、各工程の作業内容や目的の理解・共有が不十分なまま進めた</a:t>
+              <a:t>の使い方に慣れておらず、毎回コンフリクト</a:t>
+            </a:r>
+          </a:p>
+          <a:p>
+            <a:pPr marL="285750" indent="-285750">
+              <a:buFont typeface="Arial"/>
+              <a:buChar char="•"/>
+            </a:pPr>
+            <a:endParaRPr lang="en-US" sz="1000">
+              <a:ea typeface="+mn-lt"/>
+              <a:cs typeface="+mn-lt"/>
+            </a:endParaRPr>
+          </a:p>
+          <a:p>
+            <a:pPr marL="285750" indent="-285750">
+              <a:buFont typeface="Arial"/>
+              <a:buChar char="•"/>
+            </a:pPr>
+            <a:r>
+              <a:rPr lang="ja-JP" altLang="en-US" sz="2400">
+                <a:ea typeface="+mn-lt"/>
+                <a:cs typeface="+mn-lt"/>
+              </a:rPr>
+              <a:t>設計段階で実装に関する理解が不足していたため、実用的な設計書を作成できなかった</a:t>
+            </a:r>
+            <a:r>
+              <a:rPr lang="en-US" sz="2400">
+                <a:ea typeface="+mn-lt"/>
+                <a:cs typeface="+mn-lt"/>
+              </a:rPr>
+              <a:t>。</a:t>
+            </a:r>
+          </a:p>
+          <a:p>
+            <a:pPr marL="285750" indent="-285750">
+              <a:buFont typeface="Arial"/>
+              <a:buChar char="•"/>
+            </a:pPr>
+            <a:endParaRPr lang="en-US" sz="1000">
+              <a:ea typeface="+mn-lt"/>
+              <a:cs typeface="+mn-lt"/>
+            </a:endParaRPr>
+          </a:p>
+          <a:p>
+            <a:pPr marL="285750" indent="-285750">
+              <a:buFont typeface="Arial"/>
+              <a:buChar char="•"/>
+            </a:pPr>
+            <a:r>
+              <a:rPr lang="ja-JP" altLang="en-US" sz="2400">
+                <a:ea typeface="+mn-lt"/>
+                <a:cs typeface="+mn-lt"/>
+              </a:rPr>
+              <a:t>最初は</a:t>
+            </a:r>
+            <a:r>
+              <a:rPr lang="en-US" sz="2400">
+                <a:ea typeface="+mn-lt"/>
+                <a:cs typeface="+mn-lt"/>
+              </a:rPr>
+              <a:t>AI</a:t>
+            </a:r>
+            <a:r>
+              <a:rPr lang="ja-JP" altLang="en-US" sz="2400">
+                <a:ea typeface="+mn-lt"/>
+                <a:cs typeface="+mn-lt"/>
+              </a:rPr>
+              <a:t>に頼り、各工程の作業内容や目的の理解・共有が不十分なまま進めた</a:t>
             </a:r>
             <a:r>
               <a:rPr lang="en-US" sz="2400">
@@ -12601,6 +13463,122 @@
             <a:endParaRPr lang="en-US" sz="2400">
               <a:ea typeface="游ゴシック"/>
             </a:endParaRPr>
+          </a:p>
+        </p:txBody>
+      </p:sp>
+      <p:sp>
+        <p:nvSpPr>
+          <p:cNvPr id="2" name="タイトル 1">
+            <a:extLst>
+              <a:ext uri="{FF2B5EF4-FFF2-40B4-BE49-F238E27FC236}">
+                <a16:creationId xmlns:a16="http://schemas.microsoft.com/office/drawing/2014/main" id="{2901A0C8-5288-F9FE-5CD6-A615A7959471}"/>
+              </a:ext>
+            </a:extLst>
+          </p:cNvPr>
+          <p:cNvSpPr>
+            <a:spLocks noGrp="1"/>
+          </p:cNvSpPr>
+          <p:nvPr>
+            <p:ph type="title"/>
+          </p:nvPr>
+        </p:nvSpPr>
+        <p:spPr>
+          <a:xfrm>
+            <a:off x="838200" y="213314"/>
+            <a:ext cx="4605216" cy="1335332"/>
+          </a:xfrm>
+        </p:spPr>
+        <p:txBody>
+          <a:bodyPr/>
+          <a:lstStyle/>
+          <a:p>
+            <a:r>
+              <a:rPr kumimoji="1" lang="ja-JP" altLang="en-US"/>
+              <a:t>ふりかえり結果</a:t>
+            </a:r>
+          </a:p>
+        </p:txBody>
+      </p:sp>
+      <p:cxnSp>
+        <p:nvCxnSpPr>
+          <p:cNvPr id="3" name="直線コネクタ 2">
+            <a:extLst>
+              <a:ext uri="{FF2B5EF4-FFF2-40B4-BE49-F238E27FC236}">
+                <a16:creationId xmlns:a16="http://schemas.microsoft.com/office/drawing/2014/main" id="{CD780593-D438-B808-B5A1-36816328821D}"/>
+              </a:ext>
+            </a:extLst>
+          </p:cNvPr>
+          <p:cNvCxnSpPr>
+            <a:cxnSpLocks/>
+          </p:cNvCxnSpPr>
+          <p:nvPr/>
+        </p:nvCxnSpPr>
+        <p:spPr>
+          <a:xfrm>
+            <a:off x="696000" y="1310782"/>
+            <a:ext cx="10800000" cy="0"/>
+          </a:xfrm>
+          <a:prstGeom prst="line">
+            <a:avLst/>
+          </a:prstGeom>
+          <a:ln w="22225">
+            <a:solidFill>
+              <a:srgbClr val="FFC000"/>
+            </a:solidFill>
+          </a:ln>
+        </p:spPr>
+        <p:style>
+          <a:lnRef idx="2">
+            <a:schemeClr val="accent1"/>
+          </a:lnRef>
+          <a:fillRef idx="0">
+            <a:schemeClr val="accent1"/>
+          </a:fillRef>
+          <a:effectRef idx="1">
+            <a:schemeClr val="accent1"/>
+          </a:effectRef>
+          <a:fontRef idx="minor">
+            <a:schemeClr val="tx1"/>
+          </a:fontRef>
+        </p:style>
+      </p:cxnSp>
+      <p:sp>
+        <p:nvSpPr>
+          <p:cNvPr id="6" name="テキスト ボックス 5">
+            <a:extLst>
+              <a:ext uri="{FF2B5EF4-FFF2-40B4-BE49-F238E27FC236}">
+                <a16:creationId xmlns:a16="http://schemas.microsoft.com/office/drawing/2014/main" id="{A634E3A2-F950-2020-55AC-AA1D7FAAC118}"/>
+              </a:ext>
+            </a:extLst>
+          </p:cNvPr>
+          <p:cNvSpPr txBox="1"/>
+          <p:nvPr/>
+        </p:nvSpPr>
+        <p:spPr>
+          <a:xfrm>
+            <a:off x="838200" y="1512604"/>
+            <a:ext cx="3405099" cy="584775"/>
+          </a:xfrm>
+          <a:prstGeom prst="rect">
+            <a:avLst/>
+          </a:prstGeom>
+          <a:noFill/>
+        </p:spPr>
+        <p:txBody>
+          <a:bodyPr wrap="none" rtlCol="0">
+            <a:spAutoFit/>
+          </a:bodyPr>
+          <a:lstStyle/>
+          <a:p>
+            <a:r>
+              <a:rPr lang="en-US" altLang="ja-JP" sz="3200"/>
+              <a:t>Problem</a:t>
+            </a:r>
+            <a:r>
+              <a:rPr lang="ja-JP" altLang="en-US" sz="3200"/>
+              <a:t>（課題）</a:t>
+            </a:r>
+            <a:endParaRPr kumimoji="1" lang="ja-JP" altLang="en-US" sz="3200"/>
           </a:p>
         </p:txBody>
       </p:sp>
@@ -12636,60 +13614,6 @@
       </p:grpSpPr>
       <p:sp>
         <p:nvSpPr>
-          <p:cNvPr id="4" name="タイトル 1">
-            <a:extLst>
-              <a:ext uri="{FF2B5EF4-FFF2-40B4-BE49-F238E27FC236}">
-                <a16:creationId xmlns:a16="http://schemas.microsoft.com/office/drawing/2014/main" id="{7B263D3E-AC05-3004-D48F-1BA37B4D6194}"/>
-              </a:ext>
-            </a:extLst>
-          </p:cNvPr>
-          <p:cNvSpPr txBox="1">
-            <a:spLocks/>
-          </p:cNvSpPr>
-          <p:nvPr/>
-        </p:nvSpPr>
-        <p:spPr>
-          <a:xfrm>
-            <a:off x="300893" y="374894"/>
-            <a:ext cx="4605216" cy="1335332"/>
-          </a:xfrm>
-          <a:prstGeom prst="rect">
-            <a:avLst/>
-          </a:prstGeom>
-        </p:spPr>
-        <p:txBody>
-          <a:bodyPr vert="horz" lIns="91440" tIns="45720" rIns="91440" bIns="45720" rtlCol="0" anchor="ctr">
-            <a:normAutofit/>
-          </a:bodyPr>
-          <a:lstStyle>
-            <a:lvl1pPr algn="l" defTabSz="914400" rtl="0" eaLnBrk="1" latinLnBrk="0" hangingPunct="1">
-              <a:lnSpc>
-                <a:spcPct val="90000"/>
-              </a:lnSpc>
-              <a:spcBef>
-                <a:spcPct val="0"/>
-              </a:spcBef>
-              <a:buNone/>
-              <a:defRPr kumimoji="1" sz="4400" kern="1200">
-                <a:solidFill>
-                  <a:schemeClr val="tx1"/>
-                </a:solidFill>
-                <a:latin typeface="+mj-lt"/>
-                <a:ea typeface="+mj-ea"/>
-                <a:cs typeface="+mj-cs"/>
-              </a:defRPr>
-            </a:lvl1pPr>
-          </a:lstStyle>
-          <a:p>
-            <a:r>
-              <a:rPr lang="ja-JP" altLang="en-US"/>
-              <a:t>ふりかえり結果</a:t>
-            </a:r>
-          </a:p>
-        </p:txBody>
-      </p:sp>
-      <p:sp>
-        <p:nvSpPr>
           <p:cNvPr id="5" name="TextBox 4">
             <a:extLst>
               <a:ext uri="{FF2B5EF4-FFF2-40B4-BE49-F238E27FC236}">
@@ -12702,8 +13626,8 @@
         </p:nvSpPr>
         <p:spPr>
           <a:xfrm>
-            <a:off x="531405" y="1851738"/>
-            <a:ext cx="10740002" cy="3785652"/>
+            <a:off x="531405" y="2097379"/>
+            <a:ext cx="10740002" cy="3508653"/>
           </a:xfrm>
           <a:prstGeom prst="rect">
             <a:avLst/>
@@ -12813,32 +13737,6 @@
             </a:lvl9pPr>
           </a:lstStyle>
           <a:p>
-            <a:r>
-              <a:rPr lang="en-US" sz="2400">
-                <a:ea typeface="+mn-lt"/>
-                <a:cs typeface="+mn-lt"/>
-              </a:rPr>
-              <a:t>Try</a:t>
-            </a:r>
-            <a:r>
-              <a:rPr lang="ja-JP" altLang="en-US" sz="2400">
-                <a:ea typeface="+mn-lt"/>
-                <a:cs typeface="+mn-lt"/>
-              </a:rPr>
-              <a:t>（次回への改善</a:t>
-            </a:r>
-            <a:r>
-              <a:rPr lang="en-US" sz="2400">
-                <a:ea typeface="+mn-lt"/>
-                <a:cs typeface="+mn-lt"/>
-              </a:rPr>
-              <a:t>）</a:t>
-            </a:r>
-            <a:endParaRPr lang="en-US" sz="2400">
-              <a:ea typeface="游ゴシック"/>
-            </a:endParaRPr>
-          </a:p>
-          <a:p>
             <a:endParaRPr lang="en-US" sz="2400">
               <a:ea typeface="游ゴシック"/>
             </a:endParaRPr>
@@ -12853,7 +13751,7 @@
                 <a:ea typeface="+mn-lt"/>
                 <a:cs typeface="+mn-lt"/>
               </a:rPr>
-              <a:t>講義前に各自がテキストを読み、基礎を固めた上で講義に臨む。講義中はその場で疑問を解消し、理解レベルを揃える。結果として負荷分散と効率化を図る</a:t>
+              <a:t>講義中に疑問を解消し、メンバーと確認して理解レベルを揃える。結果として負荷分散と効率化を図る</a:t>
             </a:r>
             <a:r>
               <a:rPr lang="en-US" sz="2400">
@@ -12862,31 +13760,13 @@
               </a:rPr>
               <a:t>。</a:t>
             </a:r>
-            <a:endParaRPr lang="en-US" altLang="ja-JP" sz="2400">
-              <a:ea typeface="+mn-lt"/>
-              <a:cs typeface="+mn-lt"/>
-            </a:endParaRPr>
           </a:p>
           <a:p>
             <a:pPr marL="285750" indent="-285750">
               <a:buFont typeface="Arial"/>
               <a:buChar char="•"/>
             </a:pPr>
-            <a:r>
-              <a:rPr lang="ja-JP" altLang="en-US" sz="2400">
-                <a:ea typeface="+mn-lt"/>
-                <a:cs typeface="+mn-lt"/>
-              </a:rPr>
-              <a:t>最初から役割分担やリーダーを決めて、よりスムーズに進行できるようにする</a:t>
-            </a:r>
-            <a:r>
-              <a:rPr lang="en-US" sz="2400">
-                <a:ea typeface="+mn-lt"/>
-                <a:cs typeface="+mn-lt"/>
-              </a:rPr>
-              <a:t>。</a:t>
-            </a:r>
-            <a:endParaRPr lang="en-US" altLang="ja-JP" sz="2400">
+            <a:endParaRPr lang="en-US" altLang="ja-JP" sz="1000">
               <a:ea typeface="+mn-lt"/>
               <a:cs typeface="+mn-lt"/>
             </a:endParaRPr>
@@ -12901,7 +13781,7 @@
                 <a:ea typeface="+mn-lt"/>
                 <a:cs typeface="+mn-lt"/>
               </a:rPr>
-              <a:t>設計書作成時点で実装方法を見据えた内容にする</a:t>
+              <a:t>最初から役割分担やリーダーを決めて、よりスムーズに進行できるようにする</a:t>
             </a:r>
             <a:r>
               <a:rPr lang="en-US" sz="2400">
@@ -12910,22 +13790,28 @@
               </a:rPr>
               <a:t>。</a:t>
             </a:r>
-            <a:endParaRPr lang="en-US" altLang="ja-JP" sz="2400">
-              <a:ea typeface="+mn-lt"/>
-              <a:cs typeface="+mn-lt"/>
-            </a:endParaRPr>
           </a:p>
           <a:p>
             <a:pPr marL="285750" indent="-285750">
               <a:buFont typeface="Arial"/>
               <a:buChar char="•"/>
             </a:pPr>
+            <a:endParaRPr lang="en-US" altLang="ja-JP" sz="1000">
+              <a:ea typeface="+mn-lt"/>
+              <a:cs typeface="+mn-lt"/>
+            </a:endParaRPr>
+          </a:p>
+          <a:p>
+            <a:pPr marL="285750" indent="-285750">
+              <a:buFont typeface="Arial"/>
+              <a:buChar char="•"/>
+            </a:pPr>
             <a:r>
               <a:rPr lang="ja-JP" altLang="en-US" sz="2400">
                 <a:ea typeface="+mn-lt"/>
                 <a:cs typeface="+mn-lt"/>
               </a:rPr>
-              <a:t>作業前に課題内容をチームで話し合い、進め方を明確にする</a:t>
+              <a:t>設計書作成時点で実装方法を見据えた内容にする</a:t>
             </a:r>
             <a:r>
               <a:rPr lang="en-US" sz="2400">
@@ -12934,6 +13820,36 @@
               </a:rPr>
               <a:t>。</a:t>
             </a:r>
+          </a:p>
+          <a:p>
+            <a:pPr marL="285750" indent="-285750">
+              <a:buFont typeface="Arial"/>
+              <a:buChar char="•"/>
+            </a:pPr>
+            <a:endParaRPr lang="en-US" altLang="ja-JP" sz="1000">
+              <a:ea typeface="+mn-lt"/>
+              <a:cs typeface="+mn-lt"/>
+            </a:endParaRPr>
+          </a:p>
+          <a:p>
+            <a:pPr marL="285750" indent="-285750">
+              <a:buFont typeface="Arial"/>
+              <a:buChar char="•"/>
+            </a:pPr>
+            <a:r>
+              <a:rPr lang="ja-JP" altLang="en-US" sz="2400">
+                <a:ea typeface="+mn-lt"/>
+                <a:cs typeface="+mn-lt"/>
+              </a:rPr>
+              <a:t>作業前に課題内容をチームで話し合い、進め方を明確にする</a:t>
+            </a:r>
+            <a:r>
+              <a:rPr lang="en-US" sz="2400">
+                <a:ea typeface="+mn-lt"/>
+                <a:cs typeface="+mn-lt"/>
+              </a:rPr>
+              <a:t>。</a:t>
+            </a:r>
             <a:endParaRPr lang="en-US" sz="2400">
               <a:ea typeface="游ゴシック"/>
             </a:endParaRPr>
@@ -12949,6 +13865,122 @@
             <a:endParaRPr lang="en-US" sz="2400">
               <a:ea typeface="游ゴシック"/>
             </a:endParaRPr>
+          </a:p>
+        </p:txBody>
+      </p:sp>
+      <p:sp>
+        <p:nvSpPr>
+          <p:cNvPr id="2" name="タイトル 1">
+            <a:extLst>
+              <a:ext uri="{FF2B5EF4-FFF2-40B4-BE49-F238E27FC236}">
+                <a16:creationId xmlns:a16="http://schemas.microsoft.com/office/drawing/2014/main" id="{5637F4AB-D438-E654-3EB4-D2226DEACD81}"/>
+              </a:ext>
+            </a:extLst>
+          </p:cNvPr>
+          <p:cNvSpPr>
+            <a:spLocks noGrp="1"/>
+          </p:cNvSpPr>
+          <p:nvPr>
+            <p:ph type="title"/>
+          </p:nvPr>
+        </p:nvSpPr>
+        <p:spPr>
+          <a:xfrm>
+            <a:off x="838200" y="213314"/>
+            <a:ext cx="4605216" cy="1335332"/>
+          </a:xfrm>
+        </p:spPr>
+        <p:txBody>
+          <a:bodyPr/>
+          <a:lstStyle/>
+          <a:p>
+            <a:r>
+              <a:rPr kumimoji="1" lang="ja-JP" altLang="en-US"/>
+              <a:t>ふりかえり結果</a:t>
+            </a:r>
+          </a:p>
+        </p:txBody>
+      </p:sp>
+      <p:cxnSp>
+        <p:nvCxnSpPr>
+          <p:cNvPr id="3" name="直線コネクタ 2">
+            <a:extLst>
+              <a:ext uri="{FF2B5EF4-FFF2-40B4-BE49-F238E27FC236}">
+                <a16:creationId xmlns:a16="http://schemas.microsoft.com/office/drawing/2014/main" id="{A30362D6-A086-9065-C046-35862FCDAB63}"/>
+              </a:ext>
+            </a:extLst>
+          </p:cNvPr>
+          <p:cNvCxnSpPr>
+            <a:cxnSpLocks/>
+          </p:cNvCxnSpPr>
+          <p:nvPr/>
+        </p:nvCxnSpPr>
+        <p:spPr>
+          <a:xfrm>
+            <a:off x="696000" y="1310782"/>
+            <a:ext cx="10800000" cy="0"/>
+          </a:xfrm>
+          <a:prstGeom prst="line">
+            <a:avLst/>
+          </a:prstGeom>
+          <a:ln w="22225">
+            <a:solidFill>
+              <a:srgbClr val="FFC000"/>
+            </a:solidFill>
+          </a:ln>
+        </p:spPr>
+        <p:style>
+          <a:lnRef idx="2">
+            <a:schemeClr val="accent1"/>
+          </a:lnRef>
+          <a:fillRef idx="0">
+            <a:schemeClr val="accent1"/>
+          </a:fillRef>
+          <a:effectRef idx="1">
+            <a:schemeClr val="accent1"/>
+          </a:effectRef>
+          <a:fontRef idx="minor">
+            <a:schemeClr val="tx1"/>
+          </a:fontRef>
+        </p:style>
+      </p:cxnSp>
+      <p:sp>
+        <p:nvSpPr>
+          <p:cNvPr id="6" name="テキスト ボックス 5">
+            <a:extLst>
+              <a:ext uri="{FF2B5EF4-FFF2-40B4-BE49-F238E27FC236}">
+                <a16:creationId xmlns:a16="http://schemas.microsoft.com/office/drawing/2014/main" id="{E56FB6A5-E8E7-76D4-73AA-BE14D2E9EDCB}"/>
+              </a:ext>
+            </a:extLst>
+          </p:cNvPr>
+          <p:cNvSpPr txBox="1"/>
+          <p:nvPr/>
+        </p:nvSpPr>
+        <p:spPr>
+          <a:xfrm>
+            <a:off x="838200" y="1512604"/>
+            <a:ext cx="4076757" cy="584775"/>
+          </a:xfrm>
+          <a:prstGeom prst="rect">
+            <a:avLst/>
+          </a:prstGeom>
+          <a:noFill/>
+        </p:spPr>
+        <p:txBody>
+          <a:bodyPr wrap="none" rtlCol="0">
+            <a:spAutoFit/>
+          </a:bodyPr>
+          <a:lstStyle/>
+          <a:p>
+            <a:r>
+              <a:rPr lang="en-US" altLang="ja-JP" sz="3200"/>
+              <a:t>Try</a:t>
+            </a:r>
+            <a:r>
+              <a:rPr lang="ja-JP" altLang="en-US" sz="3200"/>
+              <a:t>（次回への改善）</a:t>
+            </a:r>
+            <a:endParaRPr kumimoji="1" lang="ja-JP" altLang="en-US" sz="3200"/>
           </a:p>
         </p:txBody>
       </p:sp>
@@ -12987,7 +14019,7 @@
           <p:cNvPr id="2" name="Title 1">
             <a:extLst>
               <a:ext uri="{FF2B5EF4-FFF2-40B4-BE49-F238E27FC236}">
-                <a16:creationId xmlns:a16="http://schemas.microsoft.com/office/drawing/2014/main" id="{08EA3D7D-8AFF-BB3B-1A0A-5D728B568211}"/>
+                <a16:creationId xmlns:a16="http://schemas.microsoft.com/office/drawing/2014/main" id="{18C2036E-34C5-7553-0E3F-95A49A8A2FA8}"/>
               </a:ext>
             </a:extLst>
           </p:cNvPr>
@@ -12995,45 +14027,32 @@
             <a:spLocks noGrp="1"/>
           </p:cNvSpPr>
           <p:nvPr>
-            <p:ph type="ctrTitle"/>
+            <p:ph type="title"/>
           </p:nvPr>
         </p:nvSpPr>
         <p:spPr/>
         <p:txBody>
           <a:bodyPr>
-            <a:normAutofit fontScale="90000"/>
+            <a:normAutofit/>
           </a:bodyPr>
           <a:lstStyle/>
           <a:p>
             <a:r>
-              <a:rPr lang="ja-JP" altLang="en-US">
+              <a:rPr lang="ja-JP" altLang="en-US" sz="4000">
                 <a:ea typeface="游ゴシック Light"/>
               </a:rPr>
-              <a:t>シンプル雑貨ECサイト開発</a:t>
-            </a:r>
-            <a:br>
-              <a:rPr lang="ja-JP" altLang="en-US">
-                <a:ea typeface="游ゴシック Light"/>
-              </a:rPr>
-            </a:br>
-            <a:r>
-              <a:rPr lang="ja-JP" altLang="en-US">
-                <a:ea typeface="游ゴシック Light"/>
-              </a:rPr>
-              <a:t>振り返り</a:t>
-            </a:r>
-            <a:endParaRPr lang="en-US">
-              <a:ea typeface="游ゴシック Light"/>
-            </a:endParaRPr>
+              <a:t>目次</a:t>
+            </a:r>
+            <a:endParaRPr kumimoji="1" lang="en-US" sz="4000"/>
           </a:p>
         </p:txBody>
       </p:sp>
       <p:sp>
         <p:nvSpPr>
-          <p:cNvPr id="3" name="Subtitle 2">
+          <p:cNvPr id="3" name="Content Placeholder 2">
             <a:extLst>
               <a:ext uri="{FF2B5EF4-FFF2-40B4-BE49-F238E27FC236}">
-                <a16:creationId xmlns:a16="http://schemas.microsoft.com/office/drawing/2014/main" id="{62FBDE7A-D8D7-572F-4B80-5D55E723C01B}"/>
+                <a16:creationId xmlns:a16="http://schemas.microsoft.com/office/drawing/2014/main" id="{8F2A7196-30C2-1D2D-502D-0138FF5C3D83}"/>
               </a:ext>
             </a:extLst>
           </p:cNvPr>
@@ -13041,47 +14060,154 @@
             <a:spLocks noGrp="1"/>
           </p:cNvSpPr>
           <p:nvPr>
-            <p:ph type="subTitle" idx="1"/>
+            <p:ph idx="1"/>
           </p:nvPr>
         </p:nvSpPr>
+        <p:spPr/>
+        <p:txBody>
+          <a:bodyPr vert="horz" lIns="91440" tIns="45720" rIns="91440" bIns="45720" rtlCol="0" anchor="t">
+            <a:normAutofit lnSpcReduction="10000"/>
+          </a:bodyPr>
+          <a:lstStyle/>
+          <a:p>
+            <a:pPr marL="0" indent="0">
+              <a:lnSpc>
+                <a:spcPct val="150000"/>
+              </a:lnSpc>
+              <a:buNone/>
+            </a:pPr>
+            <a:r>
+              <a:rPr lang="en-US">
+                <a:ea typeface="游ゴシック" panose="02110004020202020204"/>
+              </a:rPr>
+              <a:t>1.</a:t>
+            </a:r>
+            <a:r>
+              <a:rPr lang="ja-JP" altLang="en-US">
+                <a:ea typeface="游ゴシック" panose="02110004020202020204"/>
+              </a:rPr>
+              <a:t>プロジェクト概要</a:t>
+            </a:r>
+          </a:p>
+          <a:p>
+            <a:pPr marL="0" indent="0">
+              <a:lnSpc>
+                <a:spcPct val="150000"/>
+              </a:lnSpc>
+              <a:buNone/>
+            </a:pPr>
+            <a:r>
+              <a:rPr lang="ja-JP" altLang="en-US">
+                <a:ea typeface="游ゴシック" panose="02110004020202020204"/>
+              </a:rPr>
+              <a:t>2.開発したシステムの特徴</a:t>
+            </a:r>
+          </a:p>
+          <a:p>
+            <a:pPr marL="0" indent="0">
+              <a:lnSpc>
+                <a:spcPct val="150000"/>
+              </a:lnSpc>
+              <a:buNone/>
+            </a:pPr>
+            <a:r>
+              <a:rPr lang="ja-JP" altLang="en-US">
+                <a:ea typeface="游ゴシック" panose="02110004020202020204"/>
+              </a:rPr>
+              <a:t>3.テスト・品質確保の取り組み</a:t>
+            </a:r>
+          </a:p>
+          <a:p>
+            <a:pPr marL="0" indent="0">
+              <a:lnSpc>
+                <a:spcPct val="150000"/>
+              </a:lnSpc>
+              <a:buNone/>
+            </a:pPr>
+            <a:r>
+              <a:rPr lang="ja-JP" altLang="en-US">
+                <a:ea typeface="游ゴシック" panose="02110004020202020204"/>
+              </a:rPr>
+              <a:t>4.ふりかえり結果</a:t>
+            </a:r>
+          </a:p>
+          <a:p>
+            <a:pPr marL="0" indent="0">
+              <a:lnSpc>
+                <a:spcPct val="150000"/>
+              </a:lnSpc>
+              <a:buNone/>
+            </a:pPr>
+            <a:r>
+              <a:rPr lang="ja-JP" altLang="en-US">
+                <a:ea typeface="游ゴシック" panose="02110004020202020204"/>
+              </a:rPr>
+              <a:t>5.画面紹介デモ</a:t>
+            </a:r>
+          </a:p>
+          <a:p>
+            <a:pPr marL="0" indent="0">
+              <a:lnSpc>
+                <a:spcPct val="150000"/>
+              </a:lnSpc>
+              <a:buNone/>
+            </a:pPr>
+            <a:r>
+              <a:rPr lang="ja-JP" altLang="en-US">
+                <a:ea typeface="游ゴシック" panose="02110004020202020204"/>
+              </a:rPr>
+              <a:t>6.今後の展望・改善提案</a:t>
+            </a:r>
+          </a:p>
+        </p:txBody>
+      </p:sp>
+      <p:cxnSp>
+        <p:nvCxnSpPr>
+          <p:cNvPr id="4" name="直線コネクタ 3">
+            <a:extLst>
+              <a:ext uri="{FF2B5EF4-FFF2-40B4-BE49-F238E27FC236}">
+                <a16:creationId xmlns:a16="http://schemas.microsoft.com/office/drawing/2014/main" id="{B22889EF-8DEC-15C1-B606-C35CDC18DC84}"/>
+              </a:ext>
+            </a:extLst>
+          </p:cNvPr>
+          <p:cNvCxnSpPr>
+            <a:cxnSpLocks/>
+          </p:cNvCxnSpPr>
+          <p:nvPr/>
+        </p:nvCxnSpPr>
         <p:spPr>
           <a:xfrm>
-            <a:off x="1524000" y="4268788"/>
-            <a:ext cx="9144000" cy="1655762"/>
+            <a:off x="553800" y="1554480"/>
+            <a:ext cx="10800000" cy="0"/>
           </a:xfrm>
+          <a:prstGeom prst="line">
+            <a:avLst/>
+          </a:prstGeom>
+          <a:ln w="22225">
+            <a:solidFill>
+              <a:srgbClr val="FFC000"/>
+            </a:solidFill>
+          </a:ln>
         </p:spPr>
-        <p:txBody>
-          <a:bodyPr vert="horz" lIns="91440" tIns="45720" rIns="91440" bIns="45720" rtlCol="0" anchor="t">
-            <a:normAutofit/>
-          </a:bodyPr>
-          <a:lstStyle/>
-          <a:p>
-            <a:r>
-              <a:rPr lang="en-US">
-                <a:ea typeface="游ゴシック"/>
-              </a:rPr>
-              <a:t>G</a:t>
-            </a:r>
-            <a:r>
-              <a:rPr lang="ja-JP" altLang="en-US">
-                <a:ea typeface="游ゴシック"/>
-              </a:rPr>
-              <a:t>チーム</a:t>
-            </a:r>
-            <a:r>
-              <a:rPr lang="en-US">
-                <a:ea typeface="游ゴシック"/>
-              </a:rPr>
-              <a:t>：jobs</a:t>
-            </a:r>
-            <a:endParaRPr kumimoji="1" lang="en-US"/>
-          </a:p>
-        </p:txBody>
-      </p:sp>
+        <p:style>
+          <a:lnRef idx="2">
+            <a:schemeClr val="accent1"/>
+          </a:lnRef>
+          <a:fillRef idx="0">
+            <a:schemeClr val="accent1"/>
+          </a:fillRef>
+          <a:effectRef idx="1">
+            <a:schemeClr val="accent1"/>
+          </a:effectRef>
+          <a:fontRef idx="minor">
+            <a:schemeClr val="tx1"/>
+          </a:fontRef>
+        </p:style>
+      </p:cxnSp>
     </p:spTree>
     <p:extLst>
       <p:ext uri="{BB962C8B-B14F-4D97-AF65-F5344CB8AC3E}">
-        <p14:creationId xmlns:p14="http://schemas.microsoft.com/office/powerpoint/2010/main" val="2847818779"/>
+        <p14:creationId xmlns:p14="http://schemas.microsoft.com/office/powerpoint/2010/main" val="524614988"/>
       </p:ext>
     </p:extLst>
   </p:cSld>
@@ -13122,8 +14248,8 @@
         </p:nvSpPr>
         <p:spPr>
           <a:xfrm>
-            <a:off x="775091" y="2010774"/>
-            <a:ext cx="9698166" cy="3046988"/>
+            <a:off x="735545" y="2084346"/>
+            <a:ext cx="10720909" cy="3108543"/>
           </a:xfrm>
           <a:prstGeom prst="rect">
             <a:avLst/>
@@ -13144,7 +14270,7 @@
               <a:buChar char="ü"/>
             </a:pPr>
             <a:r>
-              <a:rPr lang="ja-JP" altLang="en-US" sz="2400">
+              <a:rPr lang="ja-JP" altLang="en-US" sz="2800" b="1">
                 <a:solidFill>
                   <a:srgbClr val="333333"/>
                 </a:solidFill>
@@ -13152,9 +14278,23 @@
                 <a:ea typeface="游ゴシック"/>
                 <a:cs typeface="Open Sans"/>
               </a:rPr>
-              <a:t>特に印象に残った成功体験や困難だった点</a:t>
-            </a:r>
-            <a:endParaRPr lang="en-US" sz="2400">
+              <a:t>特に印象に残った困難だった点</a:t>
+            </a:r>
+            <a:endParaRPr lang="en-US" altLang="ja-JP" sz="2800" b="1">
+              <a:solidFill>
+                <a:srgbClr val="333333"/>
+              </a:solidFill>
+              <a:latin typeface="Open Sans"/>
+              <a:ea typeface="游ゴシック"/>
+              <a:cs typeface="Open Sans"/>
+            </a:endParaRPr>
+          </a:p>
+          <a:p>
+            <a:pPr marL="342900" indent="-342900">
+              <a:buFont typeface="Wingdings"/>
+              <a:buChar char="ü"/>
+            </a:pPr>
+            <a:endParaRPr lang="en-US" sz="1000" b="1">
               <a:ea typeface="游ゴシック"/>
             </a:endParaRPr>
           </a:p>
@@ -13213,7 +14353,7 @@
               <a:buChar char="ü"/>
             </a:pPr>
             <a:r>
-              <a:rPr lang="ja-JP" sz="2400">
+              <a:rPr lang="ja-JP" sz="2800" b="1">
                 <a:solidFill>
                   <a:srgbClr val="333333"/>
                 </a:solidFill>
@@ -13223,7 +14363,7 @@
               </a:rPr>
               <a:t>チームビルディングやプロジェクト管理で工夫した点</a:t>
             </a:r>
-            <a:endParaRPr lang="ja-JP" altLang="en-US" sz="2400">
+            <a:endParaRPr lang="en-US" altLang="ja-JP" sz="2800" b="1">
               <a:solidFill>
                 <a:srgbClr val="333333"/>
               </a:solidFill>
@@ -13233,6 +14373,20 @@
             </a:endParaRPr>
           </a:p>
           <a:p>
+            <a:pPr marL="342900" indent="-342900">
+              <a:buFont typeface="Wingdings"/>
+              <a:buChar char="ü"/>
+            </a:pPr>
+            <a:endParaRPr lang="ja-JP" altLang="en-US" sz="1000" b="1">
+              <a:solidFill>
+                <a:srgbClr val="333333"/>
+              </a:solidFill>
+              <a:latin typeface="Open Sans"/>
+              <a:ea typeface="游ゴシック"/>
+              <a:cs typeface="Open Sans"/>
+            </a:endParaRPr>
+          </a:p>
+          <a:p>
             <a:r>
               <a:rPr lang="ja-JP" altLang="en-US" sz="2400">
                 <a:solidFill>
@@ -13249,58 +14403,80 @@
       </p:sp>
       <p:sp>
         <p:nvSpPr>
-          <p:cNvPr id="5" name="タイトル 1">
+          <p:cNvPr id="2" name="タイトル 1">
             <a:extLst>
               <a:ext uri="{FF2B5EF4-FFF2-40B4-BE49-F238E27FC236}">
-                <a16:creationId xmlns:a16="http://schemas.microsoft.com/office/drawing/2014/main" id="{A30ACC2B-DFE9-BE80-9CB8-C321754CDB78}"/>
+                <a16:creationId xmlns:a16="http://schemas.microsoft.com/office/drawing/2014/main" id="{83A646F2-1EE3-2EF4-80AC-A92B2910C375}"/>
               </a:ext>
             </a:extLst>
           </p:cNvPr>
-          <p:cNvSpPr txBox="1">
-            <a:spLocks/>
+          <p:cNvSpPr>
+            <a:spLocks noGrp="1"/>
           </p:cNvSpPr>
-          <p:nvPr/>
+          <p:nvPr>
+            <p:ph type="title"/>
+          </p:nvPr>
         </p:nvSpPr>
         <p:spPr>
           <a:xfrm>
-            <a:off x="300893" y="374894"/>
+            <a:off x="838200" y="213314"/>
             <a:ext cx="4605216" cy="1335332"/>
           </a:xfrm>
-          <a:prstGeom prst="rect">
+        </p:spPr>
+        <p:txBody>
+          <a:bodyPr/>
+          <a:lstStyle/>
+          <a:p>
+            <a:r>
+              <a:rPr kumimoji="1" lang="ja-JP" altLang="en-US"/>
+              <a:t>ふりかえり結果</a:t>
+            </a:r>
+          </a:p>
+        </p:txBody>
+      </p:sp>
+      <p:cxnSp>
+        <p:nvCxnSpPr>
+          <p:cNvPr id="4" name="直線コネクタ 3">
+            <a:extLst>
+              <a:ext uri="{FF2B5EF4-FFF2-40B4-BE49-F238E27FC236}">
+                <a16:creationId xmlns:a16="http://schemas.microsoft.com/office/drawing/2014/main" id="{713F565C-F13D-FFC2-4665-737CB4F509FF}"/>
+              </a:ext>
+            </a:extLst>
+          </p:cNvPr>
+          <p:cNvCxnSpPr>
+            <a:cxnSpLocks/>
+          </p:cNvCxnSpPr>
+          <p:nvPr/>
+        </p:nvCxnSpPr>
+        <p:spPr>
+          <a:xfrm>
+            <a:off x="696000" y="1310782"/>
+            <a:ext cx="10800000" cy="0"/>
+          </a:xfrm>
+          <a:prstGeom prst="line">
             <a:avLst/>
           </a:prstGeom>
+          <a:ln w="22225">
+            <a:solidFill>
+              <a:srgbClr val="FFC000"/>
+            </a:solidFill>
+          </a:ln>
         </p:spPr>
-        <p:txBody>
-          <a:bodyPr vert="horz" lIns="91440" tIns="45720" rIns="91440" bIns="45720" rtlCol="0" anchor="ctr">
-            <a:normAutofit/>
-          </a:bodyPr>
-          <a:lstStyle>
-            <a:lvl1pPr algn="l" defTabSz="914400" rtl="0" eaLnBrk="1" latinLnBrk="0" hangingPunct="1">
-              <a:lnSpc>
-                <a:spcPct val="90000"/>
-              </a:lnSpc>
-              <a:spcBef>
-                <a:spcPct val="0"/>
-              </a:spcBef>
-              <a:buNone/>
-              <a:defRPr kumimoji="1" sz="4400" kern="1200">
-                <a:solidFill>
-                  <a:schemeClr val="tx1"/>
-                </a:solidFill>
-                <a:latin typeface="+mj-lt"/>
-                <a:ea typeface="+mj-ea"/>
-                <a:cs typeface="+mj-cs"/>
-              </a:defRPr>
-            </a:lvl1pPr>
-          </a:lstStyle>
-          <a:p>
-            <a:r>
-              <a:rPr lang="ja-JP" altLang="en-US"/>
-              <a:t>ふりかえり結果</a:t>
-            </a:r>
-          </a:p>
-        </p:txBody>
-      </p:sp>
+        <p:style>
+          <a:lnRef idx="2">
+            <a:schemeClr val="accent1"/>
+          </a:lnRef>
+          <a:fillRef idx="0">
+            <a:schemeClr val="accent1"/>
+          </a:fillRef>
+          <a:effectRef idx="1">
+            <a:schemeClr val="accent1"/>
+          </a:effectRef>
+          <a:fontRef idx="minor">
+            <a:schemeClr val="tx1"/>
+          </a:fontRef>
+        </p:style>
+      </p:cxnSp>
     </p:spTree>
     <p:extLst>
       <p:ext uri="{BB962C8B-B14F-4D97-AF65-F5344CB8AC3E}">
@@ -13336,7 +14512,7 @@
           <p:cNvPr id="2" name="タイトル 1">
             <a:extLst>
               <a:ext uri="{FF2B5EF4-FFF2-40B4-BE49-F238E27FC236}">
-                <a16:creationId xmlns:a16="http://schemas.microsoft.com/office/drawing/2014/main" id="{D3E29937-9247-0931-AB8B-35A4D59E42C1}"/>
+                <a16:creationId xmlns:a16="http://schemas.microsoft.com/office/drawing/2014/main" id="{C76FC6A2-A32D-A310-D2F9-82C86109A98F}"/>
               </a:ext>
             </a:extLst>
           </p:cNvPr>
@@ -13349,31 +14525,206 @@
         </p:nvSpPr>
         <p:spPr>
           <a:xfrm>
-            <a:off x="909917" y="2552513"/>
+            <a:off x="838200" y="170174"/>
             <a:ext cx="10515600" cy="1325563"/>
+          </a:xfrm>
+        </p:spPr>
+        <p:txBody>
+          <a:bodyPr>
+            <a:normAutofit/>
+          </a:bodyPr>
+          <a:lstStyle/>
+          <a:p>
+            <a:r>
+              <a:rPr lang="ja-JP" altLang="en-US" sz="4000"/>
+              <a:t>今後の展望</a:t>
+            </a:r>
+            <a:endParaRPr kumimoji="1" lang="ja-JP" altLang="en-US" sz="4000"/>
+          </a:p>
+        </p:txBody>
+      </p:sp>
+      <p:sp>
+        <p:nvSpPr>
+          <p:cNvPr id="3" name="コンテンツ プレースホルダー 2">
+            <a:extLst>
+              <a:ext uri="{FF2B5EF4-FFF2-40B4-BE49-F238E27FC236}">
+                <a16:creationId xmlns:a16="http://schemas.microsoft.com/office/drawing/2014/main" id="{27D72426-1B88-D796-FD26-DE8CB3061AD0}"/>
+              </a:ext>
+            </a:extLst>
+          </p:cNvPr>
+          <p:cNvSpPr>
+            <a:spLocks noGrp="1"/>
+          </p:cNvSpPr>
+          <p:nvPr>
+            <p:ph idx="1"/>
+          </p:nvPr>
+        </p:nvSpPr>
+        <p:spPr>
+          <a:xfrm>
+            <a:off x="838200" y="2282375"/>
+            <a:ext cx="10515600" cy="4351338"/>
           </a:xfrm>
         </p:spPr>
         <p:txBody>
           <a:bodyPr/>
           <a:lstStyle/>
           <a:p>
-            <a:pPr algn="ctr"/>
-            <a:r>
-              <a:rPr lang="ja-JP" altLang="en-US">
-                <a:ea typeface="游ゴシック Light"/>
-              </a:rPr>
-              <a:t>デモや成果物の画面紹介</a:t>
-            </a:r>
-            <a:endParaRPr kumimoji="1" lang="ja-JP" altLang="en-US">
-              <a:ea typeface="游ゴシック Light"/>
-            </a:endParaRPr>
+            <a:r>
+              <a:rPr lang="ja-JP" altLang="en-US" sz="2400"/>
+              <a:t>管理者機能</a:t>
+            </a:r>
+            <a:endParaRPr lang="en-US" altLang="ja-JP" sz="2400"/>
+          </a:p>
+          <a:p>
+            <a:pPr marL="0" indent="0">
+              <a:buNone/>
+            </a:pPr>
+            <a:r>
+              <a:rPr lang="ja-JP" altLang="en-US" sz="2400"/>
+              <a:t>　</a:t>
+            </a:r>
+            <a:r>
+              <a:rPr lang="en-US" altLang="ja-JP" sz="2400"/>
+              <a:t>---</a:t>
+            </a:r>
+            <a:r>
+              <a:rPr lang="ja-JP" altLang="en-US" sz="2400"/>
+              <a:t>管理者ログイン、商品新規登録・編集機能、注文管理機能</a:t>
+            </a:r>
+            <a:endParaRPr lang="en-US" altLang="ja-JP" sz="2400"/>
+          </a:p>
+          <a:p>
+            <a:pPr marL="0" indent="0">
+              <a:buNone/>
+            </a:pPr>
+            <a:endParaRPr lang="en-US" altLang="ja-JP" sz="1050"/>
+          </a:p>
+          <a:p>
+            <a:r>
+              <a:rPr lang="ja-JP" altLang="en-US" sz="2400"/>
+              <a:t>会員登録機能</a:t>
+            </a:r>
+            <a:br>
+              <a:rPr lang="ja-JP" altLang="en-US"/>
+            </a:br>
+            <a:r>
+              <a:rPr lang="en-US" altLang="ja-JP"/>
+              <a:t>---</a:t>
+            </a:r>
+            <a:r>
+              <a:rPr lang="ja-JP" altLang="en-US" sz="2400"/>
+              <a:t>会員登録、ログイン、お気に入り機能、注文完了メール送信機能</a:t>
+            </a:r>
+            <a:endParaRPr lang="en-US" altLang="ja-JP" sz="2400"/>
+          </a:p>
+          <a:p>
+            <a:endParaRPr lang="ja-JP" altLang="en-US" sz="1050"/>
+          </a:p>
+          <a:p>
+            <a:r>
+              <a:rPr kumimoji="1" lang="ja-JP" altLang="en-US" sz="2400"/>
+              <a:t>トップページ</a:t>
+            </a:r>
+            <a:endParaRPr kumimoji="1" lang="en-US" altLang="ja-JP" sz="2400"/>
+          </a:p>
+          <a:p>
+            <a:endParaRPr kumimoji="1" lang="en-US" altLang="ja-JP" sz="1050"/>
+          </a:p>
+          <a:p>
+            <a:r>
+              <a:rPr lang="ja-JP" altLang="en-US" sz="2400"/>
+              <a:t>送料計算機能</a:t>
+            </a:r>
+            <a:endParaRPr lang="en-US" altLang="ja-JP" sz="2400"/>
+          </a:p>
+          <a:p>
+            <a:endParaRPr kumimoji="1" lang="ja-JP" altLang="en-US"/>
           </a:p>
         </p:txBody>
       </p:sp>
+      <p:sp>
+        <p:nvSpPr>
+          <p:cNvPr id="4" name="テキスト ボックス 3">
+            <a:extLst>
+              <a:ext uri="{FF2B5EF4-FFF2-40B4-BE49-F238E27FC236}">
+                <a16:creationId xmlns:a16="http://schemas.microsoft.com/office/drawing/2014/main" id="{5744FF88-0C16-FC80-3551-6A4836A06AE9}"/>
+              </a:ext>
+            </a:extLst>
+          </p:cNvPr>
+          <p:cNvSpPr txBox="1"/>
+          <p:nvPr/>
+        </p:nvSpPr>
+        <p:spPr>
+          <a:xfrm>
+            <a:off x="838200" y="1400846"/>
+            <a:ext cx="7160935" cy="584775"/>
+          </a:xfrm>
+          <a:prstGeom prst="rect">
+            <a:avLst/>
+          </a:prstGeom>
+          <a:noFill/>
+        </p:spPr>
+        <p:txBody>
+          <a:bodyPr wrap="none" rtlCol="0">
+            <a:spAutoFit/>
+          </a:bodyPr>
+          <a:lstStyle/>
+          <a:p>
+            <a:r>
+              <a:rPr lang="ja-JP" altLang="en-US" sz="3200"/>
+              <a:t>もし追加開発するなら実装したい機能</a:t>
+            </a:r>
+            <a:endParaRPr kumimoji="1" lang="ja-JP" altLang="en-US" sz="3200"/>
+          </a:p>
+        </p:txBody>
+      </p:sp>
+      <p:cxnSp>
+        <p:nvCxnSpPr>
+          <p:cNvPr id="5" name="直線コネクタ 4">
+            <a:extLst>
+              <a:ext uri="{FF2B5EF4-FFF2-40B4-BE49-F238E27FC236}">
+                <a16:creationId xmlns:a16="http://schemas.microsoft.com/office/drawing/2014/main" id="{45612645-DE91-09E0-A418-32FDE34A5BB3}"/>
+              </a:ext>
+            </a:extLst>
+          </p:cNvPr>
+          <p:cNvCxnSpPr>
+            <a:cxnSpLocks/>
+          </p:cNvCxnSpPr>
+          <p:nvPr/>
+        </p:nvCxnSpPr>
+        <p:spPr>
+          <a:xfrm>
+            <a:off x="696000" y="1279251"/>
+            <a:ext cx="10800000" cy="0"/>
+          </a:xfrm>
+          <a:prstGeom prst="line">
+            <a:avLst/>
+          </a:prstGeom>
+          <a:ln w="22225">
+            <a:solidFill>
+              <a:srgbClr val="FFC000"/>
+            </a:solidFill>
+          </a:ln>
+        </p:spPr>
+        <p:style>
+          <a:lnRef idx="2">
+            <a:schemeClr val="accent1"/>
+          </a:lnRef>
+          <a:fillRef idx="0">
+            <a:schemeClr val="accent1"/>
+          </a:fillRef>
+          <a:effectRef idx="1">
+            <a:schemeClr val="accent1"/>
+          </a:effectRef>
+          <a:fontRef idx="minor">
+            <a:schemeClr val="tx1"/>
+          </a:fontRef>
+        </p:style>
+      </p:cxnSp>
     </p:spTree>
     <p:extLst>
       <p:ext uri="{BB962C8B-B14F-4D97-AF65-F5344CB8AC3E}">
-        <p14:creationId xmlns:p14="http://schemas.microsoft.com/office/powerpoint/2010/main" val="3190131597"/>
+        <p14:creationId xmlns:p14="http://schemas.microsoft.com/office/powerpoint/2010/main" val="164670041"/>
       </p:ext>
     </p:extLst>
   </p:cSld>
@@ -13388,127 +14739,13 @@
   <p:cSld>
     <p:spTree>
       <p:nvGrpSpPr>
-        <p:cNvPr id="1" name=""/>
-        <p:cNvGrpSpPr/>
-        <p:nvPr/>
-      </p:nvGrpSpPr>
-      <p:grpSpPr>
-        <a:xfrm>
-          <a:off x="0" y="0"/>
-          <a:ext cx="0" cy="0"/>
-          <a:chOff x="0" y="0"/>
-          <a:chExt cx="0" cy="0"/>
-        </a:xfrm>
-      </p:grpSpPr>
-      <p:pic>
-        <p:nvPicPr>
-          <p:cNvPr id="3" name="Picture 2">
-            <a:extLst>
-              <a:ext uri="{FF2B5EF4-FFF2-40B4-BE49-F238E27FC236}">
-                <a16:creationId xmlns:a16="http://schemas.microsoft.com/office/drawing/2014/main" id="{EDAAB047-2B8D-92E7-2741-B6AAD5785672}"/>
-              </a:ext>
-            </a:extLst>
-          </p:cNvPr>
-          <p:cNvPicPr>
-            <a:picLocks noChangeAspect="1"/>
-          </p:cNvPicPr>
-          <p:nvPr/>
-        </p:nvPicPr>
-        <p:blipFill>
-          <a:blip r:embed="rId2"/>
-          <a:stretch>
-            <a:fillRect/>
-          </a:stretch>
-        </p:blipFill>
-        <p:spPr>
-          <a:xfrm>
-            <a:off x="399331" y="0"/>
-            <a:ext cx="11393338" cy="6858000"/>
-          </a:xfrm>
-          <a:prstGeom prst="rect">
-            <a:avLst/>
-          </a:prstGeom>
-        </p:spPr>
-      </p:pic>
-    </p:spTree>
-    <p:extLst>
-      <p:ext uri="{BB962C8B-B14F-4D97-AF65-F5344CB8AC3E}">
-        <p14:creationId xmlns:p14="http://schemas.microsoft.com/office/powerpoint/2010/main" val="784442952"/>
-      </p:ext>
-    </p:extLst>
-  </p:cSld>
-  <p:clrMapOvr>
-    <a:masterClrMapping/>
-  </p:clrMapOvr>
-</p:sld>
-</file>
-
-<file path=ppt/slides/slide23.xml><?xml version="1.0" encoding="utf-8"?>
-<p:sld xmlns:a="http://schemas.openxmlformats.org/drawingml/2006/main" xmlns:r="http://schemas.openxmlformats.org/officeDocument/2006/relationships" xmlns:p="http://schemas.openxmlformats.org/presentationml/2006/main">
-  <p:cSld>
-    <p:spTree>
-      <p:nvGrpSpPr>
-        <p:cNvPr id="1" name=""/>
-        <p:cNvGrpSpPr/>
-        <p:nvPr/>
-      </p:nvGrpSpPr>
-      <p:grpSpPr>
-        <a:xfrm>
-          <a:off x="0" y="0"/>
-          <a:ext cx="0" cy="0"/>
-          <a:chOff x="0" y="0"/>
-          <a:chExt cx="0" cy="0"/>
-        </a:xfrm>
-      </p:grpSpPr>
-      <p:pic>
-        <p:nvPicPr>
-          <p:cNvPr id="3" name="Picture 2">
-            <a:extLst>
-              <a:ext uri="{FF2B5EF4-FFF2-40B4-BE49-F238E27FC236}">
-                <a16:creationId xmlns:a16="http://schemas.microsoft.com/office/drawing/2014/main" id="{3EE7837A-796C-CE0B-09F6-5C5AFB58BF2A}"/>
-              </a:ext>
-            </a:extLst>
-          </p:cNvPr>
-          <p:cNvPicPr>
-            <a:picLocks noChangeAspect="1"/>
-          </p:cNvPicPr>
-          <p:nvPr/>
-        </p:nvPicPr>
-        <p:blipFill>
-          <a:blip r:embed="rId2"/>
-          <a:stretch>
-            <a:fillRect/>
-          </a:stretch>
-        </p:blipFill>
-        <p:spPr>
-          <a:xfrm>
-            <a:off x="323085" y="0"/>
-            <a:ext cx="11545830" cy="6858000"/>
-          </a:xfrm>
-          <a:prstGeom prst="rect">
-            <a:avLst/>
-          </a:prstGeom>
-        </p:spPr>
-      </p:pic>
-    </p:spTree>
-    <p:extLst>
-      <p:ext uri="{BB962C8B-B14F-4D97-AF65-F5344CB8AC3E}">
-        <p14:creationId xmlns:p14="http://schemas.microsoft.com/office/powerpoint/2010/main" val="797552397"/>
-      </p:ext>
-    </p:extLst>
-  </p:cSld>
-  <p:clrMapOvr>
-    <a:masterClrMapping/>
-  </p:clrMapOvr>
-</p:sld>
-</file>
-
-<file path=ppt/slides/slide3.xml><?xml version="1.0" encoding="utf-8"?>
-<p:sld xmlns:a="http://schemas.openxmlformats.org/drawingml/2006/main" xmlns:r="http://schemas.openxmlformats.org/officeDocument/2006/relationships" xmlns:p="http://schemas.openxmlformats.org/presentationml/2006/main">
-  <p:cSld>
-    <p:spTree>
-      <p:nvGrpSpPr>
-        <p:cNvPr id="1" name=""/>
+        <p:cNvPr id="1" name="">
+          <a:extLst>
+            <a:ext uri="{FF2B5EF4-FFF2-40B4-BE49-F238E27FC236}">
+              <a16:creationId xmlns:a16="http://schemas.microsoft.com/office/drawing/2014/main" id="{C9736AF7-00DE-FA21-276E-D2EB9292FFD3}"/>
+            </a:ext>
+          </a:extLst>
+        </p:cNvPr>
         <p:cNvGrpSpPr/>
         <p:nvPr/>
       </p:nvGrpSpPr>
@@ -13522,10 +14759,10 @@
       </p:grpSpPr>
       <p:sp>
         <p:nvSpPr>
-          <p:cNvPr id="2" name="Title 1">
+          <p:cNvPr id="2" name="タイトル 1">
             <a:extLst>
               <a:ext uri="{FF2B5EF4-FFF2-40B4-BE49-F238E27FC236}">
-                <a16:creationId xmlns:a16="http://schemas.microsoft.com/office/drawing/2014/main" id="{18C2036E-34C5-7553-0E3F-95A49A8A2FA8}"/>
+                <a16:creationId xmlns:a16="http://schemas.microsoft.com/office/drawing/2014/main" id="{16EEB3D6-CA81-E4A7-409A-7DEFBFDAF78E}"/>
               </a:ext>
             </a:extLst>
           </p:cNvPr>
@@ -13536,27 +14773,32 @@
             <p:ph type="title"/>
           </p:nvPr>
         </p:nvSpPr>
-        <p:spPr/>
+        <p:spPr>
+          <a:xfrm>
+            <a:off x="838200" y="170174"/>
+            <a:ext cx="10515600" cy="1325563"/>
+          </a:xfrm>
+        </p:spPr>
         <p:txBody>
-          <a:bodyPr/>
+          <a:bodyPr>
+            <a:normAutofit/>
+          </a:bodyPr>
           <a:lstStyle/>
           <a:p>
             <a:r>
-              <a:rPr lang="ja-JP" altLang="en-US">
-                <a:ea typeface="游ゴシック Light"/>
-              </a:rPr>
-              <a:t>目次</a:t>
-            </a:r>
-            <a:endParaRPr kumimoji="1" lang="en-US"/>
+              <a:rPr lang="ja-JP" altLang="en-US" sz="4000"/>
+              <a:t>改善提案</a:t>
+            </a:r>
+            <a:endParaRPr kumimoji="1" lang="ja-JP" altLang="en-US" sz="4000"/>
           </a:p>
         </p:txBody>
       </p:sp>
       <p:sp>
         <p:nvSpPr>
-          <p:cNvPr id="3" name="Content Placeholder 2">
+          <p:cNvPr id="3" name="コンテンツ プレースホルダー 2">
             <a:extLst>
               <a:ext uri="{FF2B5EF4-FFF2-40B4-BE49-F238E27FC236}">
-                <a16:creationId xmlns:a16="http://schemas.microsoft.com/office/drawing/2014/main" id="{8F2A7196-30C2-1D2D-502D-0138FF5C3D83}"/>
+                <a16:creationId xmlns:a16="http://schemas.microsoft.com/office/drawing/2014/main" id="{D6398483-E3F8-673A-4C64-4A073176B4AE}"/>
               </a:ext>
             </a:extLst>
           </p:cNvPr>
@@ -13567,90 +14809,401 @@
             <p:ph idx="1"/>
           </p:nvPr>
         </p:nvSpPr>
-        <p:spPr/>
+        <p:spPr>
+          <a:xfrm>
+            <a:off x="838200" y="2282375"/>
+            <a:ext cx="10515600" cy="1495995"/>
+          </a:xfrm>
+        </p:spPr>
         <p:txBody>
-          <a:bodyPr vert="horz" lIns="91440" tIns="45720" rIns="91440" bIns="45720" rtlCol="0" anchor="t">
+          <a:bodyPr>
             <a:normAutofit/>
           </a:bodyPr>
           <a:lstStyle/>
           <a:p>
-            <a:pPr marL="0" indent="0">
-              <a:buNone/>
-            </a:pPr>
-            <a:r>
-              <a:rPr lang="en-US">
-                <a:ea typeface="游ゴシック" panose="02110004020202020204"/>
-              </a:rPr>
-              <a:t>1.</a:t>
-            </a:r>
-            <a:r>
-              <a:rPr lang="ja-JP" altLang="en-US">
-                <a:ea typeface="游ゴシック" panose="02110004020202020204"/>
-              </a:rPr>
-              <a:t>プロジェクト概要</a:t>
-            </a:r>
-          </a:p>
-          <a:p>
-            <a:pPr marL="0" indent="0">
-              <a:buNone/>
-            </a:pPr>
-            <a:r>
-              <a:rPr lang="ja-JP" altLang="en-US">
-                <a:ea typeface="游ゴシック" panose="02110004020202020204"/>
-              </a:rPr>
-              <a:t>2.開発したシステムの特徴</a:t>
-            </a:r>
-          </a:p>
-          <a:p>
-            <a:pPr marL="0" indent="0">
-              <a:buNone/>
-            </a:pPr>
-            <a:r>
-              <a:rPr lang="ja-JP" altLang="en-US">
-                <a:ea typeface="游ゴシック" panose="02110004020202020204"/>
-              </a:rPr>
-              <a:t>3.テスト・品質確保の取り組み</a:t>
-            </a:r>
-          </a:p>
-          <a:p>
-            <a:pPr marL="0" indent="0">
-              <a:buNone/>
-            </a:pPr>
-            <a:r>
-              <a:rPr lang="ja-JP" altLang="en-US">
-                <a:ea typeface="游ゴシック" panose="02110004020202020204"/>
-              </a:rPr>
-              <a:t>4.ふりかえり結果</a:t>
-            </a:r>
-          </a:p>
-          <a:p>
-            <a:pPr marL="0" indent="0">
-              <a:buNone/>
-            </a:pPr>
-            <a:r>
-              <a:rPr lang="ja-JP" altLang="en-US">
-                <a:ea typeface="游ゴシック" panose="02110004020202020204"/>
-              </a:rPr>
-              <a:t>5.画面紹介デモ</a:t>
-            </a:r>
-          </a:p>
-          <a:p>
-            <a:pPr marL="0" indent="0">
-              <a:buNone/>
-            </a:pPr>
-            <a:r>
-              <a:rPr lang="ja-JP" altLang="en-US">
-                <a:ea typeface="游ゴシック" panose="02110004020202020204"/>
-              </a:rPr>
-              <a:t>6.今後の展望・改善提案</a:t>
-            </a:r>
+            <a:r>
+              <a:rPr lang="ja-JP" altLang="en-US" sz="2400"/>
+              <a:t>コンフリクトが発生</a:t>
+            </a:r>
+            <a:endParaRPr lang="en-US" altLang="ja-JP" sz="2400"/>
+          </a:p>
+          <a:p>
+            <a:r>
+              <a:rPr lang="ja-JP" altLang="en-US" sz="2400"/>
+              <a:t>リーダー不在によるタイムロス</a:t>
+            </a:r>
+            <a:endParaRPr lang="en-US" altLang="ja-JP" sz="2400"/>
+          </a:p>
+          <a:p>
+            <a:r>
+              <a:rPr lang="ja-JP" altLang="en-US" sz="2400"/>
+              <a:t>設計段階で実装に関する理解不足、非実用的な設計書に</a:t>
+            </a:r>
+          </a:p>
+          <a:p>
+            <a:endParaRPr kumimoji="1" lang="ja-JP" altLang="en-US"/>
           </a:p>
         </p:txBody>
       </p:sp>
+      <p:sp>
+        <p:nvSpPr>
+          <p:cNvPr id="4" name="テキスト ボックス 3">
+            <a:extLst>
+              <a:ext uri="{FF2B5EF4-FFF2-40B4-BE49-F238E27FC236}">
+                <a16:creationId xmlns:a16="http://schemas.microsoft.com/office/drawing/2014/main" id="{BFA65D05-67B3-C038-F423-DF1775AAB357}"/>
+              </a:ext>
+            </a:extLst>
+          </p:cNvPr>
+          <p:cNvSpPr txBox="1"/>
+          <p:nvPr/>
+        </p:nvSpPr>
+        <p:spPr>
+          <a:xfrm>
+            <a:off x="838200" y="1400846"/>
+            <a:ext cx="7981672" cy="584775"/>
+          </a:xfrm>
+          <a:prstGeom prst="rect">
+            <a:avLst/>
+          </a:prstGeom>
+          <a:noFill/>
+        </p:spPr>
+        <p:txBody>
+          <a:bodyPr wrap="none" rtlCol="0">
+            <a:spAutoFit/>
+          </a:bodyPr>
+          <a:lstStyle/>
+          <a:p>
+            <a:r>
+              <a:rPr kumimoji="1" lang="ja-JP" altLang="en-US" sz="3200"/>
+              <a:t>今回発見した課題に対する具体的な改善策</a:t>
+            </a:r>
+          </a:p>
+        </p:txBody>
+      </p:sp>
+      <p:sp>
+        <p:nvSpPr>
+          <p:cNvPr id="5" name="コンテンツ プレースホルダー 2">
+            <a:extLst>
+              <a:ext uri="{FF2B5EF4-FFF2-40B4-BE49-F238E27FC236}">
+                <a16:creationId xmlns:a16="http://schemas.microsoft.com/office/drawing/2014/main" id="{81DD9B65-5F49-C4CA-DDFD-A37634DC859D}"/>
+              </a:ext>
+            </a:extLst>
+          </p:cNvPr>
+          <p:cNvSpPr txBox="1">
+            <a:spLocks/>
+          </p:cNvSpPr>
+          <p:nvPr/>
+        </p:nvSpPr>
+        <p:spPr>
+          <a:xfrm>
+            <a:off x="838200" y="4565008"/>
+            <a:ext cx="10515600" cy="1982441"/>
+          </a:xfrm>
+          <a:prstGeom prst="rect">
+            <a:avLst/>
+          </a:prstGeom>
+        </p:spPr>
+        <p:txBody>
+          <a:bodyPr vert="horz" lIns="91440" tIns="45720" rIns="91440" bIns="45720" rtlCol="0">
+            <a:normAutofit/>
+          </a:bodyPr>
+          <a:lstStyle>
+            <a:lvl1pPr marL="228600" indent="-228600" algn="l" defTabSz="914400" rtl="0" eaLnBrk="1" latinLnBrk="0" hangingPunct="1">
+              <a:lnSpc>
+                <a:spcPct val="90000"/>
+              </a:lnSpc>
+              <a:spcBef>
+                <a:spcPts val="1000"/>
+              </a:spcBef>
+              <a:buFont typeface="Arial" panose="020B0604020202020204" pitchFamily="34" charset="0"/>
+              <a:buChar char="•"/>
+              <a:defRPr kumimoji="1" sz="2800" kern="1200">
+                <a:solidFill>
+                  <a:schemeClr val="tx1"/>
+                </a:solidFill>
+                <a:latin typeface="+mn-lt"/>
+                <a:ea typeface="+mn-ea"/>
+                <a:cs typeface="+mn-cs"/>
+              </a:defRPr>
+            </a:lvl1pPr>
+            <a:lvl2pPr marL="685800" indent="-228600" algn="l" defTabSz="914400" rtl="0" eaLnBrk="1" latinLnBrk="0" hangingPunct="1">
+              <a:lnSpc>
+                <a:spcPct val="90000"/>
+              </a:lnSpc>
+              <a:spcBef>
+                <a:spcPts val="500"/>
+              </a:spcBef>
+              <a:buFont typeface="Arial" panose="020B0604020202020204" pitchFamily="34" charset="0"/>
+              <a:buChar char="•"/>
+              <a:defRPr kumimoji="1" sz="2400" kern="1200">
+                <a:solidFill>
+                  <a:schemeClr val="tx1"/>
+                </a:solidFill>
+                <a:latin typeface="+mn-lt"/>
+                <a:ea typeface="+mn-ea"/>
+                <a:cs typeface="+mn-cs"/>
+              </a:defRPr>
+            </a:lvl2pPr>
+            <a:lvl3pPr marL="1143000" indent="-228600" algn="l" defTabSz="914400" rtl="0" eaLnBrk="1" latinLnBrk="0" hangingPunct="1">
+              <a:lnSpc>
+                <a:spcPct val="90000"/>
+              </a:lnSpc>
+              <a:spcBef>
+                <a:spcPts val="500"/>
+              </a:spcBef>
+              <a:buFont typeface="Arial" panose="020B0604020202020204" pitchFamily="34" charset="0"/>
+              <a:buChar char="•"/>
+              <a:defRPr kumimoji="1" sz="2000" kern="1200">
+                <a:solidFill>
+                  <a:schemeClr val="tx1"/>
+                </a:solidFill>
+                <a:latin typeface="+mn-lt"/>
+                <a:ea typeface="+mn-ea"/>
+                <a:cs typeface="+mn-cs"/>
+              </a:defRPr>
+            </a:lvl3pPr>
+            <a:lvl4pPr marL="1600200" indent="-228600" algn="l" defTabSz="914400" rtl="0" eaLnBrk="1" latinLnBrk="0" hangingPunct="1">
+              <a:lnSpc>
+                <a:spcPct val="90000"/>
+              </a:lnSpc>
+              <a:spcBef>
+                <a:spcPts val="500"/>
+              </a:spcBef>
+              <a:buFont typeface="Arial" panose="020B0604020202020204" pitchFamily="34" charset="0"/>
+              <a:buChar char="•"/>
+              <a:defRPr kumimoji="1" sz="1800" kern="1200">
+                <a:solidFill>
+                  <a:schemeClr val="tx1"/>
+                </a:solidFill>
+                <a:latin typeface="+mn-lt"/>
+                <a:ea typeface="+mn-ea"/>
+                <a:cs typeface="+mn-cs"/>
+              </a:defRPr>
+            </a:lvl4pPr>
+            <a:lvl5pPr marL="2057400" indent="-228600" algn="l" defTabSz="914400" rtl="0" eaLnBrk="1" latinLnBrk="0" hangingPunct="1">
+              <a:lnSpc>
+                <a:spcPct val="90000"/>
+              </a:lnSpc>
+              <a:spcBef>
+                <a:spcPts val="500"/>
+              </a:spcBef>
+              <a:buFont typeface="Arial" panose="020B0604020202020204" pitchFamily="34" charset="0"/>
+              <a:buChar char="•"/>
+              <a:defRPr kumimoji="1" sz="1800" kern="1200">
+                <a:solidFill>
+                  <a:schemeClr val="tx1"/>
+                </a:solidFill>
+                <a:latin typeface="+mn-lt"/>
+                <a:ea typeface="+mn-ea"/>
+                <a:cs typeface="+mn-cs"/>
+              </a:defRPr>
+            </a:lvl5pPr>
+            <a:lvl6pPr marL="2514600" indent="-228600" algn="l" defTabSz="914400" rtl="0" eaLnBrk="1" latinLnBrk="0" hangingPunct="1">
+              <a:lnSpc>
+                <a:spcPct val="90000"/>
+              </a:lnSpc>
+              <a:spcBef>
+                <a:spcPts val="500"/>
+              </a:spcBef>
+              <a:buFont typeface="Arial" panose="020B0604020202020204" pitchFamily="34" charset="0"/>
+              <a:buChar char="•"/>
+              <a:defRPr kumimoji="1" sz="1800" kern="1200">
+                <a:solidFill>
+                  <a:schemeClr val="tx1"/>
+                </a:solidFill>
+                <a:latin typeface="+mn-lt"/>
+                <a:ea typeface="+mn-ea"/>
+                <a:cs typeface="+mn-cs"/>
+              </a:defRPr>
+            </a:lvl6pPr>
+            <a:lvl7pPr marL="2971800" indent="-228600" algn="l" defTabSz="914400" rtl="0" eaLnBrk="1" latinLnBrk="0" hangingPunct="1">
+              <a:lnSpc>
+                <a:spcPct val="90000"/>
+              </a:lnSpc>
+              <a:spcBef>
+                <a:spcPts val="500"/>
+              </a:spcBef>
+              <a:buFont typeface="Arial" panose="020B0604020202020204" pitchFamily="34" charset="0"/>
+              <a:buChar char="•"/>
+              <a:defRPr kumimoji="1" sz="1800" kern="1200">
+                <a:solidFill>
+                  <a:schemeClr val="tx1"/>
+                </a:solidFill>
+                <a:latin typeface="+mn-lt"/>
+                <a:ea typeface="+mn-ea"/>
+                <a:cs typeface="+mn-cs"/>
+              </a:defRPr>
+            </a:lvl7pPr>
+            <a:lvl8pPr marL="3429000" indent="-228600" algn="l" defTabSz="914400" rtl="0" eaLnBrk="1" latinLnBrk="0" hangingPunct="1">
+              <a:lnSpc>
+                <a:spcPct val="90000"/>
+              </a:lnSpc>
+              <a:spcBef>
+                <a:spcPts val="500"/>
+              </a:spcBef>
+              <a:buFont typeface="Arial" panose="020B0604020202020204" pitchFamily="34" charset="0"/>
+              <a:buChar char="•"/>
+              <a:defRPr kumimoji="1" sz="1800" kern="1200">
+                <a:solidFill>
+                  <a:schemeClr val="tx1"/>
+                </a:solidFill>
+                <a:latin typeface="+mn-lt"/>
+                <a:ea typeface="+mn-ea"/>
+                <a:cs typeface="+mn-cs"/>
+              </a:defRPr>
+            </a:lvl8pPr>
+            <a:lvl9pPr marL="3886200" indent="-228600" algn="l" defTabSz="914400" rtl="0" eaLnBrk="1" latinLnBrk="0" hangingPunct="1">
+              <a:lnSpc>
+                <a:spcPct val="90000"/>
+              </a:lnSpc>
+              <a:spcBef>
+                <a:spcPts val="500"/>
+              </a:spcBef>
+              <a:buFont typeface="Arial" panose="020B0604020202020204" pitchFamily="34" charset="0"/>
+              <a:buChar char="•"/>
+              <a:defRPr kumimoji="1" sz="1800" kern="1200">
+                <a:solidFill>
+                  <a:schemeClr val="tx1"/>
+                </a:solidFill>
+                <a:latin typeface="+mn-lt"/>
+                <a:ea typeface="+mn-ea"/>
+                <a:cs typeface="+mn-cs"/>
+              </a:defRPr>
+            </a:lvl9pPr>
+          </a:lstStyle>
+          <a:p>
+            <a:r>
+              <a:rPr lang="ja-JP" altLang="en-US" sz="2400"/>
+              <a:t>最初からブランチを作成、こまめにコミットする</a:t>
+            </a:r>
+            <a:endParaRPr lang="en-US" altLang="ja-JP" sz="2400"/>
+          </a:p>
+          <a:p>
+            <a:r>
+              <a:rPr lang="ja-JP" altLang="en-US" sz="2400"/>
+              <a:t>リーダーの任命、リーダーとその他の役割を毎回明確化</a:t>
+            </a:r>
+            <a:endParaRPr lang="en-US" altLang="ja-JP" sz="2400"/>
+          </a:p>
+          <a:p>
+            <a:r>
+              <a:rPr lang="ja-JP" altLang="en-US" sz="2400"/>
+              <a:t>実装方法まで見据えた設計書を作る</a:t>
+            </a:r>
+            <a:endParaRPr lang="en-US" altLang="ja-JP" sz="2400"/>
+          </a:p>
+          <a:p>
+            <a:r>
+              <a:rPr lang="ja-JP" altLang="en-US" sz="2400"/>
+              <a:t>成果物の品質基準を各セクションで設定</a:t>
+            </a:r>
+          </a:p>
+          <a:p>
+            <a:endParaRPr lang="ja-JP" altLang="en-US"/>
+          </a:p>
+        </p:txBody>
+      </p:sp>
+      <p:sp>
+        <p:nvSpPr>
+          <p:cNvPr id="6" name="矢印: 下 5">
+            <a:extLst>
+              <a:ext uri="{FF2B5EF4-FFF2-40B4-BE49-F238E27FC236}">
+                <a16:creationId xmlns:a16="http://schemas.microsoft.com/office/drawing/2014/main" id="{75FF7987-BAB5-C073-84FE-48FD51AEA548}"/>
+              </a:ext>
+            </a:extLst>
+          </p:cNvPr>
+          <p:cNvSpPr/>
+          <p:nvPr/>
+        </p:nvSpPr>
+        <p:spPr>
+          <a:xfrm>
+            <a:off x="5853684" y="3796396"/>
+            <a:ext cx="484632" cy="474542"/>
+          </a:xfrm>
+          <a:prstGeom prst="downArrow">
+            <a:avLst/>
+          </a:prstGeom>
+          <a:solidFill>
+            <a:schemeClr val="tx1"/>
+          </a:solidFill>
+          <a:ln>
+            <a:solidFill>
+              <a:schemeClr val="tx1"/>
+            </a:solidFill>
+          </a:ln>
+        </p:spPr>
+        <p:style>
+          <a:lnRef idx="2">
+            <a:schemeClr val="accent1">
+              <a:shade val="15000"/>
+            </a:schemeClr>
+          </a:lnRef>
+          <a:fillRef idx="1">
+            <a:schemeClr val="accent1"/>
+          </a:fillRef>
+          <a:effectRef idx="0">
+            <a:schemeClr val="accent1"/>
+          </a:effectRef>
+          <a:fontRef idx="minor">
+            <a:schemeClr val="lt1"/>
+          </a:fontRef>
+        </p:style>
+        <p:txBody>
+          <a:bodyPr rtlCol="0" anchor="ctr"/>
+          <a:lstStyle/>
+          <a:p>
+            <a:pPr algn="ctr"/>
+            <a:endParaRPr kumimoji="1" lang="ja-JP" altLang="en-US"/>
+          </a:p>
+        </p:txBody>
+      </p:sp>
+      <p:cxnSp>
+        <p:nvCxnSpPr>
+          <p:cNvPr id="7" name="直線コネクタ 6">
+            <a:extLst>
+              <a:ext uri="{FF2B5EF4-FFF2-40B4-BE49-F238E27FC236}">
+                <a16:creationId xmlns:a16="http://schemas.microsoft.com/office/drawing/2014/main" id="{CE266128-F02D-29E7-D832-86DB9F089C15}"/>
+              </a:ext>
+            </a:extLst>
+          </p:cNvPr>
+          <p:cNvCxnSpPr>
+            <a:cxnSpLocks/>
+          </p:cNvCxnSpPr>
+          <p:nvPr/>
+        </p:nvCxnSpPr>
+        <p:spPr>
+          <a:xfrm>
+            <a:off x="696000" y="1205678"/>
+            <a:ext cx="10800000" cy="0"/>
+          </a:xfrm>
+          <a:prstGeom prst="line">
+            <a:avLst/>
+          </a:prstGeom>
+          <a:ln w="22225">
+            <a:solidFill>
+              <a:srgbClr val="FFC000"/>
+            </a:solidFill>
+          </a:ln>
+        </p:spPr>
+        <p:style>
+          <a:lnRef idx="2">
+            <a:schemeClr val="accent1"/>
+          </a:lnRef>
+          <a:fillRef idx="0">
+            <a:schemeClr val="accent1"/>
+          </a:fillRef>
+          <a:effectRef idx="1">
+            <a:schemeClr val="accent1"/>
+          </a:effectRef>
+          <a:fontRef idx="minor">
+            <a:schemeClr val="tx1"/>
+          </a:fontRef>
+        </p:style>
+      </p:cxnSp>
     </p:spTree>
     <p:extLst>
       <p:ext uri="{BB962C8B-B14F-4D97-AF65-F5344CB8AC3E}">
-        <p14:creationId xmlns:p14="http://schemas.microsoft.com/office/powerpoint/2010/main" val="524614988"/>
+        <p14:creationId xmlns:p14="http://schemas.microsoft.com/office/powerpoint/2010/main" val="1527129891"/>
       </p:ext>
     </p:extLst>
   </p:cSld>
@@ -13660,7 +15213,7 @@
 </p:sld>
 </file>
 
-<file path=ppt/slides/slide4.xml><?xml version="1.0" encoding="utf-8"?>
+<file path=ppt/slides/slide3.xml><?xml version="1.0" encoding="utf-8"?>
 <p:sld xmlns:a="http://schemas.openxmlformats.org/drawingml/2006/main" xmlns:r="http://schemas.openxmlformats.org/officeDocument/2006/relationships" xmlns:p="http://schemas.openxmlformats.org/presentationml/2006/main">
   <p:cSld>
     <p:spTree>
@@ -13701,7 +15254,7 @@
         </p:nvSpPr>
         <p:spPr>
           <a:xfrm>
-            <a:off x="838200" y="170174"/>
+            <a:off x="838200" y="494383"/>
             <a:ext cx="10515600" cy="1325563"/>
           </a:xfrm>
         </p:spPr>
@@ -14069,6 +15622,49 @@
           </a:p>
         </p:txBody>
       </p:sp>
+      <p:cxnSp>
+        <p:nvCxnSpPr>
+          <p:cNvPr id="5" name="直線コネクタ 4">
+            <a:extLst>
+              <a:ext uri="{FF2B5EF4-FFF2-40B4-BE49-F238E27FC236}">
+                <a16:creationId xmlns:a16="http://schemas.microsoft.com/office/drawing/2014/main" id="{9E1F6C17-9896-649D-0502-52569C9F516B}"/>
+              </a:ext>
+            </a:extLst>
+          </p:cNvPr>
+          <p:cNvCxnSpPr>
+            <a:cxnSpLocks/>
+          </p:cNvCxnSpPr>
+          <p:nvPr/>
+        </p:nvCxnSpPr>
+        <p:spPr>
+          <a:xfrm>
+            <a:off x="553800" y="1554480"/>
+            <a:ext cx="10800000" cy="0"/>
+          </a:xfrm>
+          <a:prstGeom prst="line">
+            <a:avLst/>
+          </a:prstGeom>
+          <a:ln w="22225">
+            <a:solidFill>
+              <a:srgbClr val="FFC000"/>
+            </a:solidFill>
+          </a:ln>
+        </p:spPr>
+        <p:style>
+          <a:lnRef idx="2">
+            <a:schemeClr val="accent1"/>
+          </a:lnRef>
+          <a:fillRef idx="0">
+            <a:schemeClr val="accent1"/>
+          </a:fillRef>
+          <a:effectRef idx="1">
+            <a:schemeClr val="accent1"/>
+          </a:effectRef>
+          <a:fontRef idx="minor">
+            <a:schemeClr val="tx1"/>
+          </a:fontRef>
+        </p:style>
+      </p:cxnSp>
     </p:spTree>
     <p:extLst>
       <p:ext uri="{BB962C8B-B14F-4D97-AF65-F5344CB8AC3E}">
@@ -14082,7 +15678,7 @@
 </p:sld>
 </file>
 
-<file path=ppt/slides/slide5.xml><?xml version="1.0" encoding="utf-8"?>
+<file path=ppt/slides/slide4.xml><?xml version="1.0" encoding="utf-8"?>
 <p:sld xmlns:a="http://schemas.openxmlformats.org/drawingml/2006/main" xmlns:r="http://schemas.openxmlformats.org/officeDocument/2006/relationships" xmlns:p="http://schemas.openxmlformats.org/presentationml/2006/main">
   <p:cSld>
     <p:spTree>
@@ -14123,7 +15719,7 @@
         </p:nvSpPr>
         <p:spPr>
           <a:xfrm>
-            <a:off x="838200" y="170174"/>
+            <a:off x="838200" y="461215"/>
             <a:ext cx="10515600" cy="1325563"/>
           </a:xfrm>
         </p:spPr>
@@ -14137,55 +15733,6 @@
               <a:rPr kumimoji="1" lang="ja-JP" altLang="en-US" sz="4000"/>
               <a:t>プロジェクト概要</a:t>
             </a:r>
-          </a:p>
-        </p:txBody>
-      </p:sp>
-      <p:sp>
-        <p:nvSpPr>
-          <p:cNvPr id="4" name="テキスト ボックス 3">
-            <a:extLst>
-              <a:ext uri="{FF2B5EF4-FFF2-40B4-BE49-F238E27FC236}">
-                <a16:creationId xmlns:a16="http://schemas.microsoft.com/office/drawing/2014/main" id="{3875F104-6CBF-E4B7-EC42-D14AEBE09655}"/>
-              </a:ext>
-            </a:extLst>
-          </p:cNvPr>
-          <p:cNvSpPr txBox="1"/>
-          <p:nvPr/>
-        </p:nvSpPr>
-        <p:spPr>
-          <a:xfrm>
-            <a:off x="794657" y="1194017"/>
-            <a:ext cx="2257349" cy="584775"/>
-          </a:xfrm>
-          <a:prstGeom prst="rect">
-            <a:avLst/>
-          </a:prstGeom>
-          <a:noFill/>
-          <a:ln>
-            <a:solidFill>
-              <a:schemeClr val="tx1"/>
-            </a:solidFill>
-          </a:ln>
-        </p:spPr>
-        <p:txBody>
-          <a:bodyPr wrap="none" lIns="91440" tIns="45720" rIns="91440" bIns="45720" rtlCol="0" anchor="t">
-            <a:spAutoFit/>
-          </a:bodyPr>
-          <a:lstStyle/>
-          <a:p>
-            <a:r>
-              <a:rPr kumimoji="1" lang="ja-JP" altLang="en-US" sz="3200">
-                <a:ea typeface="游ゴシック"/>
-              </a:rPr>
-              <a:t>チーム</a:t>
-            </a:r>
-            <a:r>
-              <a:rPr lang="ja-JP" altLang="en-US" sz="3200">
-                <a:ea typeface="游ゴシック"/>
-              </a:rPr>
-              <a:t>Jobs</a:t>
-            </a:r>
-            <a:endParaRPr kumimoji="1" lang="ja-JP" altLang="en-US" sz="3200"/>
           </a:p>
         </p:txBody>
       </p:sp>
@@ -14847,6 +16394,89 @@
           </a:p>
         </p:txBody>
       </p:sp>
+      <p:cxnSp>
+        <p:nvCxnSpPr>
+          <p:cNvPr id="3" name="直線コネクタ 2">
+            <a:extLst>
+              <a:ext uri="{FF2B5EF4-FFF2-40B4-BE49-F238E27FC236}">
+                <a16:creationId xmlns:a16="http://schemas.microsoft.com/office/drawing/2014/main" id="{19E980DF-DFB5-3294-1A39-4E2E8760B168}"/>
+              </a:ext>
+            </a:extLst>
+          </p:cNvPr>
+          <p:cNvCxnSpPr>
+            <a:cxnSpLocks/>
+          </p:cNvCxnSpPr>
+          <p:nvPr/>
+        </p:nvCxnSpPr>
+        <p:spPr>
+          <a:xfrm>
+            <a:off x="553800" y="1554480"/>
+            <a:ext cx="10800000" cy="0"/>
+          </a:xfrm>
+          <a:prstGeom prst="line">
+            <a:avLst/>
+          </a:prstGeom>
+          <a:ln w="22225">
+            <a:solidFill>
+              <a:srgbClr val="FFC000"/>
+            </a:solidFill>
+          </a:ln>
+        </p:spPr>
+        <p:style>
+          <a:lnRef idx="2">
+            <a:schemeClr val="accent1"/>
+          </a:lnRef>
+          <a:fillRef idx="0">
+            <a:schemeClr val="accent1"/>
+          </a:fillRef>
+          <a:effectRef idx="1">
+            <a:schemeClr val="accent1"/>
+          </a:effectRef>
+          <a:fontRef idx="minor">
+            <a:schemeClr val="tx1"/>
+          </a:fontRef>
+        </p:style>
+      </p:cxnSp>
+      <p:sp>
+        <p:nvSpPr>
+          <p:cNvPr id="5" name="テキスト ボックス 4">
+            <a:extLst>
+              <a:ext uri="{FF2B5EF4-FFF2-40B4-BE49-F238E27FC236}">
+                <a16:creationId xmlns:a16="http://schemas.microsoft.com/office/drawing/2014/main" id="{A9236A0D-7FA9-4F4A-7F0F-DE4850AA78C9}"/>
+              </a:ext>
+            </a:extLst>
+          </p:cNvPr>
+          <p:cNvSpPr txBox="1"/>
+          <p:nvPr/>
+        </p:nvSpPr>
+        <p:spPr>
+          <a:xfrm>
+            <a:off x="5953800" y="826704"/>
+            <a:ext cx="3876032" cy="523220"/>
+          </a:xfrm>
+          <a:prstGeom prst="rect">
+            <a:avLst/>
+          </a:prstGeom>
+          <a:noFill/>
+        </p:spPr>
+        <p:txBody>
+          <a:bodyPr wrap="square" rtlCol="0">
+            <a:spAutoFit/>
+          </a:bodyPr>
+          <a:lstStyle/>
+          <a:p>
+            <a:r>
+              <a:rPr kumimoji="1" lang="ja-JP" altLang="en-US" sz="2800"/>
+              <a:t>チーム</a:t>
+            </a:r>
+            <a:r>
+              <a:rPr kumimoji="1" lang="en-US" altLang="ja-JP" sz="2800"/>
+              <a:t>jobs</a:t>
+            </a:r>
+            <a:endParaRPr kumimoji="1" lang="ja-JP" altLang="en-US" sz="2800"/>
+          </a:p>
+        </p:txBody>
+      </p:sp>
     </p:spTree>
     <p:extLst>
       <p:ext uri="{BB962C8B-B14F-4D97-AF65-F5344CB8AC3E}">
@@ -14865,7 +16495,7 @@
 </p:sld>
 </file>
 
-<file path=ppt/slides/slide6.xml><?xml version="1.0" encoding="utf-8"?>
+<file path=ppt/slides/slide5.xml><?xml version="1.0" encoding="utf-8"?>
 <p:sld xmlns:a="http://schemas.openxmlformats.org/drawingml/2006/main" xmlns:r="http://schemas.openxmlformats.org/officeDocument/2006/relationships" xmlns:p="http://schemas.openxmlformats.org/presentationml/2006/main">
   <p:cSld>
     <p:spTree>
@@ -14900,7 +16530,7 @@
         </p:nvSpPr>
         <p:spPr>
           <a:xfrm>
-            <a:off x="542364" y="288085"/>
+            <a:off x="838200" y="288084"/>
             <a:ext cx="10515600" cy="1325563"/>
           </a:xfrm>
         </p:spPr>
@@ -14932,8 +16562,8 @@
         </p:nvSpPr>
         <p:spPr>
           <a:xfrm>
-            <a:off x="542364" y="1613648"/>
-            <a:ext cx="10811436" cy="5663089"/>
+            <a:off x="838200" y="2431384"/>
+            <a:ext cx="10811436" cy="5170646"/>
           </a:xfrm>
           <a:prstGeom prst="rect">
             <a:avLst/>
@@ -14941,17 +16571,10 @@
           <a:noFill/>
         </p:spPr>
         <p:txBody>
-          <a:bodyPr wrap="square" lIns="91440" tIns="45720" rIns="91440" bIns="45720" rtlCol="0" anchor="t">
+          <a:bodyPr wrap="square" rtlCol="0">
             <a:spAutoFit/>
           </a:bodyPr>
           <a:lstStyle/>
-          <a:p>
-            <a:r>
-              <a:rPr lang="ja-JP" altLang="en-US" sz="3200"/>
-              <a:t>機能一覧</a:t>
-            </a:r>
-            <a:endParaRPr lang="en-US" altLang="ja-JP" sz="3200"/>
-          </a:p>
           <a:p>
             <a:pPr marL="457200" indent="-457200">
               <a:lnSpc>
@@ -14961,38 +16584,26 @@
               <a:buAutoNum type="arabicPeriod"/>
             </a:pPr>
             <a:r>
-              <a:rPr lang="ja-JP" altLang="en-US" sz="2400">
-                <a:ea typeface="游ゴシック"/>
-              </a:rPr>
+              <a:rPr lang="ja-JP" altLang="en-US" sz="2400"/>
               <a:t>商品一覧</a:t>
             </a:r>
             <a:r>
-              <a:rPr lang="en-US" altLang="ja-JP" sz="2400">
-                <a:ea typeface="游ゴシック"/>
-              </a:rPr>
+              <a:rPr lang="en-US" altLang="ja-JP" sz="2400"/>
               <a:t>/</a:t>
             </a:r>
             <a:r>
-              <a:rPr lang="ja-JP" altLang="en-US" sz="2400">
-                <a:ea typeface="游ゴシック"/>
-              </a:rPr>
-              <a:t>詳細表示　　　  　    </a:t>
-            </a:r>
-            <a:r>
-              <a:rPr lang="en-US" altLang="ja-JP" sz="2400">
-                <a:ea typeface="游ゴシック"/>
-              </a:rPr>
+              <a:rPr lang="ja-JP" altLang="en-US" sz="2400"/>
+              <a:t>詳細表示　　　　  </a:t>
+            </a:r>
+            <a:r>
+              <a:rPr lang="en-US" altLang="ja-JP" sz="2400"/>
               <a:t>…</a:t>
             </a:r>
             <a:r>
-              <a:rPr lang="ja-JP" altLang="en-US" sz="2400">
-                <a:ea typeface="游ゴシック"/>
-              </a:rPr>
+              <a:rPr lang="ja-JP" altLang="en-US" sz="2400"/>
               <a:t>　　商品情報を手軽に取得</a:t>
             </a:r>
-            <a:endParaRPr lang="en-US" altLang="ja-JP" sz="2400">
-              <a:ea typeface="游ゴシック"/>
-            </a:endParaRPr>
+            <a:endParaRPr lang="en-US" altLang="ja-JP" sz="2400"/>
           </a:p>
           <a:p>
             <a:pPr marL="457200" indent="-457200">
@@ -15003,50 +16614,34 @@
               <a:buAutoNum type="arabicPeriod"/>
             </a:pPr>
             <a:r>
-              <a:rPr lang="ja-JP" altLang="en-US" sz="2400">
-                <a:ea typeface="游ゴシック"/>
-              </a:rPr>
+              <a:rPr lang="ja-JP" altLang="en-US" sz="2400"/>
               <a:t>カート追加</a:t>
             </a:r>
             <a:r>
-              <a:rPr lang="en-US" altLang="ja-JP" sz="2400">
-                <a:ea typeface="游ゴシック"/>
-              </a:rPr>
+              <a:rPr lang="en-US" altLang="ja-JP" sz="2400"/>
               <a:t>/</a:t>
             </a:r>
             <a:r>
-              <a:rPr lang="ja-JP" altLang="en-US" sz="2400">
-                <a:ea typeface="游ゴシック"/>
-              </a:rPr>
+              <a:rPr lang="ja-JP" altLang="en-US" sz="2400"/>
               <a:t>更新</a:t>
             </a:r>
             <a:r>
-              <a:rPr lang="en-US" altLang="ja-JP" sz="2400">
-                <a:ea typeface="游ゴシック"/>
-              </a:rPr>
+              <a:rPr lang="en-US" altLang="ja-JP" sz="2400"/>
               <a:t>/</a:t>
             </a:r>
             <a:r>
-              <a:rPr lang="ja-JP" altLang="en-US" sz="2400">
-                <a:ea typeface="游ゴシック"/>
-              </a:rPr>
-              <a:t>削除　  　 　 </a:t>
-            </a:r>
-            <a:r>
-              <a:rPr lang="en-US" altLang="ja-JP" sz="2400">
-                <a:ea typeface="游ゴシック"/>
-              </a:rPr>
+              <a:rPr lang="ja-JP" altLang="en-US" sz="2400"/>
+              <a:t>削除　　　</a:t>
+            </a:r>
+            <a:r>
+              <a:rPr lang="en-US" altLang="ja-JP" sz="2400"/>
               <a:t>…</a:t>
             </a:r>
             <a:r>
-              <a:rPr lang="ja-JP" altLang="en-US" sz="2400">
-                <a:ea typeface="游ゴシック"/>
-              </a:rPr>
+              <a:rPr lang="ja-JP" altLang="en-US" sz="2400"/>
               <a:t>　　購入予定商品を管理可能</a:t>
             </a:r>
-            <a:endParaRPr lang="en-US" altLang="ja-JP" sz="2400">
-              <a:ea typeface="游ゴシック"/>
-            </a:endParaRPr>
+            <a:endParaRPr lang="en-US" altLang="ja-JP" sz="2400"/>
           </a:p>
           <a:p>
             <a:pPr marL="457200" indent="-457200">
@@ -15057,26 +16652,18 @@
               <a:buAutoNum type="arabicPeriod"/>
             </a:pPr>
             <a:r>
-              <a:rPr lang="ja-JP" altLang="en-US" sz="2400">
-                <a:ea typeface="游ゴシック"/>
-              </a:rPr>
+              <a:rPr lang="ja-JP" altLang="en-US" sz="2400"/>
               <a:t>注文機能　　　　　　　　　</a:t>
             </a:r>
             <a:r>
-              <a:rPr lang="en-US" altLang="ja-JP" sz="2400">
-                <a:ea typeface="游ゴシック"/>
-              </a:rPr>
-              <a:t>    …</a:t>
-            </a:r>
-            <a:r>
-              <a:rPr lang="ja-JP" altLang="en-US" sz="2400">
-                <a:ea typeface="游ゴシック"/>
-              </a:rPr>
+              <a:rPr lang="en-US" altLang="ja-JP" sz="2400"/>
+              <a:t>…</a:t>
+            </a:r>
+            <a:r>
+              <a:rPr lang="ja-JP" altLang="en-US" sz="2400"/>
               <a:t>　　購入手続きがスムーズ</a:t>
             </a:r>
-            <a:endParaRPr lang="en-US" altLang="ja-JP" sz="2400">
-              <a:ea typeface="游ゴシック"/>
-            </a:endParaRPr>
+            <a:endParaRPr lang="en-US" altLang="ja-JP" sz="2400"/>
           </a:p>
           <a:p>
             <a:pPr marL="457200" indent="-457200">
@@ -15087,26 +16674,26 @@
               <a:buAutoNum type="arabicPeriod"/>
             </a:pPr>
             <a:r>
-              <a:rPr lang="ja-JP" altLang="en-US" sz="2400">
-                <a:ea typeface="游ゴシック"/>
-              </a:rPr>
-              <a:t>キーワード/カテゴリ検索機能       </a:t>
-            </a:r>
-            <a:r>
-              <a:rPr lang="en-US" altLang="ja-JP" sz="2400">
-                <a:ea typeface="游ゴシック"/>
-              </a:rPr>
+              <a:rPr lang="ja-JP" altLang="en-US" sz="2400"/>
+              <a:t>キーワード</a:t>
+            </a:r>
+            <a:r>
+              <a:rPr lang="en-US" altLang="ja-JP" sz="2400"/>
+              <a:t>/</a:t>
+            </a:r>
+            <a:r>
+              <a:rPr lang="ja-JP" altLang="en-US" sz="2400"/>
+              <a:t>カテゴリ検索機能              </a:t>
+            </a:r>
+            <a:r>
+              <a:rPr lang="en-US" altLang="ja-JP" sz="2400"/>
               <a:t>…</a:t>
             </a:r>
             <a:r>
-              <a:rPr lang="ja-JP" altLang="en-US" sz="2400">
-                <a:ea typeface="游ゴシック"/>
-              </a:rPr>
+              <a:rPr lang="ja-JP" altLang="en-US" sz="2400"/>
               <a:t>　　欲しい商品を素早く検索</a:t>
             </a:r>
-            <a:endParaRPr lang="en-US" altLang="ja-JP" sz="2400">
-              <a:ea typeface="游ゴシック"/>
-            </a:endParaRPr>
+            <a:endParaRPr lang="en-US" altLang="ja-JP" sz="2400"/>
           </a:p>
           <a:p>
             <a:pPr marL="457200" indent="-457200">
@@ -15117,26 +16704,18 @@
               <a:buAutoNum type="arabicPeriod"/>
             </a:pPr>
             <a:r>
-              <a:rPr lang="ja-JP" altLang="en-US" sz="2400">
-                <a:ea typeface="游ゴシック"/>
-              </a:rPr>
-              <a:t>並び替え機能　                         </a:t>
-            </a:r>
-            <a:r>
-              <a:rPr lang="en-US" altLang="ja-JP" sz="2400">
-                <a:ea typeface="游ゴシック"/>
-              </a:rPr>
+              <a:rPr lang="ja-JP" altLang="en-US" sz="2400"/>
+              <a:t>並び替え機能　                     </a:t>
+            </a:r>
+            <a:r>
+              <a:rPr lang="en-US" altLang="ja-JP" sz="2400"/>
               <a:t>…</a:t>
             </a:r>
             <a:r>
-              <a:rPr lang="ja-JP" altLang="en-US" sz="2400">
-                <a:ea typeface="游ゴシック"/>
-              </a:rPr>
+              <a:rPr lang="ja-JP" altLang="en-US" sz="2400"/>
               <a:t>　　新着順や価格順で並び替え可能　</a:t>
             </a:r>
-            <a:endParaRPr lang="en-US" altLang="ja-JP" sz="2400">
-              <a:ea typeface="游ゴシック"/>
-            </a:endParaRPr>
+            <a:endParaRPr lang="en-US" altLang="ja-JP" sz="2400"/>
           </a:p>
           <a:p>
             <a:endParaRPr lang="en-US" altLang="ja-JP"/>
@@ -15152,6 +16731,85 @@
           </a:p>
           <a:p>
             <a:endParaRPr kumimoji="1" lang="ja-JP" altLang="en-US"/>
+          </a:p>
+        </p:txBody>
+      </p:sp>
+      <p:cxnSp>
+        <p:nvCxnSpPr>
+          <p:cNvPr id="4" name="直線コネクタ 3">
+            <a:extLst>
+              <a:ext uri="{FF2B5EF4-FFF2-40B4-BE49-F238E27FC236}">
+                <a16:creationId xmlns:a16="http://schemas.microsoft.com/office/drawing/2014/main" id="{B252D4F9-251E-DFDA-4D26-25D5C7CA538E}"/>
+              </a:ext>
+            </a:extLst>
+          </p:cNvPr>
+          <p:cNvCxnSpPr>
+            <a:cxnSpLocks/>
+          </p:cNvCxnSpPr>
+          <p:nvPr/>
+        </p:nvCxnSpPr>
+        <p:spPr>
+          <a:xfrm>
+            <a:off x="553800" y="1353312"/>
+            <a:ext cx="10800000" cy="0"/>
+          </a:xfrm>
+          <a:prstGeom prst="line">
+            <a:avLst/>
+          </a:prstGeom>
+          <a:ln w="22225">
+            <a:solidFill>
+              <a:srgbClr val="FFC000"/>
+            </a:solidFill>
+          </a:ln>
+        </p:spPr>
+        <p:style>
+          <a:lnRef idx="2">
+            <a:schemeClr val="accent1"/>
+          </a:lnRef>
+          <a:fillRef idx="0">
+            <a:schemeClr val="accent1"/>
+          </a:fillRef>
+          <a:effectRef idx="1">
+            <a:schemeClr val="accent1"/>
+          </a:effectRef>
+          <a:fontRef idx="minor">
+            <a:schemeClr val="tx1"/>
+          </a:fontRef>
+        </p:style>
+      </p:cxnSp>
+      <p:sp>
+        <p:nvSpPr>
+          <p:cNvPr id="5" name="テキスト ボックス 4">
+            <a:extLst>
+              <a:ext uri="{FF2B5EF4-FFF2-40B4-BE49-F238E27FC236}">
+                <a16:creationId xmlns:a16="http://schemas.microsoft.com/office/drawing/2014/main" id="{BA0EADFF-E229-6AAE-9212-EC856466A177}"/>
+              </a:ext>
+            </a:extLst>
+          </p:cNvPr>
+          <p:cNvSpPr txBox="1"/>
+          <p:nvPr/>
+        </p:nvSpPr>
+        <p:spPr>
+          <a:xfrm>
+            <a:off x="838200" y="1723500"/>
+            <a:ext cx="1826141" cy="584775"/>
+          </a:xfrm>
+          <a:prstGeom prst="rect">
+            <a:avLst/>
+          </a:prstGeom>
+          <a:noFill/>
+        </p:spPr>
+        <p:txBody>
+          <a:bodyPr wrap="none" rtlCol="0">
+            <a:spAutoFit/>
+          </a:bodyPr>
+          <a:lstStyle/>
+          <a:p>
+            <a:r>
+              <a:rPr lang="ja-JP" altLang="en-US" sz="3200"/>
+              <a:t>機能一覧</a:t>
+            </a:r>
+            <a:endParaRPr kumimoji="1" lang="ja-JP" altLang="en-US" sz="3200"/>
           </a:p>
         </p:txBody>
       </p:sp>
@@ -15168,7 +16826,7 @@
 </p:sld>
 </file>
 
-<file path=ppt/slides/slide7.xml><?xml version="1.0" encoding="utf-8"?>
+<file path=ppt/slides/slide6.xml><?xml version="1.0" encoding="utf-8"?>
 <p:sld xmlns:a="http://schemas.openxmlformats.org/drawingml/2006/main" xmlns:r="http://schemas.openxmlformats.org/officeDocument/2006/relationships" xmlns:p="http://schemas.openxmlformats.org/presentationml/2006/main">
   <p:cSld>
     <p:spTree>
@@ -15244,70 +16902,70 @@
         </p:nvSpPr>
         <p:spPr>
           <a:xfrm>
-            <a:off x="838200" y="2282375"/>
+            <a:off x="838200" y="2451391"/>
             <a:ext cx="10515600" cy="4351338"/>
           </a:xfrm>
         </p:spPr>
         <p:txBody>
           <a:bodyPr vert="horz" lIns="91440" tIns="45720" rIns="91440" bIns="45720" rtlCol="0" anchor="t">
-            <a:normAutofit fontScale="77500" lnSpcReduction="20000"/>
+            <a:normAutofit fontScale="25000" lnSpcReduction="20000"/>
           </a:bodyPr>
           <a:lstStyle/>
           <a:p>
             <a:r>
-              <a:rPr lang="ja-JP" altLang="en-US">
+              <a:rPr lang="ja-JP" altLang="en-US" sz="8000">
                 <a:ea typeface="游ゴシック"/>
               </a:rPr>
               <a:t>門脇：配属後開発の一連の流れをしっかり把握して業務にあたれるようになる。</a:t>
             </a:r>
-            <a:endParaRPr lang="en-US" altLang="ja-JP"/>
-          </a:p>
-          <a:p>
-            <a:endParaRPr lang="en-US" altLang="ja-JP"/>
-          </a:p>
-          <a:p>
-            <a:r>
-              <a:rPr lang="ja-JP" altLang="en-US"/>
+            <a:endParaRPr lang="en-US" altLang="ja-JP" sz="8000"/>
+          </a:p>
+          <a:p>
+            <a:endParaRPr lang="en-US" altLang="ja-JP" sz="8000"/>
+          </a:p>
+          <a:p>
+            <a:r>
+              <a:rPr lang="ja-JP" altLang="en-US" sz="8000"/>
               <a:t>梅田：システム開発の一連の流れを理解し、それぞれの工程の理解を深める</a:t>
             </a:r>
-            <a:endParaRPr lang="en-US" altLang="ja-JP"/>
-          </a:p>
-          <a:p>
-            <a:endParaRPr lang="en-US" altLang="ja-JP"/>
-          </a:p>
-          <a:p>
-            <a:r>
-              <a:rPr lang="ja-JP" altLang="en-US"/>
+            <a:endParaRPr lang="en-US" altLang="ja-JP" sz="8000"/>
+          </a:p>
+          <a:p>
+            <a:endParaRPr lang="en-US" altLang="ja-JP" sz="8000"/>
+          </a:p>
+          <a:p>
+            <a:r>
+              <a:rPr lang="ja-JP" altLang="en-US" sz="8000"/>
               <a:t>田村：一つでも頼られるような分野をもって、チームに貢献できるようになる</a:t>
             </a:r>
-            <a:endParaRPr lang="en-US" altLang="ja-JP"/>
-          </a:p>
-          <a:p>
-            <a:endParaRPr lang="en-US" altLang="ja-JP"/>
-          </a:p>
-          <a:p>
-            <a:r>
-              <a:rPr lang="ja-JP" altLang="en-US"/>
+            <a:endParaRPr lang="en-US" altLang="ja-JP" sz="8000"/>
+          </a:p>
+          <a:p>
+            <a:endParaRPr lang="en-US" altLang="ja-JP" sz="8000"/>
+          </a:p>
+          <a:p>
+            <a:r>
+              <a:rPr lang="ja-JP" altLang="en-US" sz="8000"/>
               <a:t>壷坂：エンジニアの方の懐にはいって会話できるコンサルタントになる</a:t>
             </a:r>
-            <a:endParaRPr lang="en-US" altLang="ja-JP"/>
-          </a:p>
-          <a:p>
-            <a:endParaRPr lang="en-US" altLang="ja-JP"/>
-          </a:p>
-          <a:p>
-            <a:r>
-              <a:rPr lang="ja-JP" altLang="en-US"/>
+            <a:endParaRPr lang="en-US" altLang="ja-JP" sz="8000"/>
+          </a:p>
+          <a:p>
+            <a:endParaRPr lang="en-US" altLang="ja-JP" sz="8000"/>
+          </a:p>
+          <a:p>
+            <a:r>
+              <a:rPr lang="ja-JP" altLang="en-US" sz="8000"/>
               <a:t>中川：要件定義からの開発の流れを理解できるようにする</a:t>
             </a:r>
-            <a:endParaRPr lang="en-US" altLang="ja-JP"/>
-          </a:p>
-          <a:p>
-            <a:endParaRPr lang="en-US" altLang="ja-JP"/>
-          </a:p>
-          <a:p>
-            <a:r>
-              <a:rPr lang="ja-JP" altLang="en-US"/>
+            <a:endParaRPr lang="en-US" altLang="ja-JP" sz="8000"/>
+          </a:p>
+          <a:p>
+            <a:endParaRPr lang="en-US" altLang="ja-JP" sz="8000"/>
+          </a:p>
+          <a:p>
+            <a:r>
+              <a:rPr lang="ja-JP" altLang="en-US" sz="8000"/>
               <a:t>平本：システム開発の一連の流れを理解して、大まかな内容を把握する</a:t>
             </a:r>
           </a:p>
@@ -15330,7 +16988,7 @@
         </p:nvSpPr>
         <p:spPr>
           <a:xfrm>
-            <a:off x="838200" y="1400846"/>
+            <a:off x="838200" y="1588699"/>
             <a:ext cx="3467616" cy="584775"/>
           </a:xfrm>
           <a:prstGeom prst="rect">
@@ -15352,6 +17010,49 @@
           </a:p>
         </p:txBody>
       </p:sp>
+      <p:cxnSp>
+        <p:nvCxnSpPr>
+          <p:cNvPr id="7" name="直線コネクタ 6">
+            <a:extLst>
+              <a:ext uri="{FF2B5EF4-FFF2-40B4-BE49-F238E27FC236}">
+                <a16:creationId xmlns:a16="http://schemas.microsoft.com/office/drawing/2014/main" id="{AFAA67A4-0B4E-882D-9B87-4514FA87BA9B}"/>
+              </a:ext>
+            </a:extLst>
+          </p:cNvPr>
+          <p:cNvCxnSpPr>
+            <a:cxnSpLocks/>
+          </p:cNvCxnSpPr>
+          <p:nvPr/>
+        </p:nvCxnSpPr>
+        <p:spPr>
+          <a:xfrm>
+            <a:off x="696000" y="1310782"/>
+            <a:ext cx="10800000" cy="0"/>
+          </a:xfrm>
+          <a:prstGeom prst="line">
+            <a:avLst/>
+          </a:prstGeom>
+          <a:ln w="22225">
+            <a:solidFill>
+              <a:srgbClr val="FFC000"/>
+            </a:solidFill>
+          </a:ln>
+        </p:spPr>
+        <p:style>
+          <a:lnRef idx="2">
+            <a:schemeClr val="accent1"/>
+          </a:lnRef>
+          <a:fillRef idx="0">
+            <a:schemeClr val="accent1"/>
+          </a:fillRef>
+          <a:effectRef idx="1">
+            <a:schemeClr val="accent1"/>
+          </a:effectRef>
+          <a:fontRef idx="minor">
+            <a:schemeClr val="tx1"/>
+          </a:fontRef>
+        </p:style>
+      </p:cxnSp>
     </p:spTree>
     <p:extLst>
       <p:ext uri="{BB962C8B-B14F-4D97-AF65-F5344CB8AC3E}">
@@ -15362,15 +17063,10 @@
   <p:clrMapOvr>
     <a:masterClrMapping/>
   </p:clrMapOvr>
-  <p:extLst>
-    <p:ext uri="{6950BFC3-D8DA-4A85-94F7-54DA5524770B}">
-      <p188:commentRel xmlns:p188="http://schemas.microsoft.com/office/powerpoint/2018/8/main" r:id="rId2"/>
-    </p:ext>
-  </p:extLst>
 </p:sld>
 </file>
 
-<file path=ppt/slides/slide8.xml><?xml version="1.0" encoding="utf-8"?>
+<file path=ppt/slides/slide7.xml><?xml version="1.0" encoding="utf-8"?>
 <p:sld xmlns:a="http://schemas.openxmlformats.org/drawingml/2006/main" xmlns:r="http://schemas.openxmlformats.org/officeDocument/2006/relationships" xmlns:p="http://schemas.openxmlformats.org/presentationml/2006/main">
   <p:cSld>
     <p:spTree>
@@ -15641,6 +17337,49 @@
           </a:p>
         </p:txBody>
       </p:sp>
+      <p:cxnSp>
+        <p:nvCxnSpPr>
+          <p:cNvPr id="4" name="直線コネクタ 3">
+            <a:extLst>
+              <a:ext uri="{FF2B5EF4-FFF2-40B4-BE49-F238E27FC236}">
+                <a16:creationId xmlns:a16="http://schemas.microsoft.com/office/drawing/2014/main" id="{249D43C6-1E78-BF45-2348-CB4A52F7B868}"/>
+              </a:ext>
+            </a:extLst>
+          </p:cNvPr>
+          <p:cNvCxnSpPr>
+            <a:cxnSpLocks/>
+          </p:cNvCxnSpPr>
+          <p:nvPr/>
+        </p:nvCxnSpPr>
+        <p:spPr>
+          <a:xfrm>
+            <a:off x="838200" y="1502806"/>
+            <a:ext cx="10800000" cy="0"/>
+          </a:xfrm>
+          <a:prstGeom prst="line">
+            <a:avLst/>
+          </a:prstGeom>
+          <a:ln w="22225">
+            <a:solidFill>
+              <a:srgbClr val="FFC000"/>
+            </a:solidFill>
+          </a:ln>
+        </p:spPr>
+        <p:style>
+          <a:lnRef idx="2">
+            <a:schemeClr val="accent1"/>
+          </a:lnRef>
+          <a:fillRef idx="0">
+            <a:schemeClr val="accent1"/>
+          </a:fillRef>
+          <a:effectRef idx="1">
+            <a:schemeClr val="accent1"/>
+          </a:effectRef>
+          <a:fontRef idx="minor">
+            <a:schemeClr val="tx1"/>
+          </a:fontRef>
+        </p:style>
+      </p:cxnSp>
     </p:spTree>
     <p:extLst>
       <p:ext uri="{BB962C8B-B14F-4D97-AF65-F5344CB8AC3E}">
@@ -15654,7 +17393,7 @@
 </p:sld>
 </file>
 
-<file path=ppt/slides/slide9.xml><?xml version="1.0" encoding="utf-8"?>
+<file path=ppt/slides/slide8.xml><?xml version="1.0" encoding="utf-8"?>
 <p:sld xmlns:a="http://schemas.openxmlformats.org/drawingml/2006/main" xmlns:r="http://schemas.openxmlformats.org/officeDocument/2006/relationships" xmlns:p="http://schemas.openxmlformats.org/presentationml/2006/main">
   <p:cSld>
     <p:spTree>
@@ -15689,7 +17428,7 @@
         </p:nvSpPr>
         <p:spPr>
           <a:xfrm>
-            <a:off x="475130" y="150983"/>
+            <a:off x="980400" y="282216"/>
             <a:ext cx="10515600" cy="1325563"/>
           </a:xfrm>
         </p:spPr>
@@ -15748,7 +17487,7 @@
           <p:nvPr>
             <p:extLst>
               <p:ext uri="{D42A27DB-BD31-4B8C-83A1-F6EECF244321}">
-                <p14:modId xmlns:p14="http://schemas.microsoft.com/office/powerpoint/2010/main" val="3668069650"/>
+                <p14:modId xmlns:p14="http://schemas.microsoft.com/office/powerpoint/2010/main" val="3201300313"/>
               </p:ext>
             </p:extLst>
           </p:nvPr>
@@ -15777,7 +17516,7 @@
         </p:nvSpPr>
         <p:spPr>
           <a:xfrm>
-            <a:off x="502024" y="1315392"/>
+            <a:off x="980400" y="1607779"/>
             <a:ext cx="3957918" cy="584775"/>
           </a:xfrm>
           <a:prstGeom prst="rect">
@@ -15799,6 +17538,49 @@
           </a:p>
         </p:txBody>
       </p:sp>
+      <p:cxnSp>
+        <p:nvCxnSpPr>
+          <p:cNvPr id="3" name="直線コネクタ 2">
+            <a:extLst>
+              <a:ext uri="{FF2B5EF4-FFF2-40B4-BE49-F238E27FC236}">
+                <a16:creationId xmlns:a16="http://schemas.microsoft.com/office/drawing/2014/main" id="{E88173F6-4D44-CB36-23DB-C200617FECEA}"/>
+              </a:ext>
+            </a:extLst>
+          </p:cNvPr>
+          <p:cNvCxnSpPr>
+            <a:cxnSpLocks/>
+          </p:cNvCxnSpPr>
+          <p:nvPr/>
+        </p:nvCxnSpPr>
+        <p:spPr>
+          <a:xfrm>
+            <a:off x="696000" y="1310782"/>
+            <a:ext cx="10800000" cy="0"/>
+          </a:xfrm>
+          <a:prstGeom prst="line">
+            <a:avLst/>
+          </a:prstGeom>
+          <a:ln w="22225">
+            <a:solidFill>
+              <a:srgbClr val="FFC000"/>
+            </a:solidFill>
+          </a:ln>
+        </p:spPr>
+        <p:style>
+          <a:lnRef idx="2">
+            <a:schemeClr val="accent1"/>
+          </a:lnRef>
+          <a:fillRef idx="0">
+            <a:schemeClr val="accent1"/>
+          </a:fillRef>
+          <a:effectRef idx="1">
+            <a:schemeClr val="accent1"/>
+          </a:effectRef>
+          <a:fontRef idx="minor">
+            <a:schemeClr val="tx1"/>
+          </a:fontRef>
+        </p:style>
+      </p:cxnSp>
     </p:spTree>
     <p:extLst>
       <p:ext uri="{BB962C8B-B14F-4D97-AF65-F5344CB8AC3E}">
@@ -15809,6 +17591,190 @@
   <p:clrMapOvr>
     <a:masterClrMapping/>
   </p:clrMapOvr>
+</p:sld>
+</file>
+
+<file path=ppt/slides/slide9.xml><?xml version="1.0" encoding="utf-8"?>
+<p:sld xmlns:a="http://schemas.openxmlformats.org/drawingml/2006/main" xmlns:r="http://schemas.openxmlformats.org/officeDocument/2006/relationships" xmlns:p="http://schemas.openxmlformats.org/presentationml/2006/main">
+  <p:cSld>
+    <p:spTree>
+      <p:nvGrpSpPr>
+        <p:cNvPr id="1" name=""/>
+        <p:cNvGrpSpPr/>
+        <p:nvPr/>
+      </p:nvGrpSpPr>
+      <p:grpSpPr>
+        <a:xfrm>
+          <a:off x="0" y="0"/>
+          <a:ext cx="0" cy="0"/>
+          <a:chOff x="0" y="0"/>
+          <a:chExt cx="0" cy="0"/>
+        </a:xfrm>
+      </p:grpSpPr>
+      <p:sp>
+        <p:nvSpPr>
+          <p:cNvPr id="2" name="タイトル 1">
+            <a:extLst>
+              <a:ext uri="{FF2B5EF4-FFF2-40B4-BE49-F238E27FC236}">
+                <a16:creationId xmlns:a16="http://schemas.microsoft.com/office/drawing/2014/main" id="{2CBEF607-F63B-DDB5-BE00-8069DFF1D562}"/>
+              </a:ext>
+            </a:extLst>
+          </p:cNvPr>
+          <p:cNvSpPr>
+            <a:spLocks noGrp="1"/>
+          </p:cNvSpPr>
+          <p:nvPr>
+            <p:ph type="title"/>
+          </p:nvPr>
+        </p:nvSpPr>
+        <p:spPr>
+          <a:xfrm>
+            <a:off x="838200" y="96960"/>
+            <a:ext cx="10515600" cy="1325563"/>
+          </a:xfrm>
+        </p:spPr>
+        <p:txBody>
+          <a:bodyPr>
+            <a:normAutofit/>
+          </a:bodyPr>
+          <a:lstStyle/>
+          <a:p>
+            <a:r>
+              <a:rPr lang="ja-JP" altLang="en-US" sz="4000"/>
+              <a:t>開発したシステムの特徴</a:t>
+            </a:r>
+            <a:endParaRPr kumimoji="1" lang="ja-JP" altLang="en-US" sz="4000"/>
+          </a:p>
+        </p:txBody>
+      </p:sp>
+      <p:pic>
+        <p:nvPicPr>
+          <p:cNvPr id="4" name="図 3">
+            <a:extLst>
+              <a:ext uri="{FF2B5EF4-FFF2-40B4-BE49-F238E27FC236}">
+                <a16:creationId xmlns:a16="http://schemas.microsoft.com/office/drawing/2014/main" id="{60F70878-A17E-3509-2298-202CF40FB565}"/>
+              </a:ext>
+            </a:extLst>
+          </p:cNvPr>
+          <p:cNvPicPr>
+            <a:picLocks noChangeAspect="1"/>
+          </p:cNvPicPr>
+          <p:nvPr/>
+        </p:nvPicPr>
+        <p:blipFill>
+          <a:blip r:embed="rId3"/>
+          <a:stretch>
+            <a:fillRect/>
+          </a:stretch>
+        </p:blipFill>
+        <p:spPr>
+          <a:xfrm>
+            <a:off x="3245224" y="1422523"/>
+            <a:ext cx="5535292" cy="5244384"/>
+          </a:xfrm>
+          <a:prstGeom prst="rect">
+            <a:avLst/>
+          </a:prstGeom>
+        </p:spPr>
+      </p:pic>
+      <p:sp>
+        <p:nvSpPr>
+          <p:cNvPr id="5" name="テキスト ボックス 4">
+            <a:extLst>
+              <a:ext uri="{FF2B5EF4-FFF2-40B4-BE49-F238E27FC236}">
+                <a16:creationId xmlns:a16="http://schemas.microsoft.com/office/drawing/2014/main" id="{B77A8326-2C74-461B-37AA-7489A4679474}"/>
+              </a:ext>
+            </a:extLst>
+          </p:cNvPr>
+          <p:cNvSpPr txBox="1"/>
+          <p:nvPr/>
+        </p:nvSpPr>
+        <p:spPr>
+          <a:xfrm>
+            <a:off x="838200" y="1534264"/>
+            <a:ext cx="2407024" cy="584775"/>
+          </a:xfrm>
+          <a:prstGeom prst="rect">
+            <a:avLst/>
+          </a:prstGeom>
+          <a:noFill/>
+        </p:spPr>
+        <p:txBody>
+          <a:bodyPr wrap="square" rtlCol="0">
+            <a:spAutoFit/>
+          </a:bodyPr>
+          <a:lstStyle/>
+          <a:p>
+            <a:r>
+              <a:rPr lang="en-US" altLang="ja-JP" sz="3200"/>
+              <a:t>ER</a:t>
+            </a:r>
+            <a:r>
+              <a:rPr lang="ja-JP" altLang="en-US" sz="3200"/>
+              <a:t>図</a:t>
+            </a:r>
+            <a:endParaRPr kumimoji="1" lang="ja-JP" altLang="en-US" sz="3200"/>
+          </a:p>
+        </p:txBody>
+      </p:sp>
+      <p:cxnSp>
+        <p:nvCxnSpPr>
+          <p:cNvPr id="3" name="直線コネクタ 2">
+            <a:extLst>
+              <a:ext uri="{FF2B5EF4-FFF2-40B4-BE49-F238E27FC236}">
+                <a16:creationId xmlns:a16="http://schemas.microsoft.com/office/drawing/2014/main" id="{5D5C4FA0-C4A6-8697-AC10-166EA4BB6447}"/>
+              </a:ext>
+            </a:extLst>
+          </p:cNvPr>
+          <p:cNvCxnSpPr>
+            <a:cxnSpLocks/>
+          </p:cNvCxnSpPr>
+          <p:nvPr/>
+        </p:nvCxnSpPr>
+        <p:spPr>
+          <a:xfrm>
+            <a:off x="696000" y="1200613"/>
+            <a:ext cx="10800000" cy="0"/>
+          </a:xfrm>
+          <a:prstGeom prst="line">
+            <a:avLst/>
+          </a:prstGeom>
+          <a:ln w="22225">
+            <a:solidFill>
+              <a:srgbClr val="FFC000"/>
+            </a:solidFill>
+          </a:ln>
+        </p:spPr>
+        <p:style>
+          <a:lnRef idx="2">
+            <a:schemeClr val="accent1"/>
+          </a:lnRef>
+          <a:fillRef idx="0">
+            <a:schemeClr val="accent1"/>
+          </a:fillRef>
+          <a:effectRef idx="1">
+            <a:schemeClr val="accent1"/>
+          </a:effectRef>
+          <a:fontRef idx="minor">
+            <a:schemeClr val="tx1"/>
+          </a:fontRef>
+        </p:style>
+      </p:cxnSp>
+    </p:spTree>
+    <p:extLst>
+      <p:ext uri="{BB962C8B-B14F-4D97-AF65-F5344CB8AC3E}">
+        <p14:creationId xmlns:p14="http://schemas.microsoft.com/office/powerpoint/2010/main" val="1282783784"/>
+      </p:ext>
+    </p:extLst>
+  </p:cSld>
+  <p:clrMapOvr>
+    <a:masterClrMapping/>
+  </p:clrMapOvr>
+  <p:extLst>
+    <p:ext uri="{6950BFC3-D8DA-4A85-94F7-54DA5524770B}">
+      <p188:commentRel xmlns:p188="http://schemas.microsoft.com/office/powerpoint/2018/8/main" r:id="rId2"/>
+    </p:ext>
+  </p:extLst>
 </p:sld>
 </file>
 
